--- a/谭锦德-2022年终述职报告-最终版.pptx
+++ b/谭锦德-2022年终述职报告-最终版.pptx
@@ -5,43 +5,43 @@
     <p:sldMasterId id="2147483648" r:id="rId1"/>
   </p:sldMasterIdLst>
   <p:notesMasterIdLst>
-    <p:notesMasterId r:id="rId4"/>
+    <p:notesMasterId r:id="rId31"/>
   </p:notesMasterIdLst>
   <p:sldIdLst>
-    <p:sldId id="256" r:id="rId3"/>
-    <p:sldId id="257" r:id="rId5"/>
-    <p:sldId id="263" r:id="rId6"/>
-    <p:sldId id="264" r:id="rId7"/>
-    <p:sldId id="266" r:id="rId8"/>
-    <p:sldId id="290" r:id="rId9"/>
-    <p:sldId id="268" r:id="rId10"/>
-    <p:sldId id="269" r:id="rId11"/>
-    <p:sldId id="276" r:id="rId12"/>
-    <p:sldId id="277" r:id="rId13"/>
-    <p:sldId id="278" r:id="rId14"/>
-    <p:sldId id="279" r:id="rId15"/>
-    <p:sldId id="280" r:id="rId16"/>
-    <p:sldId id="281" r:id="rId17"/>
-    <p:sldId id="282" r:id="rId18"/>
-    <p:sldId id="284" r:id="rId19"/>
-    <p:sldId id="285" r:id="rId20"/>
-    <p:sldId id="286" r:id="rId21"/>
-    <p:sldId id="287" r:id="rId22"/>
-    <p:sldId id="288" r:id="rId23"/>
-    <p:sldId id="289" r:id="rId24"/>
-    <p:sldId id="267" r:id="rId25"/>
-    <p:sldId id="270" r:id="rId26"/>
-    <p:sldId id="271" r:id="rId27"/>
-    <p:sldId id="272" r:id="rId28"/>
-    <p:sldId id="273" r:id="rId29"/>
-    <p:sldId id="274" r:id="rId30"/>
-    <p:sldId id="275" r:id="rId31"/>
-    <p:sldId id="262" r:id="rId32"/>
+    <p:sldId id="256" r:id="rId2"/>
+    <p:sldId id="257" r:id="rId3"/>
+    <p:sldId id="263" r:id="rId4"/>
+    <p:sldId id="264" r:id="rId5"/>
+    <p:sldId id="266" r:id="rId6"/>
+    <p:sldId id="290" r:id="rId7"/>
+    <p:sldId id="268" r:id="rId8"/>
+    <p:sldId id="269" r:id="rId9"/>
+    <p:sldId id="276" r:id="rId10"/>
+    <p:sldId id="277" r:id="rId11"/>
+    <p:sldId id="278" r:id="rId12"/>
+    <p:sldId id="279" r:id="rId13"/>
+    <p:sldId id="280" r:id="rId14"/>
+    <p:sldId id="281" r:id="rId15"/>
+    <p:sldId id="282" r:id="rId16"/>
+    <p:sldId id="284" r:id="rId17"/>
+    <p:sldId id="285" r:id="rId18"/>
+    <p:sldId id="286" r:id="rId19"/>
+    <p:sldId id="287" r:id="rId20"/>
+    <p:sldId id="288" r:id="rId21"/>
+    <p:sldId id="289" r:id="rId22"/>
+    <p:sldId id="267" r:id="rId23"/>
+    <p:sldId id="270" r:id="rId24"/>
+    <p:sldId id="271" r:id="rId25"/>
+    <p:sldId id="272" r:id="rId26"/>
+    <p:sldId id="273" r:id="rId27"/>
+    <p:sldId id="274" r:id="rId28"/>
+    <p:sldId id="275" r:id="rId29"/>
+    <p:sldId id="262" r:id="rId30"/>
   </p:sldIdLst>
   <p:sldSz cx="9144000" cy="5143500" type="screen16x9"/>
   <p:notesSz cx="6858000" cy="9144000"/>
   <p:custDataLst>
-    <p:tags r:id="rId36"/>
+    <p:tags r:id="rId32"/>
   </p:custDataLst>
   <p:defaultTextStyle>
     <a:defPPr>
@@ -138,6 +138,22 @@
       </a:defRPr>
     </a:lvl9pPr>
   </p:defaultTextStyle>
+  <p:extLst>
+    <p:ext uri="{EFAFB233-063F-42B5-8137-9DF3F51BA10A}">
+      <p15:sldGuideLst xmlns:p15="http://schemas.microsoft.com/office/powerpoint/2012/main">
+        <p15:guide id="1" orient="horz" pos="1620">
+          <p15:clr>
+            <a:srgbClr val="A4A3A4"/>
+          </p15:clr>
+        </p15:guide>
+        <p15:guide id="2" pos="2896">
+          <p15:clr>
+            <a:srgbClr val="A4A3A4"/>
+          </p15:clr>
+        </p15:guide>
+      </p15:sldGuideLst>
+    </p:ext>
+  </p:extLst>
 </p:presentation>
 </file>
 
@@ -916,7 +932,7 @@
         </a:p>
       </dgm:t>
     </dgm:pt>
-    <dgm:pt modelId="{CA24ABA2-31A3-4735-9ABA-1A9788D47169}" cxnId="{6EA94160-DD8C-4B8E-B7C0-E7E9699B853D}" type="parTrans">
+    <dgm:pt modelId="{CA24ABA2-31A3-4735-9ABA-1A9788D47169}" type="parTrans" cxnId="{6EA94160-DD8C-4B8E-B7C0-E7E9699B853D}">
       <dgm:prSet/>
       <dgm:spPr/>
       <dgm:t>
@@ -927,7 +943,7 @@
         </a:p>
       </dgm:t>
     </dgm:pt>
-    <dgm:pt modelId="{1A6D3612-B55E-40C6-8560-E4FBA2E7A1F9}" cxnId="{6EA94160-DD8C-4B8E-B7C0-E7E9699B853D}" type="sibTrans">
+    <dgm:pt modelId="{1A6D3612-B55E-40C6-8560-E4FBA2E7A1F9}" type="sibTrans" cxnId="{6EA94160-DD8C-4B8E-B7C0-E7E9699B853D}">
       <dgm:prSet/>
       <dgm:spPr/>
       <dgm:t>
@@ -952,7 +968,7 @@
         </a:p>
       </dgm:t>
     </dgm:pt>
-    <dgm:pt modelId="{8C26ED83-B446-4A98-B450-8E4E10209035}" cxnId="{5B2586F4-6583-48C5-ADFF-334F5C7B174E}" type="parTrans">
+    <dgm:pt modelId="{8C26ED83-B446-4A98-B450-8E4E10209035}" type="parTrans" cxnId="{5B2586F4-6583-48C5-ADFF-334F5C7B174E}">
       <dgm:prSet/>
       <dgm:spPr/>
       <dgm:t>
@@ -963,7 +979,7 @@
         </a:p>
       </dgm:t>
     </dgm:pt>
-    <dgm:pt modelId="{8AC62F8D-588D-4BC1-B534-79DFC43FDAF6}" cxnId="{5B2586F4-6583-48C5-ADFF-334F5C7B174E}" type="sibTrans">
+    <dgm:pt modelId="{8AC62F8D-588D-4BC1-B534-79DFC43FDAF6}" type="sibTrans" cxnId="{5B2586F4-6583-48C5-ADFF-334F5C7B174E}">
       <dgm:prSet/>
       <dgm:spPr/>
       <dgm:t>
@@ -988,7 +1004,7 @@
         </a:p>
       </dgm:t>
     </dgm:pt>
-    <dgm:pt modelId="{3E3C4B26-7FB5-4EE1-BB82-D38C66D87D30}" cxnId="{B4FDC8C3-1B2C-4F2A-AF93-F818F4265B2E}" type="parTrans">
+    <dgm:pt modelId="{3E3C4B26-7FB5-4EE1-BB82-D38C66D87D30}" type="parTrans" cxnId="{B4FDC8C3-1B2C-4F2A-AF93-F818F4265B2E}">
       <dgm:prSet/>
       <dgm:spPr/>
       <dgm:t>
@@ -999,7 +1015,7 @@
         </a:p>
       </dgm:t>
     </dgm:pt>
-    <dgm:pt modelId="{3046B23D-66FD-479D-AE08-D4296F3EBA1F}" cxnId="{B4FDC8C3-1B2C-4F2A-AF93-F818F4265B2E}" type="sibTrans">
+    <dgm:pt modelId="{3046B23D-66FD-479D-AE08-D4296F3EBA1F}" type="sibTrans" cxnId="{B4FDC8C3-1B2C-4F2A-AF93-F818F4265B2E}">
       <dgm:prSet/>
       <dgm:spPr/>
       <dgm:t>
@@ -1024,7 +1040,7 @@
         </a:p>
       </dgm:t>
     </dgm:pt>
-    <dgm:pt modelId="{98CE405C-3588-432B-9C19-AC4633C23AF5}" cxnId="{CA623BF5-4765-432A-9984-0FB3D625C355}" type="parTrans">
+    <dgm:pt modelId="{98CE405C-3588-432B-9C19-AC4633C23AF5}" type="parTrans" cxnId="{CA623BF5-4765-432A-9984-0FB3D625C355}">
       <dgm:prSet/>
       <dgm:spPr/>
       <dgm:t>
@@ -1035,7 +1051,7 @@
         </a:p>
       </dgm:t>
     </dgm:pt>
-    <dgm:pt modelId="{1507A5A1-6297-452D-9F40-F6EF2EDA1164}" cxnId="{CA623BF5-4765-432A-9984-0FB3D625C355}" type="sibTrans">
+    <dgm:pt modelId="{1507A5A1-6297-452D-9F40-F6EF2EDA1164}" type="sibTrans" cxnId="{CA623BF5-4765-432A-9984-0FB3D625C355}">
       <dgm:prSet/>
       <dgm:spPr/>
       <dgm:t>
@@ -1051,6 +1067,7 @@
       <dgm:spPr/>
       <dgm:t>
         <a:bodyPr vert="horz" wrap="square"/>
+        <a:lstStyle/>
         <a:p>
           <a:pPr>
             <a:lnSpc>
@@ -1065,25 +1082,13 @@
           </a:pPr>
           <a:r>
             <a:rPr lang="zh-CN" altLang="en-US" dirty="0"/>
-            <a:t>抽离</a:t>
-          </a:r>
-          <a:r>
-            <a:rPr lang="zh-CN" altLang="en-US" dirty="0"/>
-            <a:t>封装</a:t>
-          </a:r>
-          <a:r>
-            <a:rPr lang="zh-CN" altLang="en-US" dirty="0"/>
-            <a:t>常用代码</a:t>
-          </a:r>
-          <a:r>
-            <a:rPr/>
-            <a:t/>
+            <a:t>抽离封装常用代码</a:t>
           </a:r>
           <a:endParaRPr/>
         </a:p>
       </dgm:t>
     </dgm:pt>
-    <dgm:pt modelId="{B1CF0F8D-E1E3-408A-A7F2-B915E81428E4}" cxnId="{4BED73AE-4823-4B65-B9A1-C989368830A4}" type="parTrans">
+    <dgm:pt modelId="{B1CF0F8D-E1E3-408A-A7F2-B915E81428E4}" type="parTrans" cxnId="{4BED73AE-4823-4B65-B9A1-C989368830A4}">
       <dgm:prSet/>
       <dgm:spPr/>
       <dgm:t>
@@ -1094,7 +1099,7 @@
         </a:p>
       </dgm:t>
     </dgm:pt>
-    <dgm:pt modelId="{08A2A823-F0F7-43A3-9C37-2037F51CA8C2}" cxnId="{4BED73AE-4823-4B65-B9A1-C989368830A4}" type="sibTrans">
+    <dgm:pt modelId="{08A2A823-F0F7-43A3-9C37-2037F51CA8C2}" type="sibTrans" cxnId="{4BED73AE-4823-4B65-B9A1-C989368830A4}">
       <dgm:prSet/>
       <dgm:spPr/>
       <dgm:t>
@@ -1110,6 +1115,7 @@
       <dgm:spPr/>
       <dgm:t>
         <a:bodyPr vert="horz" wrap="square"/>
+        <a:lstStyle/>
         <a:p>
           <a:pPr>
             <a:lnSpc>
@@ -1124,25 +1130,13 @@
           </a:pPr>
           <a:r>
             <a:rPr lang="zh-CN" altLang="en-US" dirty="0"/>
-            <a:t>参考</a:t>
-          </a:r>
-          <a:r>
-            <a:rPr lang="zh-CN" altLang="en-US" dirty="0"/>
-            <a:t>历史</a:t>
-          </a:r>
-          <a:r>
-            <a:rPr lang="zh-CN" altLang="en-US" dirty="0"/>
-            <a:t>活动</a:t>
-          </a:r>
-          <a:r>
-            <a:rPr/>
-            <a:t/>
+            <a:t>参考历史活动</a:t>
           </a:r>
           <a:endParaRPr/>
         </a:p>
       </dgm:t>
     </dgm:pt>
-    <dgm:pt modelId="{C64C5025-92C6-4029-94D1-2E3EDABF5002}" cxnId="{815CCB3F-90AA-4673-A898-3A0602C6CEB8}" type="parTrans">
+    <dgm:pt modelId="{C64C5025-92C6-4029-94D1-2E3EDABF5002}" type="parTrans" cxnId="{815CCB3F-90AA-4673-A898-3A0602C6CEB8}">
       <dgm:prSet/>
       <dgm:spPr/>
       <dgm:t>
@@ -1153,7 +1147,7 @@
         </a:p>
       </dgm:t>
     </dgm:pt>
-    <dgm:pt modelId="{5AC4E70C-BE52-4912-B0A4-CFA1B9B75727}" cxnId="{815CCB3F-90AA-4673-A898-3A0602C6CEB8}" type="sibTrans">
+    <dgm:pt modelId="{5AC4E70C-BE52-4912-B0A4-CFA1B9B75727}" type="sibTrans" cxnId="{815CCB3F-90AA-4673-A898-3A0602C6CEB8}">
       <dgm:prSet/>
       <dgm:spPr/>
       <dgm:t>
@@ -1178,7 +1172,7 @@
         </a:p>
       </dgm:t>
     </dgm:pt>
-    <dgm:pt modelId="{D93C5BEF-41D4-4EFE-969C-AB7F7E6AAF75}" cxnId="{237210DE-F2D6-44BE-9411-509257EDBA42}" type="parTrans">
+    <dgm:pt modelId="{D93C5BEF-41D4-4EFE-969C-AB7F7E6AAF75}" type="parTrans" cxnId="{237210DE-F2D6-44BE-9411-509257EDBA42}">
       <dgm:prSet/>
       <dgm:spPr/>
       <dgm:t>
@@ -1189,7 +1183,7 @@
         </a:p>
       </dgm:t>
     </dgm:pt>
-    <dgm:pt modelId="{3A0AD979-9AEB-48A6-A5B0-63F508DB38BB}" cxnId="{237210DE-F2D6-44BE-9411-509257EDBA42}" type="sibTrans">
+    <dgm:pt modelId="{3A0AD979-9AEB-48A6-A5B0-63F508DB38BB}" type="sibTrans" cxnId="{237210DE-F2D6-44BE-9411-509257EDBA42}">
       <dgm:prSet/>
       <dgm:spPr/>
       <dgm:t>
@@ -1205,6 +1199,7 @@
       <dgm:spPr/>
       <dgm:t>
         <a:bodyPr vert="horz" wrap="square"/>
+        <a:lstStyle/>
         <a:p>
           <a:pPr>
             <a:lnSpc>
@@ -1219,29 +1214,13 @@
           </a:pPr>
           <a:r>
             <a:rPr lang="zh-CN" altLang="en-US" dirty="0"/>
-            <a:t>归纳</a:t>
-          </a:r>
-          <a:r>
-            <a:rPr lang="zh-CN" altLang="en-US" dirty="0"/>
-            <a:t>总结</a:t>
-          </a:r>
-          <a:r>
-            <a:rPr lang="zh-CN" altLang="en-US" dirty="0"/>
-            <a:t>形成</a:t>
-          </a:r>
-          <a:r>
-            <a:rPr lang="zh-CN" altLang="en-US" dirty="0"/>
-            <a:t>笔记</a:t>
-          </a:r>
-          <a:r>
-            <a:rPr/>
-            <a:t/>
+            <a:t>归纳总结形成笔记</a:t>
           </a:r>
           <a:endParaRPr/>
         </a:p>
       </dgm:t>
     </dgm:pt>
-    <dgm:pt modelId="{B17CDAC9-C2BA-4AAA-AAA4-E929FC2C3FD1}" cxnId="{1212FEC7-2DA7-4EC0-BCAF-2166EF23F04B}" type="parTrans">
+    <dgm:pt modelId="{B17CDAC9-C2BA-4AAA-AAA4-E929FC2C3FD1}" type="parTrans" cxnId="{1212FEC7-2DA7-4EC0-BCAF-2166EF23F04B}">
       <dgm:prSet/>
       <dgm:spPr/>
       <dgm:t>
@@ -1252,7 +1231,7 @@
         </a:p>
       </dgm:t>
     </dgm:pt>
-    <dgm:pt modelId="{38BE29BE-9160-4E3B-9336-1EC6864C7FF2}" cxnId="{1212FEC7-2DA7-4EC0-BCAF-2166EF23F04B}" type="sibTrans">
+    <dgm:pt modelId="{38BE29BE-9160-4E3B-9336-1EC6864C7FF2}" type="sibTrans" cxnId="{1212FEC7-2DA7-4EC0-BCAF-2166EF23F04B}">
       <dgm:prSet/>
       <dgm:spPr/>
       <dgm:t>
@@ -1277,7 +1256,7 @@
         </a:p>
       </dgm:t>
     </dgm:pt>
-    <dgm:pt modelId="{3D7ABD5F-80BB-4C02-A1DD-937B4AAC6490}" cxnId="{3600B55D-FC70-4D00-965F-FE4266B6962B}" type="parTrans">
+    <dgm:pt modelId="{3D7ABD5F-80BB-4C02-A1DD-937B4AAC6490}" type="parTrans" cxnId="{3600B55D-FC70-4D00-965F-FE4266B6962B}">
       <dgm:prSet/>
       <dgm:spPr/>
       <dgm:t>
@@ -1288,7 +1267,7 @@
         </a:p>
       </dgm:t>
     </dgm:pt>
-    <dgm:pt modelId="{9C238C6E-3E0C-4FEA-A41C-733045CCAA95}" cxnId="{3600B55D-FC70-4D00-965F-FE4266B6962B}" type="sibTrans">
+    <dgm:pt modelId="{9C238C6E-3E0C-4FEA-A41C-733045CCAA95}" type="sibTrans" cxnId="{3600B55D-FC70-4D00-965F-FE4266B6962B}">
       <dgm:prSet/>
       <dgm:spPr/>
       <dgm:t>
@@ -1329,7 +1308,7 @@
       <dgm:spPr/>
     </dgm:pt>
     <dgm:pt modelId="{C2F42449-A7DE-43CD-9B3E-E0AC7725D4D2}" type="pres">
-      <dgm:prSet presAssocID="{197F5254-202A-455B-BB35-3DC297BAC5E5}" presName="firstChildTx" presStyleCnt="0">
+      <dgm:prSet presAssocID="{197F5254-202A-455B-BB35-3DC297BAC5E5}" presName="firstChildTx" presStyleLbl="bgAccFollowNode1" presStyleIdx="0" presStyleCnt="6">
         <dgm:presLayoutVars>
           <dgm:bulletEnabled val="1"/>
         </dgm:presLayoutVars>
@@ -1345,7 +1324,7 @@
       <dgm:spPr/>
     </dgm:pt>
     <dgm:pt modelId="{78EB7230-5418-4540-ACC7-3CBE7368352C}" type="pres">
-      <dgm:prSet presAssocID="{C37EDD80-1154-42CF-8F78-2748D484CC9B}" presName="childTx" presStyleCnt="0">
+      <dgm:prSet presAssocID="{C37EDD80-1154-42CF-8F78-2748D484CC9B}" presName="childTx" presStyleLbl="bgAccFollowNode1" presStyleIdx="1" presStyleCnt="6">
         <dgm:presLayoutVars>
           <dgm:bulletEnabled val="1"/>
         </dgm:presLayoutVars>
@@ -1385,7 +1364,7 @@
       <dgm:spPr/>
     </dgm:pt>
     <dgm:pt modelId="{5D7C4B02-EB58-4FC9-8E69-5F77FD4E3EE7}" type="pres">
-      <dgm:prSet presAssocID="{F35A8C7C-B0A7-4991-9C55-701545892E41}" presName="firstChildTx" presStyleCnt="0">
+      <dgm:prSet presAssocID="{F35A8C7C-B0A7-4991-9C55-701545892E41}" presName="firstChildTx" presStyleLbl="bgAccFollowNode1" presStyleIdx="2" presStyleCnt="6">
         <dgm:presLayoutVars>
           <dgm:bulletEnabled val="1"/>
         </dgm:presLayoutVars>
@@ -1401,7 +1380,7 @@
       <dgm:spPr/>
     </dgm:pt>
     <dgm:pt modelId="{B1E0F316-CC40-4918-AD53-17D310241677}" type="pres">
-      <dgm:prSet presAssocID="{F40D6F70-4D4A-4009-A281-6C59B530CFA6}" presName="childTx" presStyleCnt="0">
+      <dgm:prSet presAssocID="{F40D6F70-4D4A-4009-A281-6C59B530CFA6}" presName="childTx" presStyleLbl="bgAccFollowNode1" presStyleIdx="3" presStyleCnt="6">
         <dgm:presLayoutVars>
           <dgm:bulletEnabled val="1"/>
         </dgm:presLayoutVars>
@@ -1441,7 +1420,7 @@
       <dgm:spPr/>
     </dgm:pt>
     <dgm:pt modelId="{78673B3E-D3A0-479C-B295-D5C10AF991CD}" type="pres">
-      <dgm:prSet presAssocID="{F72F3ED3-0CF9-4E37-B05E-4E11EC6D0266}" presName="firstChildTx" presStyleCnt="0">
+      <dgm:prSet presAssocID="{F72F3ED3-0CF9-4E37-B05E-4E11EC6D0266}" presName="firstChildTx" presStyleLbl="bgAccFollowNode1" presStyleIdx="4" presStyleCnt="6">
         <dgm:presLayoutVars>
           <dgm:bulletEnabled val="1"/>
         </dgm:presLayoutVars>
@@ -1457,7 +1436,7 @@
       <dgm:spPr/>
     </dgm:pt>
     <dgm:pt modelId="{E7867780-E804-4C19-869F-B8CB6A0F0C31}" type="pres">
-      <dgm:prSet presAssocID="{5ACDBBA7-FE1B-4266-8CE5-E2F1CCB69C40}" presName="childTx" presStyleCnt="0">
+      <dgm:prSet presAssocID="{5ACDBBA7-FE1B-4266-8CE5-E2F1CCB69C40}" presName="childTx" presStyleLbl="bgAccFollowNode1" presStyleIdx="5" presStyleCnt="6">
         <dgm:presLayoutVars>
           <dgm:bulletEnabled val="1"/>
         </dgm:presLayoutVars>
@@ -1474,118 +1453,129 @@
     </dgm:pt>
   </dgm:ptLst>
   <dgm:cxnLst>
+    <dgm:cxn modelId="{7D80BB09-58FD-4C08-B657-46E378335906}" type="presOf" srcId="{F40D6F70-4D4A-4009-A281-6C59B530CFA6}" destId="{B1E0F316-CC40-4918-AD53-17D310241677}" srcOrd="1" destOrd="0" presId="urn:microsoft.com/office/officeart/2005/8/layout/hList9#1"/>
+    <dgm:cxn modelId="{1066C60F-039B-4666-98C8-A11D03964EB4}" type="presOf" srcId="{F40D6F70-4D4A-4009-A281-6C59B530CFA6}" destId="{32FDF099-9C76-4A8B-8F60-619D951587B8}" srcOrd="0" destOrd="0" presId="urn:microsoft.com/office/officeart/2005/8/layout/hList9#1"/>
+    <dgm:cxn modelId="{0BD2AA20-5AE4-4BFC-A571-610079846585}" type="presOf" srcId="{5ACDBBA7-FE1B-4266-8CE5-E2F1CCB69C40}" destId="{E7867780-E804-4C19-869F-B8CB6A0F0C31}" srcOrd="1" destOrd="0" presId="urn:microsoft.com/office/officeart/2005/8/layout/hList9#1"/>
+    <dgm:cxn modelId="{60806E26-80F3-493E-910A-7C773829E708}" type="presOf" srcId="{4A21C43F-1933-42BD-AC0F-3093AD28DEE9}" destId="{97F2B0A6-0DCB-4223-85C8-CAAAD40EF956}" srcOrd="0" destOrd="0" presId="urn:microsoft.com/office/officeart/2005/8/layout/hList9#1"/>
+    <dgm:cxn modelId="{CB43C83D-900F-44CD-B399-A6670BFB5269}" type="presOf" srcId="{07ABCD95-051D-42D1-AEA4-7422BF34422B}" destId="{5D7C4B02-EB58-4FC9-8E69-5F77FD4E3EE7}" srcOrd="1" destOrd="0" presId="urn:microsoft.com/office/officeart/2005/8/layout/hList9#1"/>
+    <dgm:cxn modelId="{815CCB3F-90AA-4673-A898-3A0602C6CEB8}" srcId="{F35A8C7C-B0A7-4991-9C55-701545892E41}" destId="{F40D6F70-4D4A-4009-A281-6C59B530CFA6}" srcOrd="1" destOrd="0" parTransId="{C64C5025-92C6-4029-94D1-2E3EDABF5002}" sibTransId="{5AC4E70C-BE52-4912-B0A4-CFA1B9B75727}"/>
+    <dgm:cxn modelId="{3600B55D-FC70-4D00-965F-FE4266B6962B}" srcId="{F72F3ED3-0CF9-4E37-B05E-4E11EC6D0266}" destId="{5ACDBBA7-FE1B-4266-8CE5-E2F1CCB69C40}" srcOrd="1" destOrd="0" parTransId="{3D7ABD5F-80BB-4C02-A1DD-937B4AAC6490}" sibTransId="{9C238C6E-3E0C-4FEA-A41C-733045CCAA95}"/>
     <dgm:cxn modelId="{6EA94160-DD8C-4B8E-B7C0-E7E9699B853D}" srcId="{4A21C43F-1933-42BD-AC0F-3093AD28DEE9}" destId="{197F5254-202A-455B-BB35-3DC297BAC5E5}" srcOrd="0" destOrd="0" parTransId="{CA24ABA2-31A3-4735-9ABA-1A9788D47169}" sibTransId="{1A6D3612-B55E-40C6-8560-E4FBA2E7A1F9}"/>
+    <dgm:cxn modelId="{79D2E76A-8C43-44DE-AE61-6E7F42244533}" type="presOf" srcId="{6F46E621-8631-4694-AFC4-B6F6091E8FF2}" destId="{78673B3E-D3A0-479C-B295-D5C10AF991CD}" srcOrd="1" destOrd="0" presId="urn:microsoft.com/office/officeart/2005/8/layout/hList9#1"/>
+    <dgm:cxn modelId="{7D03BF6C-48DD-4A59-82D2-F9A6ECDC2368}" type="presOf" srcId="{07ABCD95-051D-42D1-AEA4-7422BF34422B}" destId="{F1631048-2C2F-40B9-9FD8-7E0B3F0714AB}" srcOrd="0" destOrd="0" presId="urn:microsoft.com/office/officeart/2005/8/layout/hList9#1"/>
+    <dgm:cxn modelId="{4A6EE871-5624-42FC-8339-A983FB8E7179}" type="presOf" srcId="{F72F3ED3-0CF9-4E37-B05E-4E11EC6D0266}" destId="{336A9AD5-9C39-48D4-8EB9-FC9D13547E0D}" srcOrd="0" destOrd="0" presId="urn:microsoft.com/office/officeart/2005/8/layout/hList9#1"/>
+    <dgm:cxn modelId="{741AA15A-1821-4E2E-B625-C5D55709B47E}" type="presOf" srcId="{5ACDBBA7-FE1B-4266-8CE5-E2F1CCB69C40}" destId="{28A83018-1213-494D-893E-C95742686BD8}" srcOrd="0" destOrd="0" presId="urn:microsoft.com/office/officeart/2005/8/layout/hList9#1"/>
+    <dgm:cxn modelId="{20A7567C-1208-4DA8-99D8-C35B1776CD28}" type="presOf" srcId="{F35A8C7C-B0A7-4991-9C55-701545892E41}" destId="{5713621D-16B7-4970-9E8A-FF9ABBF2AA7E}" srcOrd="0" destOrd="0" presId="urn:microsoft.com/office/officeart/2005/8/layout/hList9#1"/>
+    <dgm:cxn modelId="{80E5BF8D-3742-438B-8270-E88F7DEF4520}" type="presOf" srcId="{786CD340-061D-468D-8321-B0B5FC92AEA9}" destId="{C2F42449-A7DE-43CD-9B3E-E0AC7725D4D2}" srcOrd="1" destOrd="0" presId="urn:microsoft.com/office/officeart/2005/8/layout/hList9#1"/>
+    <dgm:cxn modelId="{034817A5-BD89-48CB-AE3D-0B9578FC5BD3}" type="presOf" srcId="{786CD340-061D-468D-8321-B0B5FC92AEA9}" destId="{3FF67F06-006D-46C8-B0B8-A74DAEAF1514}" srcOrd="0" destOrd="0" presId="urn:microsoft.com/office/officeart/2005/8/layout/hList9#1"/>
+    <dgm:cxn modelId="{AEEA4BA5-ACE6-4359-90D6-B838A17064D1}" type="presOf" srcId="{C37EDD80-1154-42CF-8F78-2748D484CC9B}" destId="{EBC12716-87DD-4807-A8C9-F77714F41531}" srcOrd="0" destOrd="0" presId="urn:microsoft.com/office/officeart/2005/8/layout/hList9#1"/>
+    <dgm:cxn modelId="{4BED73AE-4823-4B65-B9A1-C989368830A4}" srcId="{F35A8C7C-B0A7-4991-9C55-701545892E41}" destId="{07ABCD95-051D-42D1-AEA4-7422BF34422B}" srcOrd="0" destOrd="0" parTransId="{B1CF0F8D-E1E3-408A-A7F2-B915E81428E4}" sibTransId="{08A2A823-F0F7-43A3-9C37-2037F51CA8C2}"/>
+    <dgm:cxn modelId="{D5BE6AB6-9FBD-47D5-B1D2-9C69498D4B04}" type="presOf" srcId="{C37EDD80-1154-42CF-8F78-2748D484CC9B}" destId="{78EB7230-5418-4540-ACC7-3CBE7368352C}" srcOrd="1" destOrd="0" presId="urn:microsoft.com/office/officeart/2005/8/layout/hList9#1"/>
+    <dgm:cxn modelId="{F3F55FC1-DD25-4BA0-948C-41EA6F729892}" type="presOf" srcId="{6F46E621-8631-4694-AFC4-B6F6091E8FF2}" destId="{C897A443-6D4A-4342-AB5D-8B4EFC9ECE47}" srcOrd="0" destOrd="0" presId="urn:microsoft.com/office/officeart/2005/8/layout/hList9#1"/>
+    <dgm:cxn modelId="{B4FDC8C3-1B2C-4F2A-AF93-F818F4265B2E}" srcId="{197F5254-202A-455B-BB35-3DC297BAC5E5}" destId="{C37EDD80-1154-42CF-8F78-2748D484CC9B}" srcOrd="1" destOrd="0" parTransId="{3E3C4B26-7FB5-4EE1-BB82-D38C66D87D30}" sibTransId="{3046B23D-66FD-479D-AE08-D4296F3EBA1F}"/>
+    <dgm:cxn modelId="{1212FEC7-2DA7-4EC0-BCAF-2166EF23F04B}" srcId="{F72F3ED3-0CF9-4E37-B05E-4E11EC6D0266}" destId="{6F46E621-8631-4694-AFC4-B6F6091E8FF2}" srcOrd="0" destOrd="0" parTransId="{B17CDAC9-C2BA-4AAA-AAA4-E929FC2C3FD1}" sibTransId="{38BE29BE-9160-4E3B-9336-1EC6864C7FF2}"/>
+    <dgm:cxn modelId="{237210DE-F2D6-44BE-9411-509257EDBA42}" srcId="{4A21C43F-1933-42BD-AC0F-3093AD28DEE9}" destId="{F72F3ED3-0CF9-4E37-B05E-4E11EC6D0266}" srcOrd="2" destOrd="0" parTransId="{D93C5BEF-41D4-4EFE-969C-AB7F7E6AAF75}" sibTransId="{3A0AD979-9AEB-48A6-A5B0-63F508DB38BB}"/>
+    <dgm:cxn modelId="{E65415E5-6281-4846-9BAD-6887CA494634}" type="presOf" srcId="{197F5254-202A-455B-BB35-3DC297BAC5E5}" destId="{C05308CD-8475-4362-AFE1-B29FBB3DAFBF}" srcOrd="0" destOrd="0" presId="urn:microsoft.com/office/officeart/2005/8/layout/hList9#1"/>
     <dgm:cxn modelId="{5B2586F4-6583-48C5-ADFF-334F5C7B174E}" srcId="{197F5254-202A-455B-BB35-3DC297BAC5E5}" destId="{786CD340-061D-468D-8321-B0B5FC92AEA9}" srcOrd="0" destOrd="0" parTransId="{8C26ED83-B446-4A98-B450-8E4E10209035}" sibTransId="{8AC62F8D-588D-4BC1-B534-79DFC43FDAF6}"/>
-    <dgm:cxn modelId="{B4FDC8C3-1B2C-4F2A-AF93-F818F4265B2E}" srcId="{197F5254-202A-455B-BB35-3DC297BAC5E5}" destId="{C37EDD80-1154-42CF-8F78-2748D484CC9B}" srcOrd="1" destOrd="0" parTransId="{3E3C4B26-7FB5-4EE1-BB82-D38C66D87D30}" sibTransId="{3046B23D-66FD-479D-AE08-D4296F3EBA1F}"/>
     <dgm:cxn modelId="{CA623BF5-4765-432A-9984-0FB3D625C355}" srcId="{4A21C43F-1933-42BD-AC0F-3093AD28DEE9}" destId="{F35A8C7C-B0A7-4991-9C55-701545892E41}" srcOrd="1" destOrd="0" parTransId="{98CE405C-3588-432B-9C19-AC4633C23AF5}" sibTransId="{1507A5A1-6297-452D-9F40-F6EF2EDA1164}"/>
-    <dgm:cxn modelId="{4BED73AE-4823-4B65-B9A1-C989368830A4}" srcId="{F35A8C7C-B0A7-4991-9C55-701545892E41}" destId="{07ABCD95-051D-42D1-AEA4-7422BF34422B}" srcOrd="0" destOrd="1" parTransId="{B1CF0F8D-E1E3-408A-A7F2-B915E81428E4}" sibTransId="{08A2A823-F0F7-43A3-9C37-2037F51CA8C2}"/>
-    <dgm:cxn modelId="{815CCB3F-90AA-4673-A898-3A0602C6CEB8}" srcId="{F35A8C7C-B0A7-4991-9C55-701545892E41}" destId="{F40D6F70-4D4A-4009-A281-6C59B530CFA6}" srcOrd="1" destOrd="1" parTransId="{C64C5025-92C6-4029-94D1-2E3EDABF5002}" sibTransId="{5AC4E70C-BE52-4912-B0A4-CFA1B9B75727}"/>
-    <dgm:cxn modelId="{237210DE-F2D6-44BE-9411-509257EDBA42}" srcId="{4A21C43F-1933-42BD-AC0F-3093AD28DEE9}" destId="{F72F3ED3-0CF9-4E37-B05E-4E11EC6D0266}" srcOrd="2" destOrd="0" parTransId="{D93C5BEF-41D4-4EFE-969C-AB7F7E6AAF75}" sibTransId="{3A0AD979-9AEB-48A6-A5B0-63F508DB38BB}"/>
-    <dgm:cxn modelId="{1212FEC7-2DA7-4EC0-BCAF-2166EF23F04B}" srcId="{F72F3ED3-0CF9-4E37-B05E-4E11EC6D0266}" destId="{6F46E621-8631-4694-AFC4-B6F6091E8FF2}" srcOrd="0" destOrd="2" parTransId="{B17CDAC9-C2BA-4AAA-AAA4-E929FC2C3FD1}" sibTransId="{38BE29BE-9160-4E3B-9336-1EC6864C7FF2}"/>
-    <dgm:cxn modelId="{3600B55D-FC70-4D00-965F-FE4266B6962B}" srcId="{F72F3ED3-0CF9-4E37-B05E-4E11EC6D0266}" destId="{5ACDBBA7-FE1B-4266-8CE5-E2F1CCB69C40}" srcOrd="1" destOrd="2" parTransId="{3D7ABD5F-80BB-4C02-A1DD-937B4AAC6490}" sibTransId="{9C238C6E-3E0C-4FEA-A41C-733045CCAA95}"/>
-    <dgm:cxn modelId="{60806E26-80F3-493E-910A-7C773829E708}" type="presOf" srcId="{4A21C43F-1933-42BD-AC0F-3093AD28DEE9}" destId="{97F2B0A6-0DCB-4223-85C8-CAAAD40EF956}" srcOrd="0" destOrd="0" presId="urn:microsoft.com/office/officeart/2005/8/layout/hList9#1"/>
     <dgm:cxn modelId="{616AC3E0-4F95-436B-BAB4-8374F02630A7}" type="presParOf" srcId="{97F2B0A6-0DCB-4223-85C8-CAAAD40EF956}" destId="{D6E71C28-01E0-44DD-B719-BF8017B0B2FF}" srcOrd="0" destOrd="0" presId="urn:microsoft.com/office/officeart/2005/8/layout/hList9#1"/>
     <dgm:cxn modelId="{E05849D6-F71B-44B1-ADD7-E749F486173C}" type="presParOf" srcId="{97F2B0A6-0DCB-4223-85C8-CAAAD40EF956}" destId="{378933DD-13D0-476E-8591-9E0EEAF15D79}" srcOrd="1" destOrd="0" presId="urn:microsoft.com/office/officeart/2005/8/layout/hList9#1"/>
-    <dgm:cxn modelId="{77D6A59D-A88B-4359-87F8-427F8A43CBDC}" type="presParOf" srcId="{378933DD-13D0-476E-8591-9E0EEAF15D79}" destId="{2E9729FD-2B03-430C-835B-F23A12E9B95D}" srcOrd="0" destOrd="1" presId="urn:microsoft.com/office/officeart/2005/8/layout/hList9#1"/>
-    <dgm:cxn modelId="{E9621A26-8571-4A18-AF51-476A3D4D5C7B}" type="presParOf" srcId="{378933DD-13D0-476E-8591-9E0EEAF15D79}" destId="{6433001C-77C8-4F41-8B8B-16941418CF94}" srcOrd="1" destOrd="1" presId="urn:microsoft.com/office/officeart/2005/8/layout/hList9#1"/>
-    <dgm:cxn modelId="{DACBC29C-8912-406A-9A5F-5E8A0FFE00F5}" type="presParOf" srcId="{6433001C-77C8-4F41-8B8B-16941418CF94}" destId="{3FF67F06-006D-46C8-B0B8-A74DAEAF1514}" srcOrd="0" destOrd="1" presId="urn:microsoft.com/office/officeart/2005/8/layout/hList9#1"/>
-    <dgm:cxn modelId="{034817A5-BD89-48CB-AE3D-0B9578FC5BD3}" type="presOf" srcId="{786CD340-061D-468D-8321-B0B5FC92AEA9}" destId="{3FF67F06-006D-46C8-B0B8-A74DAEAF1514}" srcOrd="0" destOrd="0" presId="urn:microsoft.com/office/officeart/2005/8/layout/hList9#1"/>
-    <dgm:cxn modelId="{4B65B95D-B240-4A1A-A576-D6F6FF534626}" type="presParOf" srcId="{6433001C-77C8-4F41-8B8B-16941418CF94}" destId="{C2F42449-A7DE-43CD-9B3E-E0AC7725D4D2}" srcOrd="1" destOrd="1" presId="urn:microsoft.com/office/officeart/2005/8/layout/hList9#1"/>
-    <dgm:cxn modelId="{80E5BF8D-3742-438B-8270-E88F7DEF4520}" type="presOf" srcId="{786CD340-061D-468D-8321-B0B5FC92AEA9}" destId="{C2F42449-A7DE-43CD-9B3E-E0AC7725D4D2}" srcOrd="1" destOrd="0" presId="urn:microsoft.com/office/officeart/2005/8/layout/hList9#1"/>
-    <dgm:cxn modelId="{02311BCC-6E24-4137-9576-F011F3826954}" type="presParOf" srcId="{378933DD-13D0-476E-8591-9E0EEAF15D79}" destId="{140151B3-17C1-4A2B-A81A-A9689F4BC57A}" srcOrd="2" destOrd="1" presId="urn:microsoft.com/office/officeart/2005/8/layout/hList9#1"/>
-    <dgm:cxn modelId="{E54F52FE-2A19-4AB5-92C5-0E5F71DEB783}" type="presParOf" srcId="{140151B3-17C1-4A2B-A81A-A9689F4BC57A}" destId="{EBC12716-87DD-4807-A8C9-F77714F41531}" srcOrd="0" destOrd="2" presId="urn:microsoft.com/office/officeart/2005/8/layout/hList9#1"/>
-    <dgm:cxn modelId="{AEEA4BA5-ACE6-4359-90D6-B838A17064D1}" type="presOf" srcId="{C37EDD80-1154-42CF-8F78-2748D484CC9B}" destId="{EBC12716-87DD-4807-A8C9-F77714F41531}" srcOrd="0" destOrd="0" presId="urn:microsoft.com/office/officeart/2005/8/layout/hList9#1"/>
-    <dgm:cxn modelId="{EFF3B06F-C956-4E14-B2B7-76B319FC3732}" type="presParOf" srcId="{140151B3-17C1-4A2B-A81A-A9689F4BC57A}" destId="{78EB7230-5418-4540-ACC7-3CBE7368352C}" srcOrd="1" destOrd="2" presId="urn:microsoft.com/office/officeart/2005/8/layout/hList9#1"/>
-    <dgm:cxn modelId="{D5BE6AB6-9FBD-47D5-B1D2-9C69498D4B04}" type="presOf" srcId="{C37EDD80-1154-42CF-8F78-2748D484CC9B}" destId="{78EB7230-5418-4540-ACC7-3CBE7368352C}" srcOrd="1" destOrd="0" presId="urn:microsoft.com/office/officeart/2005/8/layout/hList9#1"/>
+    <dgm:cxn modelId="{77D6A59D-A88B-4359-87F8-427F8A43CBDC}" type="presParOf" srcId="{378933DD-13D0-476E-8591-9E0EEAF15D79}" destId="{2E9729FD-2B03-430C-835B-F23A12E9B95D}" srcOrd="0" destOrd="0" presId="urn:microsoft.com/office/officeart/2005/8/layout/hList9#1"/>
+    <dgm:cxn modelId="{E9621A26-8571-4A18-AF51-476A3D4D5C7B}" type="presParOf" srcId="{378933DD-13D0-476E-8591-9E0EEAF15D79}" destId="{6433001C-77C8-4F41-8B8B-16941418CF94}" srcOrd="1" destOrd="0" presId="urn:microsoft.com/office/officeart/2005/8/layout/hList9#1"/>
+    <dgm:cxn modelId="{DACBC29C-8912-406A-9A5F-5E8A0FFE00F5}" type="presParOf" srcId="{6433001C-77C8-4F41-8B8B-16941418CF94}" destId="{3FF67F06-006D-46C8-B0B8-A74DAEAF1514}" srcOrd="0" destOrd="0" presId="urn:microsoft.com/office/officeart/2005/8/layout/hList9#1"/>
+    <dgm:cxn modelId="{4B65B95D-B240-4A1A-A576-D6F6FF534626}" type="presParOf" srcId="{6433001C-77C8-4F41-8B8B-16941418CF94}" destId="{C2F42449-A7DE-43CD-9B3E-E0AC7725D4D2}" srcOrd="1" destOrd="0" presId="urn:microsoft.com/office/officeart/2005/8/layout/hList9#1"/>
+    <dgm:cxn modelId="{02311BCC-6E24-4137-9576-F011F3826954}" type="presParOf" srcId="{378933DD-13D0-476E-8591-9E0EEAF15D79}" destId="{140151B3-17C1-4A2B-A81A-A9689F4BC57A}" srcOrd="2" destOrd="0" presId="urn:microsoft.com/office/officeart/2005/8/layout/hList9#1"/>
+    <dgm:cxn modelId="{E54F52FE-2A19-4AB5-92C5-0E5F71DEB783}" type="presParOf" srcId="{140151B3-17C1-4A2B-A81A-A9689F4BC57A}" destId="{EBC12716-87DD-4807-A8C9-F77714F41531}" srcOrd="0" destOrd="0" presId="urn:microsoft.com/office/officeart/2005/8/layout/hList9#1"/>
+    <dgm:cxn modelId="{EFF3B06F-C956-4E14-B2B7-76B319FC3732}" type="presParOf" srcId="{140151B3-17C1-4A2B-A81A-A9689F4BC57A}" destId="{78EB7230-5418-4540-ACC7-3CBE7368352C}" srcOrd="1" destOrd="0" presId="urn:microsoft.com/office/officeart/2005/8/layout/hList9#1"/>
     <dgm:cxn modelId="{FAFD2DAF-4947-4BF5-A3AD-6620221EAE66}" type="presParOf" srcId="{97F2B0A6-0DCB-4223-85C8-CAAAD40EF956}" destId="{D11448A5-F56A-4E4E-907B-4654A2BE62D5}" srcOrd="2" destOrd="0" presId="urn:microsoft.com/office/officeart/2005/8/layout/hList9#1"/>
     <dgm:cxn modelId="{C6558575-F241-4165-831A-A3977B3A307C}" type="presParOf" srcId="{97F2B0A6-0DCB-4223-85C8-CAAAD40EF956}" destId="{C05308CD-8475-4362-AFE1-B29FBB3DAFBF}" srcOrd="3" destOrd="0" presId="urn:microsoft.com/office/officeart/2005/8/layout/hList9#1"/>
-    <dgm:cxn modelId="{E65415E5-6281-4846-9BAD-6887CA494634}" type="presOf" srcId="{197F5254-202A-455B-BB35-3DC297BAC5E5}" destId="{C05308CD-8475-4362-AFE1-B29FBB3DAFBF}" srcOrd="0" destOrd="0" presId="urn:microsoft.com/office/officeart/2005/8/layout/hList9#1"/>
     <dgm:cxn modelId="{2ED2EF98-5FE2-4431-A194-161ED6A06EC7}" type="presParOf" srcId="{97F2B0A6-0DCB-4223-85C8-CAAAD40EF956}" destId="{DB377BA4-80AA-4D1D-A66C-9305CCCC790D}" srcOrd="4" destOrd="0" presId="urn:microsoft.com/office/officeart/2005/8/layout/hList9#1"/>
     <dgm:cxn modelId="{D4DCE128-6CE7-4FFB-8211-8D880F3C8BD9}" type="presParOf" srcId="{97F2B0A6-0DCB-4223-85C8-CAAAD40EF956}" destId="{D45E6F0F-FE23-4EA3-9002-CBE31456CE28}" srcOrd="5" destOrd="0" presId="urn:microsoft.com/office/officeart/2005/8/layout/hList9#1"/>
     <dgm:cxn modelId="{50511867-4083-4F01-BD2F-FE146FC07D79}" type="presParOf" srcId="{97F2B0A6-0DCB-4223-85C8-CAAAD40EF956}" destId="{AC579351-CEDC-48A5-B1EA-84876E40E59A}" srcOrd="6" destOrd="0" presId="urn:microsoft.com/office/officeart/2005/8/layout/hList9#1"/>
-    <dgm:cxn modelId="{355598F3-0322-4D07-8F1C-17426ADB5233}" type="presParOf" srcId="{AC579351-CEDC-48A5-B1EA-84876E40E59A}" destId="{88C64FA6-8BAD-4C81-A557-E1929EEA38CA}" srcOrd="0" destOrd="6" presId="urn:microsoft.com/office/officeart/2005/8/layout/hList9#1"/>
-    <dgm:cxn modelId="{5E89DE9B-1605-4743-BB9D-9B8DE3A0EC0E}" type="presParOf" srcId="{AC579351-CEDC-48A5-B1EA-84876E40E59A}" destId="{B8A9A03F-487F-4A7D-AACC-794D9C05C2D4}" srcOrd="1" destOrd="6" presId="urn:microsoft.com/office/officeart/2005/8/layout/hList9#1"/>
-    <dgm:cxn modelId="{26E3204F-F222-4360-A737-0030EF2EABE0}" type="presParOf" srcId="{B8A9A03F-487F-4A7D-AACC-794D9C05C2D4}" destId="{F1631048-2C2F-40B9-9FD8-7E0B3F0714AB}" srcOrd="0" destOrd="1" presId="urn:microsoft.com/office/officeart/2005/8/layout/hList9#1"/>
-    <dgm:cxn modelId="{7D03BF6C-48DD-4A59-82D2-F9A6ECDC2368}" type="presOf" srcId="{07ABCD95-051D-42D1-AEA4-7422BF34422B}" destId="{F1631048-2C2F-40B9-9FD8-7E0B3F0714AB}" srcOrd="0" destOrd="0" presId="urn:microsoft.com/office/officeart/2005/8/layout/hList9#1"/>
-    <dgm:cxn modelId="{C49F1F2A-9AE2-4CAA-B765-0FFABBEB3EB4}" type="presParOf" srcId="{B8A9A03F-487F-4A7D-AACC-794D9C05C2D4}" destId="{5D7C4B02-EB58-4FC9-8E69-5F77FD4E3EE7}" srcOrd="1" destOrd="1" presId="urn:microsoft.com/office/officeart/2005/8/layout/hList9#1"/>
-    <dgm:cxn modelId="{CB43C83D-900F-44CD-B399-A6670BFB5269}" type="presOf" srcId="{07ABCD95-051D-42D1-AEA4-7422BF34422B}" destId="{5D7C4B02-EB58-4FC9-8E69-5F77FD4E3EE7}" srcOrd="1" destOrd="0" presId="urn:microsoft.com/office/officeart/2005/8/layout/hList9#1"/>
-    <dgm:cxn modelId="{13627F10-8A1E-4BAE-9F8C-6BC6BAE82864}" type="presParOf" srcId="{AC579351-CEDC-48A5-B1EA-84876E40E59A}" destId="{254ED82B-F99F-42D8-A69F-6C88E94DF843}" srcOrd="2" destOrd="6" presId="urn:microsoft.com/office/officeart/2005/8/layout/hList9#1"/>
-    <dgm:cxn modelId="{E6587F14-A2EB-4397-A286-383A813117FB}" type="presParOf" srcId="{254ED82B-F99F-42D8-A69F-6C88E94DF843}" destId="{32FDF099-9C76-4A8B-8F60-619D951587B8}" srcOrd="0" destOrd="2" presId="urn:microsoft.com/office/officeart/2005/8/layout/hList9#1"/>
-    <dgm:cxn modelId="{1066C60F-039B-4666-98C8-A11D03964EB4}" type="presOf" srcId="{F40D6F70-4D4A-4009-A281-6C59B530CFA6}" destId="{32FDF099-9C76-4A8B-8F60-619D951587B8}" srcOrd="0" destOrd="0" presId="urn:microsoft.com/office/officeart/2005/8/layout/hList9#1"/>
-    <dgm:cxn modelId="{3BAE1B0D-5029-4904-B5C4-4746821B5DCD}" type="presParOf" srcId="{254ED82B-F99F-42D8-A69F-6C88E94DF843}" destId="{B1E0F316-CC40-4918-AD53-17D310241677}" srcOrd="1" destOrd="2" presId="urn:microsoft.com/office/officeart/2005/8/layout/hList9#1"/>
-    <dgm:cxn modelId="{7D80BB09-58FD-4C08-B657-46E378335906}" type="presOf" srcId="{F40D6F70-4D4A-4009-A281-6C59B530CFA6}" destId="{B1E0F316-CC40-4918-AD53-17D310241677}" srcOrd="1" destOrd="0" presId="urn:microsoft.com/office/officeart/2005/8/layout/hList9#1"/>
+    <dgm:cxn modelId="{355598F3-0322-4D07-8F1C-17426ADB5233}" type="presParOf" srcId="{AC579351-CEDC-48A5-B1EA-84876E40E59A}" destId="{88C64FA6-8BAD-4C81-A557-E1929EEA38CA}" srcOrd="0" destOrd="0" presId="urn:microsoft.com/office/officeart/2005/8/layout/hList9#1"/>
+    <dgm:cxn modelId="{5E89DE9B-1605-4743-BB9D-9B8DE3A0EC0E}" type="presParOf" srcId="{AC579351-CEDC-48A5-B1EA-84876E40E59A}" destId="{B8A9A03F-487F-4A7D-AACC-794D9C05C2D4}" srcOrd="1" destOrd="0" presId="urn:microsoft.com/office/officeart/2005/8/layout/hList9#1"/>
+    <dgm:cxn modelId="{26E3204F-F222-4360-A737-0030EF2EABE0}" type="presParOf" srcId="{B8A9A03F-487F-4A7D-AACC-794D9C05C2D4}" destId="{F1631048-2C2F-40B9-9FD8-7E0B3F0714AB}" srcOrd="0" destOrd="0" presId="urn:microsoft.com/office/officeart/2005/8/layout/hList9#1"/>
+    <dgm:cxn modelId="{C49F1F2A-9AE2-4CAA-B765-0FFABBEB3EB4}" type="presParOf" srcId="{B8A9A03F-487F-4A7D-AACC-794D9C05C2D4}" destId="{5D7C4B02-EB58-4FC9-8E69-5F77FD4E3EE7}" srcOrd="1" destOrd="0" presId="urn:microsoft.com/office/officeart/2005/8/layout/hList9#1"/>
+    <dgm:cxn modelId="{13627F10-8A1E-4BAE-9F8C-6BC6BAE82864}" type="presParOf" srcId="{AC579351-CEDC-48A5-B1EA-84876E40E59A}" destId="{254ED82B-F99F-42D8-A69F-6C88E94DF843}" srcOrd="2" destOrd="0" presId="urn:microsoft.com/office/officeart/2005/8/layout/hList9#1"/>
+    <dgm:cxn modelId="{E6587F14-A2EB-4397-A286-383A813117FB}" type="presParOf" srcId="{254ED82B-F99F-42D8-A69F-6C88E94DF843}" destId="{32FDF099-9C76-4A8B-8F60-619D951587B8}" srcOrd="0" destOrd="0" presId="urn:microsoft.com/office/officeart/2005/8/layout/hList9#1"/>
+    <dgm:cxn modelId="{3BAE1B0D-5029-4904-B5C4-4746821B5DCD}" type="presParOf" srcId="{254ED82B-F99F-42D8-A69F-6C88E94DF843}" destId="{B1E0F316-CC40-4918-AD53-17D310241677}" srcOrd="1" destOrd="0" presId="urn:microsoft.com/office/officeart/2005/8/layout/hList9#1"/>
     <dgm:cxn modelId="{A24B1FE8-6812-4820-BF88-D45E9E9B6E6D}" type="presParOf" srcId="{97F2B0A6-0DCB-4223-85C8-CAAAD40EF956}" destId="{9C900CBA-3307-4863-8E8F-2F81AFFEA118}" srcOrd="7" destOrd="0" presId="urn:microsoft.com/office/officeart/2005/8/layout/hList9#1"/>
     <dgm:cxn modelId="{40EE56F6-849F-40DF-ABD5-0F0CE5D00FF8}" type="presParOf" srcId="{97F2B0A6-0DCB-4223-85C8-CAAAD40EF956}" destId="{5713621D-16B7-4970-9E8A-FF9ABBF2AA7E}" srcOrd="8" destOrd="0" presId="urn:microsoft.com/office/officeart/2005/8/layout/hList9#1"/>
-    <dgm:cxn modelId="{20A7567C-1208-4DA8-99D8-C35B1776CD28}" type="presOf" srcId="{F35A8C7C-B0A7-4991-9C55-701545892E41}" destId="{5713621D-16B7-4970-9E8A-FF9ABBF2AA7E}" srcOrd="0" destOrd="0" presId="urn:microsoft.com/office/officeart/2005/8/layout/hList9#1"/>
     <dgm:cxn modelId="{5C160DF6-240E-4856-9147-C61A8D5F542D}" type="presParOf" srcId="{97F2B0A6-0DCB-4223-85C8-CAAAD40EF956}" destId="{ED533B1E-255D-4051-B993-B0062B193C3D}" srcOrd="9" destOrd="0" presId="urn:microsoft.com/office/officeart/2005/8/layout/hList9#1"/>
     <dgm:cxn modelId="{30D9A7BD-5CA4-48E6-BDED-3CC2813C83D0}" type="presParOf" srcId="{97F2B0A6-0DCB-4223-85C8-CAAAD40EF956}" destId="{EA0843FB-DAB2-40C2-BE53-869304386280}" srcOrd="10" destOrd="0" presId="urn:microsoft.com/office/officeart/2005/8/layout/hList9#1"/>
     <dgm:cxn modelId="{CF80C80C-D232-4E4E-957A-A67C77BD4646}" type="presParOf" srcId="{97F2B0A6-0DCB-4223-85C8-CAAAD40EF956}" destId="{CDC1DE3F-CD98-423E-9FC4-6D5582A4083F}" srcOrd="11" destOrd="0" presId="urn:microsoft.com/office/officeart/2005/8/layout/hList9#1"/>
-    <dgm:cxn modelId="{DEE95170-0F58-4998-A4FC-CD0B7624D3E1}" type="presParOf" srcId="{CDC1DE3F-CD98-423E-9FC4-6D5582A4083F}" destId="{E2F2134D-B4A2-451B-8E7B-AF1C6FDFB86D}" srcOrd="0" destOrd="11" presId="urn:microsoft.com/office/officeart/2005/8/layout/hList9#1"/>
-    <dgm:cxn modelId="{50865E7D-4F2B-41CE-9589-60F3C1C078F2}" type="presParOf" srcId="{CDC1DE3F-CD98-423E-9FC4-6D5582A4083F}" destId="{889E0CDA-AB6E-47FF-8226-376AAAF62427}" srcOrd="1" destOrd="11" presId="urn:microsoft.com/office/officeart/2005/8/layout/hList9#1"/>
-    <dgm:cxn modelId="{F8D254F1-BD04-4909-BF87-0010371FA9C2}" type="presParOf" srcId="{889E0CDA-AB6E-47FF-8226-376AAAF62427}" destId="{C897A443-6D4A-4342-AB5D-8B4EFC9ECE47}" srcOrd="0" destOrd="1" presId="urn:microsoft.com/office/officeart/2005/8/layout/hList9#1"/>
-    <dgm:cxn modelId="{F3F55FC1-DD25-4BA0-948C-41EA6F729892}" type="presOf" srcId="{6F46E621-8631-4694-AFC4-B6F6091E8FF2}" destId="{C897A443-6D4A-4342-AB5D-8B4EFC9ECE47}" srcOrd="0" destOrd="0" presId="urn:microsoft.com/office/officeart/2005/8/layout/hList9#1"/>
-    <dgm:cxn modelId="{832F6B4C-E08E-4586-B846-0ED4FE0730D1}" type="presParOf" srcId="{889E0CDA-AB6E-47FF-8226-376AAAF62427}" destId="{78673B3E-D3A0-479C-B295-D5C10AF991CD}" srcOrd="1" destOrd="1" presId="urn:microsoft.com/office/officeart/2005/8/layout/hList9#1"/>
-    <dgm:cxn modelId="{79D2E76A-8C43-44DE-AE61-6E7F42244533}" type="presOf" srcId="{6F46E621-8631-4694-AFC4-B6F6091E8FF2}" destId="{78673B3E-D3A0-479C-B295-D5C10AF991CD}" srcOrd="1" destOrd="0" presId="urn:microsoft.com/office/officeart/2005/8/layout/hList9#1"/>
-    <dgm:cxn modelId="{4438B0C9-73F9-455F-9E5C-0242B0256F7D}" type="presParOf" srcId="{CDC1DE3F-CD98-423E-9FC4-6D5582A4083F}" destId="{266A339D-131F-4164-8F26-9D37D9FF16C2}" srcOrd="2" destOrd="11" presId="urn:microsoft.com/office/officeart/2005/8/layout/hList9#1"/>
-    <dgm:cxn modelId="{CD227ABF-D1AA-4AD9-9E63-CA62A2805516}" type="presParOf" srcId="{266A339D-131F-4164-8F26-9D37D9FF16C2}" destId="{28A83018-1213-494D-893E-C95742686BD8}" srcOrd="0" destOrd="2" presId="urn:microsoft.com/office/officeart/2005/8/layout/hList9#1"/>
-    <dgm:cxn modelId="{741AA15A-1821-4E2E-B625-C5D55709B47E}" type="presOf" srcId="{5ACDBBA7-FE1B-4266-8CE5-E2F1CCB69C40}" destId="{28A83018-1213-494D-893E-C95742686BD8}" srcOrd="0" destOrd="0" presId="urn:microsoft.com/office/officeart/2005/8/layout/hList9#1"/>
-    <dgm:cxn modelId="{3EE1DA85-117F-4A8C-8AC1-01765848ED2C}" type="presParOf" srcId="{266A339D-131F-4164-8F26-9D37D9FF16C2}" destId="{E7867780-E804-4C19-869F-B8CB6A0F0C31}" srcOrd="1" destOrd="2" presId="urn:microsoft.com/office/officeart/2005/8/layout/hList9#1"/>
-    <dgm:cxn modelId="{0BD2AA20-5AE4-4BFC-A571-610079846585}" type="presOf" srcId="{5ACDBBA7-FE1B-4266-8CE5-E2F1CCB69C40}" destId="{E7867780-E804-4C19-869F-B8CB6A0F0C31}" srcOrd="1" destOrd="0" presId="urn:microsoft.com/office/officeart/2005/8/layout/hList9#1"/>
+    <dgm:cxn modelId="{DEE95170-0F58-4998-A4FC-CD0B7624D3E1}" type="presParOf" srcId="{CDC1DE3F-CD98-423E-9FC4-6D5582A4083F}" destId="{E2F2134D-B4A2-451B-8E7B-AF1C6FDFB86D}" srcOrd="0" destOrd="0" presId="urn:microsoft.com/office/officeart/2005/8/layout/hList9#1"/>
+    <dgm:cxn modelId="{50865E7D-4F2B-41CE-9589-60F3C1C078F2}" type="presParOf" srcId="{CDC1DE3F-CD98-423E-9FC4-6D5582A4083F}" destId="{889E0CDA-AB6E-47FF-8226-376AAAF62427}" srcOrd="1" destOrd="0" presId="urn:microsoft.com/office/officeart/2005/8/layout/hList9#1"/>
+    <dgm:cxn modelId="{F8D254F1-BD04-4909-BF87-0010371FA9C2}" type="presParOf" srcId="{889E0CDA-AB6E-47FF-8226-376AAAF62427}" destId="{C897A443-6D4A-4342-AB5D-8B4EFC9ECE47}" srcOrd="0" destOrd="0" presId="urn:microsoft.com/office/officeart/2005/8/layout/hList9#1"/>
+    <dgm:cxn modelId="{832F6B4C-E08E-4586-B846-0ED4FE0730D1}" type="presParOf" srcId="{889E0CDA-AB6E-47FF-8226-376AAAF62427}" destId="{78673B3E-D3A0-479C-B295-D5C10AF991CD}" srcOrd="1" destOrd="0" presId="urn:microsoft.com/office/officeart/2005/8/layout/hList9#1"/>
+    <dgm:cxn modelId="{4438B0C9-73F9-455F-9E5C-0242B0256F7D}" type="presParOf" srcId="{CDC1DE3F-CD98-423E-9FC4-6D5582A4083F}" destId="{266A339D-131F-4164-8F26-9D37D9FF16C2}" srcOrd="2" destOrd="0" presId="urn:microsoft.com/office/officeart/2005/8/layout/hList9#1"/>
+    <dgm:cxn modelId="{CD227ABF-D1AA-4AD9-9E63-CA62A2805516}" type="presParOf" srcId="{266A339D-131F-4164-8F26-9D37D9FF16C2}" destId="{28A83018-1213-494D-893E-C95742686BD8}" srcOrd="0" destOrd="0" presId="urn:microsoft.com/office/officeart/2005/8/layout/hList9#1"/>
+    <dgm:cxn modelId="{3EE1DA85-117F-4A8C-8AC1-01765848ED2C}" type="presParOf" srcId="{266A339D-131F-4164-8F26-9D37D9FF16C2}" destId="{E7867780-E804-4C19-869F-B8CB6A0F0C31}" srcOrd="1" destOrd="0" presId="urn:microsoft.com/office/officeart/2005/8/layout/hList9#1"/>
     <dgm:cxn modelId="{872A8A6D-BBDD-4A6D-810A-54FFDD1ABCEF}" type="presParOf" srcId="{97F2B0A6-0DCB-4223-85C8-CAAAD40EF956}" destId="{48F59570-D774-46A7-BCF0-8F595EA11E50}" srcOrd="12" destOrd="0" presId="urn:microsoft.com/office/officeart/2005/8/layout/hList9#1"/>
     <dgm:cxn modelId="{311C8428-5AFC-40CB-BDC0-D43F5383DF43}" type="presParOf" srcId="{97F2B0A6-0DCB-4223-85C8-CAAAD40EF956}" destId="{336A9AD5-9C39-48D4-8EB9-FC9D13547E0D}" srcOrd="13" destOrd="0" presId="urn:microsoft.com/office/officeart/2005/8/layout/hList9#1"/>
-    <dgm:cxn modelId="{4A6EE871-5624-42FC-8339-A983FB8E7179}" type="presOf" srcId="{F72F3ED3-0CF9-4E37-B05E-4E11EC6D0266}" destId="{336A9AD5-9C39-48D4-8EB9-FC9D13547E0D}" srcOrd="0" destOrd="0" presId="urn:microsoft.com/office/officeart/2005/8/layout/hList9#1"/>
   </dgm:cxnLst>
   <dgm:bg/>
   <dgm:whole/>
   <dgm:extLst>
     <a:ext uri="http://schemas.microsoft.com/office/drawing/2008/diagram">
-      <dsp:dataModelExt xmlns:dsp="http://schemas.microsoft.com/office/drawing/2008/diagram" relId="rId5" minVer="http://schemas.openxmlformats.org/drawingml/2006/diagram"/>
+      <dsp:dataModelExt xmlns:dsp="http://schemas.microsoft.com/office/drawing/2008/diagram" relId="rId7" minVer="http://schemas.openxmlformats.org/drawingml/2006/diagram"/>
     </a:ext>
   </dgm:extLst>
 </dgm:dataModel>
 </file>
 
 <file path=ppt/diagrams/drawing1.xml><?xml version="1.0" encoding="utf-8"?>
-<dsp:drawing xmlns:dgm="http://schemas.openxmlformats.org/drawingml/2006/diagram" xmlns:dsp="http://schemas.microsoft.com/office/drawing/2008/diagram" xmlns:a="http://schemas.openxmlformats.org/drawingml/2006/main" xmlns:r="http://schemas.openxmlformats.org/officeDocument/2006/relationships">
+<dsp:drawing xmlns:dgm="http://schemas.openxmlformats.org/drawingml/2006/diagram" xmlns:dsp="http://schemas.microsoft.com/office/drawing/2008/diagram" xmlns:a="http://schemas.openxmlformats.org/drawingml/2006/main">
   <dsp:spTree>
     <dsp:nvGrpSpPr>
-      <dsp:cNvPr id="2" name="组合 1"/>
+      <dsp:cNvPr id="0" name=""/>
       <dsp:cNvGrpSpPr/>
     </dsp:nvGrpSpPr>
-    <dsp:grpSpPr>
-      <a:xfrm>
-        <a:off x="0" y="0"/>
-        <a:ext cx="6096000" cy="3112119"/>
-        <a:chOff x="0" y="0"/>
-        <a:chExt cx="6096000" cy="3112119"/>
-      </a:xfrm>
-    </dsp:grpSpPr>
+    <dsp:grpSpPr/>
     <dsp:sp modelId="{3FF67F06-006D-46C8-B0B8-A74DAEAF1514}">
       <dsp:nvSpPr>
-        <dsp:cNvPr id="3" name="矩形 2"/>
+        <dsp:cNvPr id="0" name=""/>
         <dsp:cNvSpPr/>
       </dsp:nvSpPr>
       <dsp:spPr bwMode="white">
         <a:xfrm>
-          <a:off x="668055" y="887587"/>
-          <a:ext cx="1252603" cy="835486"/>
+          <a:off x="668461" y="887701"/>
+          <a:ext cx="1252388" cy="835343"/>
         </a:xfrm>
         <a:prstGeom prst="rect">
           <a:avLst/>
         </a:prstGeom>
+        <a:solidFill>
+          <a:schemeClr val="accent1">
+            <a:alpha val="90000"/>
+            <a:tint val="40000"/>
+            <a:hueOff val="0"/>
+            <a:satOff val="0"/>
+            <a:lumOff val="0"/>
+            <a:alphaOff val="0"/>
+          </a:schemeClr>
+        </a:solidFill>
+        <a:ln w="25400" cap="flat" cmpd="sng" algn="ctr">
+          <a:solidFill>
+            <a:schemeClr val="accent1">
+              <a:alpha val="90000"/>
+              <a:tint val="40000"/>
+              <a:hueOff val="0"/>
+              <a:satOff val="0"/>
+              <a:lumOff val="0"/>
+              <a:alphaOff val="0"/>
+            </a:schemeClr>
+          </a:solidFill>
+          <a:prstDash val="solid"/>
+        </a:ln>
+        <a:effectLst/>
       </dsp:spPr>
       <dsp:style>
         <a:lnRef idx="2">
-          <a:schemeClr val="accent1">
-            <a:alpha val="90000"/>
-            <a:tint val="40000"/>
-          </a:schemeClr>
+          <a:scrgbClr r="0" g="0" b="0"/>
         </a:lnRef>
         <a:fillRef idx="1">
-          <a:schemeClr val="accent1">
-            <a:alpha val="90000"/>
-            <a:tint val="40000"/>
-          </a:schemeClr>
+          <a:scrgbClr r="0" g="0" b="0"/>
         </a:fillRef>
         <a:effectRef idx="0">
           <a:scrgbClr r="0" g="0" b="0"/>
@@ -1593,38 +1583,247 @@
         <a:fontRef idx="minor"/>
       </dsp:style>
       <dsp:txBody>
-        <a:bodyPr lIns="0" tIns="128016" rIns="128016" bIns="128016" anchor="ctr"/>
-        <a:lstStyle>
-          <a:lvl1pPr algn="l">
-            <a:defRPr sz="1800"/>
-          </a:lvl1pPr>
-          <a:lvl2pPr marL="114300" indent="-114300" algn="l">
-            <a:defRPr sz="1400"/>
-          </a:lvl2pPr>
-          <a:lvl3pPr marL="228600" indent="-114300" algn="l">
-            <a:defRPr sz="1400"/>
-          </a:lvl3pPr>
-          <a:lvl4pPr marL="342900" indent="-114300" algn="l">
-            <a:defRPr sz="1400"/>
-          </a:lvl4pPr>
-          <a:lvl5pPr marL="457200" indent="-114300" algn="l">
-            <a:defRPr sz="1400"/>
-          </a:lvl5pPr>
-          <a:lvl6pPr marL="571500" indent="-114300" algn="l">
-            <a:defRPr sz="1400"/>
-          </a:lvl6pPr>
-          <a:lvl7pPr marL="685800" indent="-114300" algn="l">
-            <a:defRPr sz="1400"/>
-          </a:lvl7pPr>
-          <a:lvl8pPr marL="800100" indent="-114300" algn="l">
-            <a:defRPr sz="1400"/>
-          </a:lvl8pPr>
-          <a:lvl9pPr marL="914400" indent="-114300" algn="l">
-            <a:defRPr sz="1400"/>
-          </a:lvl9pPr>
-        </a:lstStyle>
+        <a:bodyPr spcFirstLastPara="0" vert="horz" wrap="square" lIns="0" tIns="128016" rIns="128016" bIns="128016" numCol="1" spcCol="1270" anchor="ctr" anchorCtr="0">
+          <a:noAutofit/>
+        </a:bodyPr>
+        <a:lstStyle/>
         <a:p>
-          <a:pPr lvl="0">
+          <a:pPr marL="0" lvl="0" indent="0" algn="l" defTabSz="800100">
+            <a:lnSpc>
+              <a:spcPct val="90000"/>
+            </a:lnSpc>
+            <a:spcBef>
+              <a:spcPct val="0"/>
+            </a:spcBef>
+            <a:spcAft>
+              <a:spcPct val="35000"/>
+            </a:spcAft>
+            <a:buNone/>
+          </a:pPr>
+          <a:r>
+            <a:rPr lang="zh-CN" altLang="en-US" sz="1800" kern="1200" dirty="0"/>
+            <a:t>需求紧急的程度</a:t>
+          </a:r>
+        </a:p>
+      </dsp:txBody>
+      <dsp:txXfrm>
+        <a:off x="868843" y="887701"/>
+        <a:ext cx="1052006" cy="835343"/>
+      </dsp:txXfrm>
+    </dsp:sp>
+    <dsp:sp modelId="{EBC12716-87DD-4807-A8C9-F77714F41531}">
+      <dsp:nvSpPr>
+        <dsp:cNvPr id="0" name=""/>
+        <dsp:cNvSpPr/>
+      </dsp:nvSpPr>
+      <dsp:spPr bwMode="white">
+        <a:xfrm>
+          <a:off x="668461" y="1723044"/>
+          <a:ext cx="1252388" cy="835343"/>
+        </a:xfrm>
+        <a:prstGeom prst="rect">
+          <a:avLst/>
+        </a:prstGeom>
+        <a:solidFill>
+          <a:schemeClr val="accent1">
+            <a:alpha val="90000"/>
+            <a:tint val="40000"/>
+            <a:hueOff val="0"/>
+            <a:satOff val="0"/>
+            <a:lumOff val="0"/>
+            <a:alphaOff val="0"/>
+          </a:schemeClr>
+        </a:solidFill>
+        <a:ln w="25400" cap="flat" cmpd="sng" algn="ctr">
+          <a:solidFill>
+            <a:schemeClr val="accent1">
+              <a:alpha val="90000"/>
+              <a:tint val="40000"/>
+              <a:hueOff val="0"/>
+              <a:satOff val="0"/>
+              <a:lumOff val="0"/>
+              <a:alphaOff val="0"/>
+            </a:schemeClr>
+          </a:solidFill>
+          <a:prstDash val="solid"/>
+        </a:ln>
+        <a:effectLst/>
+      </dsp:spPr>
+      <dsp:style>
+        <a:lnRef idx="2">
+          <a:scrgbClr r="0" g="0" b="0"/>
+        </a:lnRef>
+        <a:fillRef idx="1">
+          <a:scrgbClr r="0" g="0" b="0"/>
+        </a:fillRef>
+        <a:effectRef idx="0">
+          <a:scrgbClr r="0" g="0" b="0"/>
+        </a:effectRef>
+        <a:fontRef idx="minor"/>
+      </dsp:style>
+      <dsp:txBody>
+        <a:bodyPr spcFirstLastPara="0" vert="horz" wrap="square" lIns="0" tIns="120904" rIns="120904" bIns="120904" numCol="1" spcCol="1270" anchor="ctr" anchorCtr="0">
+          <a:noAutofit/>
+        </a:bodyPr>
+        <a:lstStyle/>
+        <a:p>
+          <a:pPr marL="0" lvl="0" indent="0" algn="l" defTabSz="755650">
+            <a:lnSpc>
+              <a:spcPct val="90000"/>
+            </a:lnSpc>
+            <a:spcBef>
+              <a:spcPct val="0"/>
+            </a:spcBef>
+            <a:spcAft>
+              <a:spcPct val="35000"/>
+            </a:spcAft>
+            <a:buNone/>
+          </a:pPr>
+          <a:r>
+            <a:rPr lang="zh-CN" altLang="en-US" sz="1700" kern="1200" dirty="0"/>
+            <a:t>需求的难易程度</a:t>
+          </a:r>
+        </a:p>
+      </dsp:txBody>
+      <dsp:txXfrm>
+        <a:off x="868843" y="1723044"/>
+        <a:ext cx="1052006" cy="835343"/>
+      </dsp:txXfrm>
+    </dsp:sp>
+    <dsp:sp modelId="{C05308CD-8475-4362-AFE1-B29FBB3DAFBF}">
+      <dsp:nvSpPr>
+        <dsp:cNvPr id="0" name=""/>
+        <dsp:cNvSpPr/>
+      </dsp:nvSpPr>
+      <dsp:spPr bwMode="white">
+        <a:xfrm>
+          <a:off x="520" y="553731"/>
+          <a:ext cx="834925" cy="834925"/>
+        </a:xfrm>
+        <a:prstGeom prst="ellipse">
+          <a:avLst/>
+        </a:prstGeom>
+        <a:solidFill>
+          <a:schemeClr val="accent1">
+            <a:hueOff val="0"/>
+            <a:satOff val="0"/>
+            <a:lumOff val="0"/>
+            <a:alphaOff val="0"/>
+          </a:schemeClr>
+        </a:solidFill>
+        <a:ln w="25400" cap="flat" cmpd="sng" algn="ctr">
+          <a:solidFill>
+            <a:schemeClr val="lt1">
+              <a:hueOff val="0"/>
+              <a:satOff val="0"/>
+              <a:lumOff val="0"/>
+              <a:alphaOff val="0"/>
+            </a:schemeClr>
+          </a:solidFill>
+          <a:prstDash val="solid"/>
+        </a:ln>
+        <a:effectLst/>
+      </dsp:spPr>
+      <dsp:style>
+        <a:lnRef idx="2">
+          <a:scrgbClr r="0" g="0" b="0"/>
+        </a:lnRef>
+        <a:fillRef idx="1">
+          <a:scrgbClr r="0" g="0" b="0"/>
+        </a:fillRef>
+        <a:effectRef idx="0">
+          <a:scrgbClr r="0" g="0" b="0"/>
+        </a:effectRef>
+        <a:fontRef idx="minor">
+          <a:schemeClr val="lt1"/>
+        </a:fontRef>
+      </dsp:style>
+      <dsp:txBody>
+        <a:bodyPr spcFirstLastPara="0" vert="horz" wrap="square" lIns="0" tIns="0" rIns="0" bIns="0" numCol="1" spcCol="1270" anchor="ctr" anchorCtr="0">
+          <a:noAutofit/>
+        </a:bodyPr>
+        <a:lstStyle/>
+        <a:p>
+          <a:pPr marL="0" lvl="0" indent="0" algn="ctr" defTabSz="844550">
+            <a:lnSpc>
+              <a:spcPct val="90000"/>
+            </a:lnSpc>
+            <a:spcBef>
+              <a:spcPct val="0"/>
+            </a:spcBef>
+            <a:spcAft>
+              <a:spcPct val="35000"/>
+            </a:spcAft>
+            <a:buNone/>
+          </a:pPr>
+          <a:r>
+            <a:rPr lang="zh-CN" altLang="en-US" sz="1900" kern="1200" dirty="0"/>
+            <a:t>合理安排</a:t>
+          </a:r>
+        </a:p>
+      </dsp:txBody>
+      <dsp:txXfrm>
+        <a:off x="122792" y="676003"/>
+        <a:ext cx="590381" cy="590381"/>
+      </dsp:txXfrm>
+    </dsp:sp>
+    <dsp:sp modelId="{F1631048-2C2F-40B9-9FD8-7E0B3F0714AB}">
+      <dsp:nvSpPr>
+        <dsp:cNvPr id="0" name=""/>
+        <dsp:cNvSpPr/>
+      </dsp:nvSpPr>
+      <dsp:spPr bwMode="white">
+        <a:xfrm>
+          <a:off x="2755775" y="887701"/>
+          <a:ext cx="1252388" cy="835343"/>
+        </a:xfrm>
+        <a:prstGeom prst="rect">
+          <a:avLst/>
+        </a:prstGeom>
+        <a:solidFill>
+          <a:schemeClr val="accent1">
+            <a:alpha val="90000"/>
+            <a:tint val="40000"/>
+            <a:hueOff val="0"/>
+            <a:satOff val="0"/>
+            <a:lumOff val="0"/>
+            <a:alphaOff val="0"/>
+          </a:schemeClr>
+        </a:solidFill>
+        <a:ln w="25400" cap="flat" cmpd="sng" algn="ctr">
+          <a:solidFill>
+            <a:schemeClr val="accent1">
+              <a:alpha val="90000"/>
+              <a:tint val="40000"/>
+              <a:hueOff val="0"/>
+              <a:satOff val="0"/>
+              <a:lumOff val="0"/>
+              <a:alphaOff val="0"/>
+            </a:schemeClr>
+          </a:solidFill>
+          <a:prstDash val="solid"/>
+        </a:ln>
+        <a:effectLst/>
+      </dsp:spPr>
+      <dsp:style>
+        <a:lnRef idx="2">
+          <a:scrgbClr r="0" g="0" b="0"/>
+        </a:lnRef>
+        <a:fillRef idx="1">
+          <a:scrgbClr r="0" g="0" b="0"/>
+        </a:fillRef>
+        <a:effectRef idx="0">
+          <a:scrgbClr r="0" g="0" b="0"/>
+        </a:effectRef>
+        <a:fontRef idx="minor"/>
+      </dsp:style>
+      <dsp:txBody>
+        <a:bodyPr spcFirstLastPara="0" vert="horz" wrap="square" lIns="0" tIns="120904" rIns="120904" bIns="120904" numCol="1" spcCol="1270" anchor="ctr" anchorCtr="0">
+          <a:noAutofit/>
+        </a:bodyPr>
+        <a:lstStyle/>
+        <a:p>
+          <a:pPr marL="0" lvl="0" indent="0" algn="l" defTabSz="755650">
             <a:lnSpc>
               <a:spcPct val="100000"/>
             </a:lnSpc>
@@ -1634,53 +1833,64 @@
             <a:spcAft>
               <a:spcPct val="35000"/>
             </a:spcAft>
+            <a:buNone/>
           </a:pPr>
           <a:r>
-            <a:rPr lang="zh-CN" altLang="en-US" sz="1800" dirty="0">
-              <a:solidFill>
-                <a:schemeClr val="dk1"/>
-              </a:solidFill>
-            </a:rPr>
-            <a:t>需求紧急的程度</a:t>
+            <a:rPr lang="zh-CN" altLang="en-US" sz="1700" kern="1200" dirty="0"/>
+            <a:t>抽离封装常用代码</a:t>
           </a:r>
-          <a:endParaRPr>
-            <a:solidFill>
-              <a:schemeClr val="dk1"/>
-            </a:solidFill>
-          </a:endParaRPr>
+          <a:endParaRPr sz="1700" kern="1200"/>
         </a:p>
       </dsp:txBody>
       <dsp:txXfrm>
-        <a:off x="668055" y="887587"/>
-        <a:ext cx="1252603" cy="835486"/>
+        <a:off x="2956158" y="887701"/>
+        <a:ext cx="1052006" cy="835343"/>
       </dsp:txXfrm>
     </dsp:sp>
-    <dsp:sp modelId="{EBC12716-87DD-4807-A8C9-F77714F41531}">
+    <dsp:sp modelId="{32FDF099-9C76-4A8B-8F60-619D951587B8}">
       <dsp:nvSpPr>
-        <dsp:cNvPr id="4" name="矩形 3"/>
+        <dsp:cNvPr id="0" name=""/>
         <dsp:cNvSpPr/>
       </dsp:nvSpPr>
       <dsp:spPr bwMode="white">
         <a:xfrm>
-          <a:off x="668055" y="1723073"/>
-          <a:ext cx="1252603" cy="835486"/>
+          <a:off x="2755775" y="1723044"/>
+          <a:ext cx="1252388" cy="835343"/>
         </a:xfrm>
         <a:prstGeom prst="rect">
           <a:avLst/>
         </a:prstGeom>
+        <a:solidFill>
+          <a:schemeClr val="accent1">
+            <a:alpha val="90000"/>
+            <a:tint val="40000"/>
+            <a:hueOff val="0"/>
+            <a:satOff val="0"/>
+            <a:lumOff val="0"/>
+            <a:alphaOff val="0"/>
+          </a:schemeClr>
+        </a:solidFill>
+        <a:ln w="25400" cap="flat" cmpd="sng" algn="ctr">
+          <a:solidFill>
+            <a:schemeClr val="accent1">
+              <a:alpha val="90000"/>
+              <a:tint val="40000"/>
+              <a:hueOff val="0"/>
+              <a:satOff val="0"/>
+              <a:lumOff val="0"/>
+              <a:alphaOff val="0"/>
+            </a:schemeClr>
+          </a:solidFill>
+          <a:prstDash val="solid"/>
+        </a:ln>
+        <a:effectLst/>
       </dsp:spPr>
       <dsp:style>
         <a:lnRef idx="2">
-          <a:schemeClr val="accent1">
-            <a:alpha val="90000"/>
-            <a:tint val="40000"/>
-          </a:schemeClr>
+          <a:scrgbClr r="0" g="0" b="0"/>
         </a:lnRef>
         <a:fillRef idx="1">
-          <a:schemeClr val="accent1">
-            <a:alpha val="90000"/>
-            <a:tint val="40000"/>
-          </a:schemeClr>
+          <a:scrgbClr r="0" g="0" b="0"/>
         </a:fillRef>
         <a:effectRef idx="0">
           <a:scrgbClr r="0" g="0" b="0"/>
@@ -1688,38 +1898,12 @@
         <a:fontRef idx="minor"/>
       </dsp:style>
       <dsp:txBody>
-        <a:bodyPr lIns="0" tIns="128016" rIns="128016" bIns="128016" anchor="ctr"/>
-        <a:lstStyle>
-          <a:lvl1pPr algn="l">
-            <a:defRPr sz="1800"/>
-          </a:lvl1pPr>
-          <a:lvl2pPr marL="114300" indent="-114300" algn="l">
-            <a:defRPr sz="1400"/>
-          </a:lvl2pPr>
-          <a:lvl3pPr marL="228600" indent="-114300" algn="l">
-            <a:defRPr sz="1400"/>
-          </a:lvl3pPr>
-          <a:lvl4pPr marL="342900" indent="-114300" algn="l">
-            <a:defRPr sz="1400"/>
-          </a:lvl4pPr>
-          <a:lvl5pPr marL="457200" indent="-114300" algn="l">
-            <a:defRPr sz="1400"/>
-          </a:lvl5pPr>
-          <a:lvl6pPr marL="571500" indent="-114300" algn="l">
-            <a:defRPr sz="1400"/>
-          </a:lvl6pPr>
-          <a:lvl7pPr marL="685800" indent="-114300" algn="l">
-            <a:defRPr sz="1400"/>
-          </a:lvl7pPr>
-          <a:lvl8pPr marL="800100" indent="-114300" algn="l">
-            <a:defRPr sz="1400"/>
-          </a:lvl8pPr>
-          <a:lvl9pPr marL="914400" indent="-114300" algn="l">
-            <a:defRPr sz="1400"/>
-          </a:lvl9pPr>
-        </a:lstStyle>
+        <a:bodyPr spcFirstLastPara="0" vert="horz" wrap="square" lIns="0" tIns="120904" rIns="120904" bIns="120904" numCol="1" spcCol="1270" anchor="ctr" anchorCtr="0">
+          <a:noAutofit/>
+        </a:bodyPr>
+        <a:lstStyle/>
         <a:p>
-          <a:pPr lvl="0">
+          <a:pPr marL="0" lvl="0" indent="0" algn="l" defTabSz="755650">
             <a:lnSpc>
               <a:spcPct val="100000"/>
             </a:lnSpc>
@@ -1729,47 +1913,60 @@
             <a:spcAft>
               <a:spcPct val="35000"/>
             </a:spcAft>
+            <a:buNone/>
           </a:pPr>
           <a:r>
-            <a:rPr lang="zh-CN" altLang="en-US" dirty="0">
-              <a:solidFill>
-                <a:schemeClr val="dk1"/>
-              </a:solidFill>
-            </a:rPr>
-            <a:t>需求的难易程度</a:t>
+            <a:rPr lang="zh-CN" altLang="en-US" sz="1700" kern="1200" dirty="0"/>
+            <a:t>参考历史活动</a:t>
           </a:r>
-          <a:endParaRPr>
-            <a:solidFill>
-              <a:schemeClr val="dk1"/>
-            </a:solidFill>
-          </a:endParaRPr>
+          <a:endParaRPr sz="1700" kern="1200"/>
         </a:p>
       </dsp:txBody>
       <dsp:txXfrm>
-        <a:off x="668055" y="1723073"/>
-        <a:ext cx="1252603" cy="835486"/>
+        <a:off x="2956158" y="1723044"/>
+        <a:ext cx="1052006" cy="835343"/>
       </dsp:txXfrm>
     </dsp:sp>
-    <dsp:sp modelId="{C05308CD-8475-4362-AFE1-B29FBB3DAFBF}">
+    <dsp:sp modelId="{5713621D-16B7-4970-9E8A-FF9ABBF2AA7E}">
       <dsp:nvSpPr>
-        <dsp:cNvPr id="5" name="椭圆 4"/>
+        <dsp:cNvPr id="0" name=""/>
         <dsp:cNvSpPr/>
       </dsp:nvSpPr>
       <dsp:spPr bwMode="white">
         <a:xfrm>
-          <a:off x="0" y="553560"/>
-          <a:ext cx="835068" cy="835068"/>
+          <a:off x="2087835" y="553731"/>
+          <a:ext cx="834925" cy="834925"/>
         </a:xfrm>
         <a:prstGeom prst="ellipse">
           <a:avLst/>
         </a:prstGeom>
+        <a:solidFill>
+          <a:schemeClr val="accent1">
+            <a:hueOff val="0"/>
+            <a:satOff val="0"/>
+            <a:lumOff val="0"/>
+            <a:alphaOff val="0"/>
+          </a:schemeClr>
+        </a:solidFill>
+        <a:ln w="25400" cap="flat" cmpd="sng" algn="ctr">
+          <a:solidFill>
+            <a:schemeClr val="lt1">
+              <a:hueOff val="0"/>
+              <a:satOff val="0"/>
+              <a:lumOff val="0"/>
+              <a:alphaOff val="0"/>
+            </a:schemeClr>
+          </a:solidFill>
+          <a:prstDash val="solid"/>
+        </a:ln>
+        <a:effectLst/>
       </dsp:spPr>
       <dsp:style>
         <a:lnRef idx="2">
-          <a:schemeClr val="lt1"/>
+          <a:scrgbClr r="0" g="0" b="0"/>
         </a:lnRef>
         <a:fillRef idx="1">
-          <a:schemeClr val="accent1"/>
+          <a:scrgbClr r="0" g="0" b="0"/>
         </a:fillRef>
         <a:effectRef idx="0">
           <a:scrgbClr r="0" g="0" b="0"/>
@@ -1779,38 +1976,91 @@
         </a:fontRef>
       </dsp:style>
       <dsp:txBody>
-        <a:bodyPr lIns="0" tIns="0" rIns="0" bIns="0" anchor="ctr"/>
-        <a:lstStyle>
-          <a:lvl1pPr algn="ctr">
-            <a:defRPr sz="1900"/>
-          </a:lvl1pPr>
-          <a:lvl2pPr marL="114300" indent="-114300" algn="ctr">
-            <a:defRPr sz="1400"/>
-          </a:lvl2pPr>
-          <a:lvl3pPr marL="228600" indent="-114300" algn="ctr">
-            <a:defRPr sz="1400"/>
-          </a:lvl3pPr>
-          <a:lvl4pPr marL="342900" indent="-114300" algn="ctr">
-            <a:defRPr sz="1400"/>
-          </a:lvl4pPr>
-          <a:lvl5pPr marL="457200" indent="-114300" algn="ctr">
-            <a:defRPr sz="1400"/>
-          </a:lvl5pPr>
-          <a:lvl6pPr marL="571500" indent="-114300" algn="ctr">
-            <a:defRPr sz="1400"/>
-          </a:lvl6pPr>
-          <a:lvl7pPr marL="685800" indent="-114300" algn="ctr">
-            <a:defRPr sz="1400"/>
-          </a:lvl7pPr>
-          <a:lvl8pPr marL="800100" indent="-114300" algn="ctr">
-            <a:defRPr sz="1400"/>
-          </a:lvl8pPr>
-          <a:lvl9pPr marL="914400" indent="-114300" algn="ctr">
-            <a:defRPr sz="1400"/>
-          </a:lvl9pPr>
-        </a:lstStyle>
+        <a:bodyPr spcFirstLastPara="0" vert="horz" wrap="square" lIns="0" tIns="0" rIns="0" bIns="0" numCol="1" spcCol="1270" anchor="ctr" anchorCtr="0">
+          <a:noAutofit/>
+        </a:bodyPr>
+        <a:lstStyle/>
         <a:p>
-          <a:pPr lvl="0">
+          <a:pPr marL="0" lvl="0" indent="0" algn="ctr" defTabSz="844550">
+            <a:lnSpc>
+              <a:spcPct val="90000"/>
+            </a:lnSpc>
+            <a:spcBef>
+              <a:spcPct val="0"/>
+            </a:spcBef>
+            <a:spcAft>
+              <a:spcPct val="35000"/>
+            </a:spcAft>
+            <a:buNone/>
+          </a:pPr>
+          <a:r>
+            <a:rPr lang="zh-CN" altLang="en-US" sz="1900" kern="1200" dirty="0"/>
+            <a:t>代码复用</a:t>
+          </a:r>
+        </a:p>
+      </dsp:txBody>
+      <dsp:txXfrm>
+        <a:off x="2210107" y="676003"/>
+        <a:ext cx="590381" cy="590381"/>
+      </dsp:txXfrm>
+    </dsp:sp>
+    <dsp:sp modelId="{C897A443-6D4A-4342-AB5D-8B4EFC9ECE47}">
+      <dsp:nvSpPr>
+        <dsp:cNvPr id="0" name=""/>
+        <dsp:cNvSpPr/>
+      </dsp:nvSpPr>
+      <dsp:spPr bwMode="white">
+        <a:xfrm>
+          <a:off x="4843090" y="887701"/>
+          <a:ext cx="1252388" cy="835343"/>
+        </a:xfrm>
+        <a:prstGeom prst="rect">
+          <a:avLst/>
+        </a:prstGeom>
+        <a:solidFill>
+          <a:schemeClr val="accent1">
+            <a:alpha val="90000"/>
+            <a:tint val="40000"/>
+            <a:hueOff val="0"/>
+            <a:satOff val="0"/>
+            <a:lumOff val="0"/>
+            <a:alphaOff val="0"/>
+          </a:schemeClr>
+        </a:solidFill>
+        <a:ln w="25400" cap="flat" cmpd="sng" algn="ctr">
+          <a:solidFill>
+            <a:schemeClr val="accent1">
+              <a:alpha val="90000"/>
+              <a:tint val="40000"/>
+              <a:hueOff val="0"/>
+              <a:satOff val="0"/>
+              <a:lumOff val="0"/>
+              <a:alphaOff val="0"/>
+            </a:schemeClr>
+          </a:solidFill>
+          <a:prstDash val="solid"/>
+        </a:ln>
+        <a:effectLst/>
+      </dsp:spPr>
+      <dsp:style>
+        <a:lnRef idx="2">
+          <a:scrgbClr r="0" g="0" b="0"/>
+        </a:lnRef>
+        <a:fillRef idx="1">
+          <a:scrgbClr r="0" g="0" b="0"/>
+        </a:fillRef>
+        <a:effectRef idx="0">
+          <a:scrgbClr r="0" g="0" b="0"/>
+        </a:effectRef>
+        <a:fontRef idx="minor"/>
+      </dsp:style>
+      <dsp:txBody>
+        <a:bodyPr spcFirstLastPara="0" vert="horz" wrap="square" lIns="0" tIns="120904" rIns="120904" bIns="120904" numCol="1" spcCol="1270" anchor="ctr" anchorCtr="0">
+          <a:noAutofit/>
+        </a:bodyPr>
+        <a:lstStyle/>
+        <a:p>
+          <a:pPr marL="0" lvl="0" indent="0" algn="l" defTabSz="755650">
             <a:lnSpc>
               <a:spcPct val="100000"/>
             </a:lnSpc>
@@ -1820,44 +2070,64 @@
             <a:spcAft>
               <a:spcPct val="35000"/>
             </a:spcAft>
+            <a:buNone/>
           </a:pPr>
           <a:r>
-            <a:rPr lang="zh-CN" altLang="en-US" dirty="0"/>
-            <a:t>合理安排</a:t>
+            <a:rPr lang="zh-CN" altLang="en-US" sz="1700" kern="1200" dirty="0"/>
+            <a:t>归纳总结形成笔记</a:t>
           </a:r>
+          <a:endParaRPr sz="1700" kern="1200"/>
         </a:p>
       </dsp:txBody>
       <dsp:txXfrm>
-        <a:off x="0" y="553560"/>
-        <a:ext cx="835068" cy="835068"/>
+        <a:off x="5043472" y="887701"/>
+        <a:ext cx="1052006" cy="835343"/>
       </dsp:txXfrm>
     </dsp:sp>
-    <dsp:sp modelId="{F1631048-2C2F-40B9-9FD8-7E0B3F0714AB}">
+    <dsp:sp modelId="{28A83018-1213-494D-893E-C95742686BD8}">
       <dsp:nvSpPr>
-        <dsp:cNvPr id="6" name="矩形 5"/>
+        <dsp:cNvPr id="0" name=""/>
         <dsp:cNvSpPr/>
       </dsp:nvSpPr>
       <dsp:spPr bwMode="white">
         <a:xfrm>
-          <a:off x="2755726" y="887587"/>
-          <a:ext cx="1252603" cy="835486"/>
+          <a:off x="4843090" y="1723044"/>
+          <a:ext cx="1252388" cy="835343"/>
         </a:xfrm>
         <a:prstGeom prst="rect">
           <a:avLst/>
         </a:prstGeom>
+        <a:solidFill>
+          <a:schemeClr val="accent1">
+            <a:alpha val="90000"/>
+            <a:tint val="40000"/>
+            <a:hueOff val="0"/>
+            <a:satOff val="0"/>
+            <a:lumOff val="0"/>
+            <a:alphaOff val="0"/>
+          </a:schemeClr>
+        </a:solidFill>
+        <a:ln w="25400" cap="flat" cmpd="sng" algn="ctr">
+          <a:solidFill>
+            <a:schemeClr val="accent1">
+              <a:alpha val="90000"/>
+              <a:tint val="40000"/>
+              <a:hueOff val="0"/>
+              <a:satOff val="0"/>
+              <a:lumOff val="0"/>
+              <a:alphaOff val="0"/>
+            </a:schemeClr>
+          </a:solidFill>
+          <a:prstDash val="solid"/>
+        </a:ln>
+        <a:effectLst/>
       </dsp:spPr>
       <dsp:style>
         <a:lnRef idx="2">
-          <a:schemeClr val="accent1">
-            <a:alpha val="90000"/>
-            <a:tint val="40000"/>
-          </a:schemeClr>
+          <a:scrgbClr r="0" g="0" b="0"/>
         </a:lnRef>
         <a:fillRef idx="1">
-          <a:schemeClr val="accent1">
-            <a:alpha val="90000"/>
-            <a:tint val="40000"/>
-          </a:schemeClr>
+          <a:scrgbClr r="0" g="0" b="0"/>
         </a:fillRef>
         <a:effectRef idx="0">
           <a:scrgbClr r="0" g="0" b="0"/>
@@ -1865,40 +2135,14 @@
         <a:fontRef idx="minor"/>
       </dsp:style>
       <dsp:txBody>
-        <a:bodyPr vert="horz" wrap="square" lIns="0" tIns="128016" rIns="128016" bIns="128016" anchor="ctr"/>
-        <a:lstStyle>
-          <a:lvl1pPr algn="l">
-            <a:defRPr sz="1800"/>
-          </a:lvl1pPr>
-          <a:lvl2pPr marL="114300" indent="-114300" algn="l">
-            <a:defRPr sz="1400"/>
-          </a:lvl2pPr>
-          <a:lvl3pPr marL="228600" indent="-114300" algn="l">
-            <a:defRPr sz="1400"/>
-          </a:lvl3pPr>
-          <a:lvl4pPr marL="342900" indent="-114300" algn="l">
-            <a:defRPr sz="1400"/>
-          </a:lvl4pPr>
-          <a:lvl5pPr marL="457200" indent="-114300" algn="l">
-            <a:defRPr sz="1400"/>
-          </a:lvl5pPr>
-          <a:lvl6pPr marL="571500" indent="-114300" algn="l">
-            <a:defRPr sz="1400"/>
-          </a:lvl6pPr>
-          <a:lvl7pPr marL="685800" indent="-114300" algn="l">
-            <a:defRPr sz="1400"/>
-          </a:lvl7pPr>
-          <a:lvl8pPr marL="800100" indent="-114300" algn="l">
-            <a:defRPr sz="1400"/>
-          </a:lvl8pPr>
-          <a:lvl9pPr marL="914400" indent="-114300" algn="l">
-            <a:defRPr sz="1400"/>
-          </a:lvl9pPr>
-        </a:lstStyle>
+        <a:bodyPr spcFirstLastPara="0" vert="horz" wrap="square" lIns="0" tIns="120904" rIns="120904" bIns="120904" numCol="1" spcCol="1270" anchor="ctr" anchorCtr="0">
+          <a:noAutofit/>
+        </a:bodyPr>
+        <a:lstStyle/>
         <a:p>
-          <a:pPr lvl="0">
+          <a:pPr marL="0" lvl="0" indent="0" algn="l" defTabSz="755650">
             <a:lnSpc>
-              <a:spcPct val="100000"/>
+              <a:spcPct val="90000"/>
             </a:lnSpc>
             <a:spcBef>
               <a:spcPct val="0"/>
@@ -1906,174 +2150,59 @@
             <a:spcAft>
               <a:spcPct val="35000"/>
             </a:spcAft>
+            <a:buNone/>
           </a:pPr>
           <a:r>
-            <a:rPr lang="zh-CN" altLang="en-US" dirty="0">
-              <a:solidFill>
-                <a:schemeClr val="dk1"/>
-              </a:solidFill>
-            </a:rPr>
-            <a:t>抽离</a:t>
+            <a:rPr lang="zh-CN" altLang="en-US" sz="1700" kern="1200" dirty="0"/>
+            <a:t>总结并补充文档</a:t>
           </a:r>
-          <a:r>
-            <a:rPr lang="zh-CN" altLang="en-US" dirty="0">
-              <a:solidFill>
-                <a:schemeClr val="dk1"/>
-              </a:solidFill>
-            </a:rPr>
-            <a:t>封装</a:t>
-          </a:r>
-          <a:r>
-            <a:rPr lang="zh-CN" altLang="en-US" dirty="0">
-              <a:solidFill>
-                <a:schemeClr val="dk1"/>
-              </a:solidFill>
-            </a:rPr>
-            <a:t>常用代码</a:t>
-          </a:r>
-          <a:endParaRPr>
-            <a:solidFill>
-              <a:schemeClr val="dk1"/>
-            </a:solidFill>
-          </a:endParaRPr>
         </a:p>
       </dsp:txBody>
       <dsp:txXfrm>
-        <a:off x="2755726" y="887587"/>
-        <a:ext cx="1252603" cy="835486"/>
+        <a:off x="5043472" y="1723044"/>
+        <a:ext cx="1052006" cy="835343"/>
       </dsp:txXfrm>
     </dsp:sp>
-    <dsp:sp modelId="{32FDF099-9C76-4A8B-8F60-619D951587B8}">
+    <dsp:sp modelId="{336A9AD5-9C39-48D4-8EB9-FC9D13547E0D}">
       <dsp:nvSpPr>
-        <dsp:cNvPr id="7" name="矩形 6"/>
+        <dsp:cNvPr id="0" name=""/>
         <dsp:cNvSpPr/>
       </dsp:nvSpPr>
       <dsp:spPr bwMode="white">
         <a:xfrm>
-          <a:off x="2755726" y="1723073"/>
-          <a:ext cx="1252603" cy="835486"/>
-        </a:xfrm>
-        <a:prstGeom prst="rect">
-          <a:avLst/>
-        </a:prstGeom>
-      </dsp:spPr>
-      <dsp:style>
-        <a:lnRef idx="2">
-          <a:schemeClr val="accent1">
-            <a:alpha val="90000"/>
-            <a:tint val="40000"/>
-          </a:schemeClr>
-        </a:lnRef>
-        <a:fillRef idx="1">
-          <a:schemeClr val="accent1">
-            <a:alpha val="90000"/>
-            <a:tint val="40000"/>
-          </a:schemeClr>
-        </a:fillRef>
-        <a:effectRef idx="0">
-          <a:scrgbClr r="0" g="0" b="0"/>
-        </a:effectRef>
-        <a:fontRef idx="minor"/>
-      </dsp:style>
-      <dsp:txBody>
-        <a:bodyPr vert="horz" wrap="square" lIns="0" tIns="128016" rIns="128016" bIns="128016" anchor="ctr"/>
-        <a:lstStyle>
-          <a:lvl1pPr algn="l">
-            <a:defRPr sz="1800"/>
-          </a:lvl1pPr>
-          <a:lvl2pPr marL="114300" indent="-114300" algn="l">
-            <a:defRPr sz="1400"/>
-          </a:lvl2pPr>
-          <a:lvl3pPr marL="228600" indent="-114300" algn="l">
-            <a:defRPr sz="1400"/>
-          </a:lvl3pPr>
-          <a:lvl4pPr marL="342900" indent="-114300" algn="l">
-            <a:defRPr sz="1400"/>
-          </a:lvl4pPr>
-          <a:lvl5pPr marL="457200" indent="-114300" algn="l">
-            <a:defRPr sz="1400"/>
-          </a:lvl5pPr>
-          <a:lvl6pPr marL="571500" indent="-114300" algn="l">
-            <a:defRPr sz="1400"/>
-          </a:lvl6pPr>
-          <a:lvl7pPr marL="685800" indent="-114300" algn="l">
-            <a:defRPr sz="1400"/>
-          </a:lvl7pPr>
-          <a:lvl8pPr marL="800100" indent="-114300" algn="l">
-            <a:defRPr sz="1400"/>
-          </a:lvl8pPr>
-          <a:lvl9pPr marL="914400" indent="-114300" algn="l">
-            <a:defRPr sz="1400"/>
-          </a:lvl9pPr>
-        </a:lstStyle>
-        <a:p>
-          <a:pPr lvl="0">
-            <a:lnSpc>
-              <a:spcPct val="100000"/>
-            </a:lnSpc>
-            <a:spcBef>
-              <a:spcPct val="0"/>
-            </a:spcBef>
-            <a:spcAft>
-              <a:spcPct val="35000"/>
-            </a:spcAft>
-          </a:pPr>
-          <a:r>
-            <a:rPr lang="zh-CN" altLang="en-US" dirty="0">
-              <a:solidFill>
-                <a:schemeClr val="dk1"/>
-              </a:solidFill>
-            </a:rPr>
-            <a:t>参考</a:t>
-          </a:r>
-          <a:r>
-            <a:rPr lang="zh-CN" altLang="en-US" dirty="0">
-              <a:solidFill>
-                <a:schemeClr val="dk1"/>
-              </a:solidFill>
-            </a:rPr>
-            <a:t>历史</a:t>
-          </a:r>
-          <a:r>
-            <a:rPr lang="zh-CN" altLang="en-US" dirty="0">
-              <a:solidFill>
-                <a:schemeClr val="dk1"/>
-              </a:solidFill>
-            </a:rPr>
-            <a:t>活动</a:t>
-          </a:r>
-          <a:endParaRPr>
-            <a:solidFill>
-              <a:schemeClr val="dk1"/>
-            </a:solidFill>
-          </a:endParaRPr>
-        </a:p>
-      </dsp:txBody>
-      <dsp:txXfrm>
-        <a:off x="2755726" y="1723073"/>
-        <a:ext cx="1252603" cy="835486"/>
-      </dsp:txXfrm>
-    </dsp:sp>
-    <dsp:sp modelId="{5713621D-16B7-4970-9E8A-FF9ABBF2AA7E}">
-      <dsp:nvSpPr>
-        <dsp:cNvPr id="8" name="椭圆 7"/>
-        <dsp:cNvSpPr/>
-      </dsp:nvSpPr>
-      <dsp:spPr bwMode="white">
-        <a:xfrm>
-          <a:off x="2087671" y="553560"/>
-          <a:ext cx="835068" cy="835068"/>
+          <a:off x="4175149" y="553731"/>
+          <a:ext cx="834925" cy="834925"/>
         </a:xfrm>
         <a:prstGeom prst="ellipse">
           <a:avLst/>
         </a:prstGeom>
+        <a:solidFill>
+          <a:schemeClr val="accent1">
+            <a:hueOff val="0"/>
+            <a:satOff val="0"/>
+            <a:lumOff val="0"/>
+            <a:alphaOff val="0"/>
+          </a:schemeClr>
+        </a:solidFill>
+        <a:ln w="25400" cap="flat" cmpd="sng" algn="ctr">
+          <a:solidFill>
+            <a:schemeClr val="lt1">
+              <a:hueOff val="0"/>
+              <a:satOff val="0"/>
+              <a:lumOff val="0"/>
+              <a:alphaOff val="0"/>
+            </a:schemeClr>
+          </a:solidFill>
+          <a:prstDash val="solid"/>
+        </a:ln>
+        <a:effectLst/>
       </dsp:spPr>
       <dsp:style>
         <a:lnRef idx="2">
-          <a:schemeClr val="lt1"/>
+          <a:scrgbClr r="0" g="0" b="0"/>
         </a:lnRef>
         <a:fillRef idx="1">
-          <a:schemeClr val="accent1"/>
+          <a:scrgbClr r="0" g="0" b="0"/>
         </a:fillRef>
         <a:effectRef idx="0">
           <a:scrgbClr r="0" g="0" b="0"/>
@@ -2083,40 +2212,14 @@
         </a:fontRef>
       </dsp:style>
       <dsp:txBody>
-        <a:bodyPr lIns="0" tIns="0" rIns="0" bIns="0" anchor="ctr"/>
-        <a:lstStyle>
-          <a:lvl1pPr algn="ctr">
-            <a:defRPr sz="1900"/>
-          </a:lvl1pPr>
-          <a:lvl2pPr marL="114300" indent="-114300" algn="ctr">
-            <a:defRPr sz="1400"/>
-          </a:lvl2pPr>
-          <a:lvl3pPr marL="228600" indent="-114300" algn="ctr">
-            <a:defRPr sz="1400"/>
-          </a:lvl3pPr>
-          <a:lvl4pPr marL="342900" indent="-114300" algn="ctr">
-            <a:defRPr sz="1400"/>
-          </a:lvl4pPr>
-          <a:lvl5pPr marL="457200" indent="-114300" algn="ctr">
-            <a:defRPr sz="1400"/>
-          </a:lvl5pPr>
-          <a:lvl6pPr marL="571500" indent="-114300" algn="ctr">
-            <a:defRPr sz="1400"/>
-          </a:lvl6pPr>
-          <a:lvl7pPr marL="685800" indent="-114300" algn="ctr">
-            <a:defRPr sz="1400"/>
-          </a:lvl7pPr>
-          <a:lvl8pPr marL="800100" indent="-114300" algn="ctr">
-            <a:defRPr sz="1400"/>
-          </a:lvl8pPr>
-          <a:lvl9pPr marL="914400" indent="-114300" algn="ctr">
-            <a:defRPr sz="1400"/>
-          </a:lvl9pPr>
-        </a:lstStyle>
+        <a:bodyPr spcFirstLastPara="0" vert="horz" wrap="square" lIns="0" tIns="0" rIns="0" bIns="0" numCol="1" spcCol="1270" anchor="ctr" anchorCtr="0">
+          <a:noAutofit/>
+        </a:bodyPr>
+        <a:lstStyle/>
         <a:p>
-          <a:pPr lvl="0">
+          <a:pPr marL="0" lvl="0" indent="0" algn="ctr" defTabSz="844550">
             <a:lnSpc>
-              <a:spcPct val="100000"/>
+              <a:spcPct val="90000"/>
             </a:lnSpc>
             <a:spcBef>
               <a:spcPct val="0"/>
@@ -2124,312 +2227,17 @@
             <a:spcAft>
               <a:spcPct val="35000"/>
             </a:spcAft>
+            <a:buNone/>
           </a:pPr>
           <a:r>
-            <a:rPr lang="zh-CN" altLang="en-US" dirty="0"/>
-            <a:t>代码复用</a:t>
-          </a:r>
-        </a:p>
-      </dsp:txBody>
-      <dsp:txXfrm>
-        <a:off x="2087671" y="553560"/>
-        <a:ext cx="835068" cy="835068"/>
-      </dsp:txXfrm>
-    </dsp:sp>
-    <dsp:sp modelId="{C897A443-6D4A-4342-AB5D-8B4EFC9ECE47}">
-      <dsp:nvSpPr>
-        <dsp:cNvPr id="9" name="矩形 8"/>
-        <dsp:cNvSpPr/>
-      </dsp:nvSpPr>
-      <dsp:spPr bwMode="white">
-        <a:xfrm>
-          <a:off x="4843397" y="887587"/>
-          <a:ext cx="1252603" cy="835486"/>
-        </a:xfrm>
-        <a:prstGeom prst="rect">
-          <a:avLst/>
-        </a:prstGeom>
-      </dsp:spPr>
-      <dsp:style>
-        <a:lnRef idx="2">
-          <a:schemeClr val="accent1">
-            <a:alpha val="90000"/>
-            <a:tint val="40000"/>
-          </a:schemeClr>
-        </a:lnRef>
-        <a:fillRef idx="1">
-          <a:schemeClr val="accent1">
-            <a:alpha val="90000"/>
-            <a:tint val="40000"/>
-          </a:schemeClr>
-        </a:fillRef>
-        <a:effectRef idx="0">
-          <a:scrgbClr r="0" g="0" b="0"/>
-        </a:effectRef>
-        <a:fontRef idx="minor"/>
-      </dsp:style>
-      <dsp:txBody>
-        <a:bodyPr vert="horz" wrap="square" lIns="0" tIns="128016" rIns="128016" bIns="128016" anchor="ctr"/>
-        <a:lstStyle>
-          <a:lvl1pPr algn="l">
-            <a:defRPr sz="1800"/>
-          </a:lvl1pPr>
-          <a:lvl2pPr marL="114300" indent="-114300" algn="l">
-            <a:defRPr sz="1400"/>
-          </a:lvl2pPr>
-          <a:lvl3pPr marL="228600" indent="-114300" algn="l">
-            <a:defRPr sz="1400"/>
-          </a:lvl3pPr>
-          <a:lvl4pPr marL="342900" indent="-114300" algn="l">
-            <a:defRPr sz="1400"/>
-          </a:lvl4pPr>
-          <a:lvl5pPr marL="457200" indent="-114300" algn="l">
-            <a:defRPr sz="1400"/>
-          </a:lvl5pPr>
-          <a:lvl6pPr marL="571500" indent="-114300" algn="l">
-            <a:defRPr sz="1400"/>
-          </a:lvl6pPr>
-          <a:lvl7pPr marL="685800" indent="-114300" algn="l">
-            <a:defRPr sz="1400"/>
-          </a:lvl7pPr>
-          <a:lvl8pPr marL="800100" indent="-114300" algn="l">
-            <a:defRPr sz="1400"/>
-          </a:lvl8pPr>
-          <a:lvl9pPr marL="914400" indent="-114300" algn="l">
-            <a:defRPr sz="1400"/>
-          </a:lvl9pPr>
-        </a:lstStyle>
-        <a:p>
-          <a:pPr lvl="0">
-            <a:lnSpc>
-              <a:spcPct val="100000"/>
-            </a:lnSpc>
-            <a:spcBef>
-              <a:spcPct val="0"/>
-            </a:spcBef>
-            <a:spcAft>
-              <a:spcPct val="35000"/>
-            </a:spcAft>
-          </a:pPr>
-          <a:r>
-            <a:rPr lang="zh-CN" altLang="en-US" dirty="0">
-              <a:solidFill>
-                <a:schemeClr val="dk1"/>
-              </a:solidFill>
-            </a:rPr>
-            <a:t>归纳</a:t>
-          </a:r>
-          <a:r>
-            <a:rPr lang="zh-CN" altLang="en-US" dirty="0">
-              <a:solidFill>
-                <a:schemeClr val="dk1"/>
-              </a:solidFill>
-            </a:rPr>
-            <a:t>总结</a:t>
-          </a:r>
-          <a:r>
-            <a:rPr lang="zh-CN" altLang="en-US" dirty="0">
-              <a:solidFill>
-                <a:schemeClr val="dk1"/>
-              </a:solidFill>
-            </a:rPr>
-            <a:t>形成</a:t>
-          </a:r>
-          <a:r>
-            <a:rPr lang="zh-CN" altLang="en-US" dirty="0">
-              <a:solidFill>
-                <a:schemeClr val="dk1"/>
-              </a:solidFill>
-            </a:rPr>
-            <a:t>笔记</a:t>
-          </a:r>
-          <a:endParaRPr>
-            <a:solidFill>
-              <a:schemeClr val="dk1"/>
-            </a:solidFill>
-          </a:endParaRPr>
-        </a:p>
-      </dsp:txBody>
-      <dsp:txXfrm>
-        <a:off x="4843397" y="887587"/>
-        <a:ext cx="1252603" cy="835486"/>
-      </dsp:txXfrm>
-    </dsp:sp>
-    <dsp:sp modelId="{28A83018-1213-494D-893E-C95742686BD8}">
-      <dsp:nvSpPr>
-        <dsp:cNvPr id="10" name="矩形 9"/>
-        <dsp:cNvSpPr/>
-      </dsp:nvSpPr>
-      <dsp:spPr bwMode="white">
-        <a:xfrm>
-          <a:off x="4843397" y="1723073"/>
-          <a:ext cx="1252603" cy="835486"/>
-        </a:xfrm>
-        <a:prstGeom prst="rect">
-          <a:avLst/>
-        </a:prstGeom>
-      </dsp:spPr>
-      <dsp:style>
-        <a:lnRef idx="2">
-          <a:schemeClr val="accent1">
-            <a:alpha val="90000"/>
-            <a:tint val="40000"/>
-          </a:schemeClr>
-        </a:lnRef>
-        <a:fillRef idx="1">
-          <a:schemeClr val="accent1">
-            <a:alpha val="90000"/>
-            <a:tint val="40000"/>
-          </a:schemeClr>
-        </a:fillRef>
-        <a:effectRef idx="0">
-          <a:scrgbClr r="0" g="0" b="0"/>
-        </a:effectRef>
-        <a:fontRef idx="minor"/>
-      </dsp:style>
-      <dsp:txBody>
-        <a:bodyPr lIns="0" tIns="128016" rIns="128016" bIns="128016" anchor="ctr"/>
-        <a:lstStyle>
-          <a:lvl1pPr algn="l">
-            <a:defRPr sz="1800"/>
-          </a:lvl1pPr>
-          <a:lvl2pPr marL="114300" indent="-114300" algn="l">
-            <a:defRPr sz="1400"/>
-          </a:lvl2pPr>
-          <a:lvl3pPr marL="228600" indent="-114300" algn="l">
-            <a:defRPr sz="1400"/>
-          </a:lvl3pPr>
-          <a:lvl4pPr marL="342900" indent="-114300" algn="l">
-            <a:defRPr sz="1400"/>
-          </a:lvl4pPr>
-          <a:lvl5pPr marL="457200" indent="-114300" algn="l">
-            <a:defRPr sz="1400"/>
-          </a:lvl5pPr>
-          <a:lvl6pPr marL="571500" indent="-114300" algn="l">
-            <a:defRPr sz="1400"/>
-          </a:lvl6pPr>
-          <a:lvl7pPr marL="685800" indent="-114300" algn="l">
-            <a:defRPr sz="1400"/>
-          </a:lvl7pPr>
-          <a:lvl8pPr marL="800100" indent="-114300" algn="l">
-            <a:defRPr sz="1400"/>
-          </a:lvl8pPr>
-          <a:lvl9pPr marL="914400" indent="-114300" algn="l">
-            <a:defRPr sz="1400"/>
-          </a:lvl9pPr>
-        </a:lstStyle>
-        <a:p>
-          <a:pPr lvl="0">
-            <a:lnSpc>
-              <a:spcPct val="100000"/>
-            </a:lnSpc>
-            <a:spcBef>
-              <a:spcPct val="0"/>
-            </a:spcBef>
-            <a:spcAft>
-              <a:spcPct val="35000"/>
-            </a:spcAft>
-          </a:pPr>
-          <a:r>
-            <a:rPr lang="zh-CN" altLang="en-US" dirty="0">
-              <a:solidFill>
-                <a:schemeClr val="dk1"/>
-              </a:solidFill>
-            </a:rPr>
-            <a:t>总结并补充文档</a:t>
-          </a:r>
-          <a:endParaRPr>
-            <a:solidFill>
-              <a:schemeClr val="dk1"/>
-            </a:solidFill>
-          </a:endParaRPr>
-        </a:p>
-      </dsp:txBody>
-      <dsp:txXfrm>
-        <a:off x="4843397" y="1723073"/>
-        <a:ext cx="1252603" cy="835486"/>
-      </dsp:txXfrm>
-    </dsp:sp>
-    <dsp:sp modelId="{336A9AD5-9C39-48D4-8EB9-FC9D13547E0D}">
-      <dsp:nvSpPr>
-        <dsp:cNvPr id="11" name="椭圆 10"/>
-        <dsp:cNvSpPr/>
-      </dsp:nvSpPr>
-      <dsp:spPr bwMode="white">
-        <a:xfrm>
-          <a:off x="4175342" y="553560"/>
-          <a:ext cx="835068" cy="835068"/>
-        </a:xfrm>
-        <a:prstGeom prst="ellipse">
-          <a:avLst/>
-        </a:prstGeom>
-      </dsp:spPr>
-      <dsp:style>
-        <a:lnRef idx="2">
-          <a:schemeClr val="lt1"/>
-        </a:lnRef>
-        <a:fillRef idx="1">
-          <a:schemeClr val="accent1"/>
-        </a:fillRef>
-        <a:effectRef idx="0">
-          <a:scrgbClr r="0" g="0" b="0"/>
-        </a:effectRef>
-        <a:fontRef idx="minor">
-          <a:schemeClr val="lt1"/>
-        </a:fontRef>
-      </dsp:style>
-      <dsp:txBody>
-        <a:bodyPr lIns="0" tIns="0" rIns="0" bIns="0" anchor="ctr"/>
-        <a:lstStyle>
-          <a:lvl1pPr algn="ctr">
-            <a:defRPr sz="1900"/>
-          </a:lvl1pPr>
-          <a:lvl2pPr marL="114300" indent="-114300" algn="ctr">
-            <a:defRPr sz="1400"/>
-          </a:lvl2pPr>
-          <a:lvl3pPr marL="228600" indent="-114300" algn="ctr">
-            <a:defRPr sz="1400"/>
-          </a:lvl3pPr>
-          <a:lvl4pPr marL="342900" indent="-114300" algn="ctr">
-            <a:defRPr sz="1400"/>
-          </a:lvl4pPr>
-          <a:lvl5pPr marL="457200" indent="-114300" algn="ctr">
-            <a:defRPr sz="1400"/>
-          </a:lvl5pPr>
-          <a:lvl6pPr marL="571500" indent="-114300" algn="ctr">
-            <a:defRPr sz="1400"/>
-          </a:lvl6pPr>
-          <a:lvl7pPr marL="685800" indent="-114300" algn="ctr">
-            <a:defRPr sz="1400"/>
-          </a:lvl7pPr>
-          <a:lvl8pPr marL="800100" indent="-114300" algn="ctr">
-            <a:defRPr sz="1400"/>
-          </a:lvl8pPr>
-          <a:lvl9pPr marL="914400" indent="-114300" algn="ctr">
-            <a:defRPr sz="1400"/>
-          </a:lvl9pPr>
-        </a:lstStyle>
-        <a:p>
-          <a:pPr lvl="0">
-            <a:lnSpc>
-              <a:spcPct val="100000"/>
-            </a:lnSpc>
-            <a:spcBef>
-              <a:spcPct val="0"/>
-            </a:spcBef>
-            <a:spcAft>
-              <a:spcPct val="35000"/>
-            </a:spcAft>
-          </a:pPr>
-          <a:r>
-            <a:rPr lang="zh-CN" altLang="en-US" dirty="0"/>
+            <a:rPr lang="zh-CN" altLang="en-US" sz="1900" kern="1200" dirty="0"/>
             <a:t>总结归纳</a:t>
           </a:r>
         </a:p>
       </dsp:txBody>
       <dsp:txXfrm>
-        <a:off x="4175342" y="553560"/>
-        <a:ext cx="835068" cy="835068"/>
+        <a:off x="4297421" y="676003"/>
+        <a:ext cx="590381" cy="590381"/>
       </dsp:txXfrm>
     </dsp:sp>
   </dsp:spTree>
@@ -2808,6 +2616,7 @@
       <a:camera prst="orthographicFront"/>
       <a:lightRig rig="threePt" dir="t"/>
     </dgm:scene3d>
+    <dgm:sp3d/>
     <dgm:txPr/>
     <dgm:style>
       <a:lnRef idx="2">
@@ -2827,6 +2636,7 @@
       <a:camera prst="orthographicFront"/>
       <a:lightRig rig="threePt" dir="t"/>
     </dgm:scene3d>
+    <dgm:sp3d/>
     <dgm:txPr/>
     <dgm:style>
       <a:lnRef idx="2">
@@ -2846,6 +2656,7 @@
       <a:camera prst="orthographicFront"/>
       <a:lightRig rig="threePt" dir="t"/>
     </dgm:scene3d>
+    <dgm:sp3d/>
     <dgm:txPr/>
     <dgm:style>
       <a:lnRef idx="2">
@@ -2865,6 +2676,7 @@
       <a:camera prst="orthographicFront"/>
       <a:lightRig rig="threePt" dir="t"/>
     </dgm:scene3d>
+    <dgm:sp3d/>
     <dgm:txPr/>
     <dgm:style>
       <a:lnRef idx="2">
@@ -2886,6 +2698,7 @@
       <a:camera prst="orthographicFront"/>
       <a:lightRig rig="threePt" dir="t"/>
     </dgm:scene3d>
+    <dgm:sp3d/>
     <dgm:txPr/>
     <dgm:style>
       <a:lnRef idx="2">
@@ -2907,6 +2720,7 @@
       <a:camera prst="orthographicFront"/>
       <a:lightRig rig="threePt" dir="t"/>
     </dgm:scene3d>
+    <dgm:sp3d/>
     <dgm:txPr/>
     <dgm:style>
       <a:lnRef idx="2">
@@ -2928,6 +2742,7 @@
       <a:camera prst="orthographicFront"/>
       <a:lightRig rig="threePt" dir="t"/>
     </dgm:scene3d>
+    <dgm:sp3d/>
     <dgm:txPr/>
     <dgm:style>
       <a:lnRef idx="2">
@@ -2949,6 +2764,7 @@
       <a:camera prst="orthographicFront"/>
       <a:lightRig rig="threePt" dir="t"/>
     </dgm:scene3d>
+    <dgm:sp3d/>
     <dgm:txPr/>
     <dgm:style>
       <a:lnRef idx="2">
@@ -2970,6 +2786,7 @@
       <a:camera prst="orthographicFront"/>
       <a:lightRig rig="threePt" dir="t"/>
     </dgm:scene3d>
+    <dgm:sp3d/>
     <dgm:txPr/>
     <dgm:style>
       <a:lnRef idx="2">
@@ -2991,6 +2808,7 @@
       <a:camera prst="orthographicFront"/>
       <a:lightRig rig="threePt" dir="t"/>
     </dgm:scene3d>
+    <dgm:sp3d/>
     <dgm:txPr/>
     <dgm:style>
       <a:lnRef idx="2">
@@ -3010,6 +2828,7 @@
       <a:camera prst="orthographicFront"/>
       <a:lightRig rig="threePt" dir="t"/>
     </dgm:scene3d>
+    <dgm:sp3d/>
     <dgm:txPr/>
     <dgm:style>
       <a:lnRef idx="2">
@@ -3029,6 +2848,7 @@
       <a:camera prst="orthographicFront"/>
       <a:lightRig rig="threePt" dir="t"/>
     </dgm:scene3d>
+    <dgm:sp3d/>
     <dgm:txPr/>
     <dgm:style>
       <a:lnRef idx="2">
@@ -3048,6 +2868,7 @@
       <a:camera prst="orthographicFront"/>
       <a:lightRig rig="threePt" dir="t"/>
     </dgm:scene3d>
+    <dgm:sp3d/>
     <dgm:txPr/>
     <dgm:style>
       <a:lnRef idx="0">
@@ -3067,6 +2888,7 @@
       <a:camera prst="orthographicFront"/>
       <a:lightRig rig="threePt" dir="t"/>
     </dgm:scene3d>
+    <dgm:sp3d/>
     <dgm:txPr/>
     <dgm:style>
       <a:lnRef idx="0">
@@ -3088,6 +2910,7 @@
       <a:camera prst="orthographicFront"/>
       <a:lightRig rig="threePt" dir="t"/>
     </dgm:scene3d>
+    <dgm:sp3d/>
     <dgm:txPr/>
     <dgm:style>
       <a:lnRef idx="2">
@@ -3107,6 +2930,7 @@
       <a:camera prst="orthographicFront"/>
       <a:lightRig rig="threePt" dir="t"/>
     </dgm:scene3d>
+    <dgm:sp3d/>
     <dgm:txPr/>
     <dgm:style>
       <a:lnRef idx="2">
@@ -3126,6 +2950,7 @@
       <a:camera prst="orthographicFront"/>
       <a:lightRig rig="threePt" dir="t"/>
     </dgm:scene3d>
+    <dgm:sp3d/>
     <dgm:txPr/>
     <dgm:style>
       <a:lnRef idx="0">
@@ -3145,6 +2970,7 @@
       <a:camera prst="orthographicFront"/>
       <a:lightRig rig="threePt" dir="t"/>
     </dgm:scene3d>
+    <dgm:sp3d/>
     <dgm:txPr/>
     <dgm:style>
       <a:lnRef idx="2">
@@ -3164,6 +2990,7 @@
       <a:camera prst="orthographicFront"/>
       <a:lightRig rig="threePt" dir="t"/>
     </dgm:scene3d>
+    <dgm:sp3d/>
     <dgm:txPr/>
     <dgm:style>
       <a:lnRef idx="2">
@@ -3183,6 +3010,7 @@
       <a:camera prst="orthographicFront"/>
       <a:lightRig rig="threePt" dir="t"/>
     </dgm:scene3d>
+    <dgm:sp3d/>
     <dgm:txPr/>
     <dgm:style>
       <a:lnRef idx="2">
@@ -3202,6 +3030,7 @@
       <a:camera prst="orthographicFront"/>
       <a:lightRig rig="threePt" dir="t"/>
     </dgm:scene3d>
+    <dgm:sp3d/>
     <dgm:txPr/>
     <dgm:style>
       <a:lnRef idx="2">
@@ -3221,6 +3050,7 @@
       <a:camera prst="orthographicFront"/>
       <a:lightRig rig="threePt" dir="t"/>
     </dgm:scene3d>
+    <dgm:sp3d/>
     <dgm:txPr/>
     <dgm:style>
       <a:lnRef idx="2">
@@ -3240,6 +3070,7 @@
       <a:camera prst="orthographicFront"/>
       <a:lightRig rig="threePt" dir="t"/>
     </dgm:scene3d>
+    <dgm:sp3d/>
     <dgm:txPr/>
     <dgm:style>
       <a:lnRef idx="2">
@@ -3259,6 +3090,7 @@
       <a:camera prst="orthographicFront"/>
       <a:lightRig rig="threePt" dir="t"/>
     </dgm:scene3d>
+    <dgm:sp3d/>
     <dgm:txPr/>
     <dgm:style>
       <a:lnRef idx="2">
@@ -3278,6 +3110,7 @@
       <a:camera prst="orthographicFront"/>
       <a:lightRig rig="threePt" dir="t"/>
     </dgm:scene3d>
+    <dgm:sp3d/>
     <dgm:txPr/>
     <dgm:style>
       <a:lnRef idx="2">
@@ -3297,6 +3130,7 @@
       <a:camera prst="orthographicFront"/>
       <a:lightRig rig="threePt" dir="t"/>
     </dgm:scene3d>
+    <dgm:sp3d/>
     <dgm:txPr/>
     <dgm:style>
       <a:lnRef idx="0">
@@ -3318,6 +3152,7 @@
       <a:camera prst="orthographicFront"/>
       <a:lightRig rig="threePt" dir="t"/>
     </dgm:scene3d>
+    <dgm:sp3d/>
     <dgm:txPr/>
     <dgm:style>
       <a:lnRef idx="2">
@@ -3339,6 +3174,7 @@
       <a:camera prst="orthographicFront"/>
       <a:lightRig rig="threePt" dir="t"/>
     </dgm:scene3d>
+    <dgm:sp3d/>
     <dgm:txPr/>
     <dgm:style>
       <a:lnRef idx="2">
@@ -3360,6 +3196,7 @@
       <a:camera prst="orthographicFront"/>
       <a:lightRig rig="threePt" dir="t"/>
     </dgm:scene3d>
+    <dgm:sp3d/>
     <dgm:txPr/>
     <dgm:style>
       <a:lnRef idx="2">
@@ -3381,6 +3218,7 @@
       <a:camera prst="orthographicFront"/>
       <a:lightRig rig="threePt" dir="t"/>
     </dgm:scene3d>
+    <dgm:sp3d/>
     <dgm:txPr/>
     <dgm:style>
       <a:lnRef idx="2">
@@ -3402,6 +3240,7 @@
       <a:camera prst="orthographicFront"/>
       <a:lightRig rig="threePt" dir="t"/>
     </dgm:scene3d>
+    <dgm:sp3d/>
     <dgm:txPr/>
     <dgm:style>
       <a:lnRef idx="2">
@@ -3423,6 +3262,7 @@
       <a:camera prst="orthographicFront"/>
       <a:lightRig rig="threePt" dir="t"/>
     </dgm:scene3d>
+    <dgm:sp3d/>
     <dgm:txPr/>
     <dgm:style>
       <a:lnRef idx="2">
@@ -3444,6 +3284,7 @@
       <a:camera prst="orthographicFront"/>
       <a:lightRig rig="threePt" dir="t"/>
     </dgm:scene3d>
+    <dgm:sp3d/>
     <dgm:txPr/>
     <dgm:style>
       <a:lnRef idx="2">
@@ -3463,6 +3304,7 @@
       <a:camera prst="orthographicFront"/>
       <a:lightRig rig="threePt" dir="t"/>
     </dgm:scene3d>
+    <dgm:sp3d/>
     <dgm:txPr/>
     <dgm:style>
       <a:lnRef idx="2">
@@ -3482,6 +3324,7 @@
       <a:camera prst="orthographicFront"/>
       <a:lightRig rig="threePt" dir="t"/>
     </dgm:scene3d>
+    <dgm:sp3d/>
     <dgm:txPr/>
     <dgm:style>
       <a:lnRef idx="2">
@@ -3501,6 +3344,7 @@
       <a:camera prst="orthographicFront"/>
       <a:lightRig rig="threePt" dir="t"/>
     </dgm:scene3d>
+    <dgm:sp3d/>
     <dgm:txPr/>
     <dgm:style>
       <a:lnRef idx="2">
@@ -3520,6 +3364,7 @@
       <a:camera prst="orthographicFront"/>
       <a:lightRig rig="threePt" dir="t"/>
     </dgm:scene3d>
+    <dgm:sp3d/>
     <dgm:txPr/>
     <dgm:style>
       <a:lnRef idx="2">
@@ -3541,6 +3386,7 @@
       <a:camera prst="orthographicFront"/>
       <a:lightRig rig="threePt" dir="t"/>
     </dgm:scene3d>
+    <dgm:sp3d/>
     <dgm:txPr/>
     <dgm:style>
       <a:lnRef idx="2">
@@ -3562,6 +3408,7 @@
       <a:camera prst="orthographicFront"/>
       <a:lightRig rig="threePt" dir="t"/>
     </dgm:scene3d>
+    <dgm:sp3d/>
     <dgm:txPr/>
     <dgm:style>
       <a:lnRef idx="2">
@@ -3583,6 +3430,7 @@
       <a:camera prst="orthographicFront"/>
       <a:lightRig rig="threePt" dir="t"/>
     </dgm:scene3d>
+    <dgm:sp3d/>
     <dgm:txPr/>
     <dgm:style>
       <a:lnRef idx="2">
@@ -3604,6 +3452,7 @@
       <a:camera prst="orthographicFront"/>
       <a:lightRig rig="threePt" dir="t"/>
     </dgm:scene3d>
+    <dgm:sp3d/>
     <dgm:txPr/>
     <dgm:style>
       <a:lnRef idx="0">
@@ -3623,6 +3472,7 @@
       <a:camera prst="orthographicFront"/>
       <a:lightRig rig="threePt" dir="t"/>
     </dgm:scene3d>
+    <dgm:sp3d/>
     <dgm:txPr/>
     <dgm:style>
       <a:lnRef idx="1">
@@ -3642,6 +3492,7 @@
       <a:camera prst="orthographicFront"/>
       <a:lightRig rig="threePt" dir="t"/>
     </dgm:scene3d>
+    <dgm:sp3d/>
     <dgm:txPr/>
     <dgm:style>
       <a:lnRef idx="0">
@@ -3663,6 +3514,7 @@
       <a:camera prst="orthographicFront"/>
       <a:lightRig rig="threePt" dir="t"/>
     </dgm:scene3d>
+    <dgm:sp3d/>
     <dgm:txPr/>
     <dgm:style>
       <a:lnRef idx="2">
@@ -3682,6 +3534,7 @@
       <a:camera prst="orthographicFront"/>
       <a:lightRig rig="threePt" dir="t"/>
     </dgm:scene3d>
+    <dgm:sp3d/>
     <dgm:txPr/>
     <dgm:style>
       <a:lnRef idx="2">
@@ -3701,6 +3554,7 @@
       <a:camera prst="orthographicFront"/>
       <a:lightRig rig="threePt" dir="t"/>
     </dgm:scene3d>
+    <dgm:sp3d/>
     <dgm:txPr/>
     <dgm:style>
       <a:lnRef idx="2">
@@ -3720,6 +3574,7 @@
       <a:camera prst="orthographicFront"/>
       <a:lightRig rig="threePt" dir="t"/>
     </dgm:scene3d>
+    <dgm:sp3d/>
     <dgm:txPr/>
     <dgm:style>
       <a:lnRef idx="1">
@@ -3739,6 +3594,7 @@
       <a:camera prst="orthographicFront"/>
       <a:lightRig rig="threePt" dir="t"/>
     </dgm:scene3d>
+    <dgm:sp3d/>
     <dgm:txPr/>
     <dgm:style>
       <a:lnRef idx="0">
@@ -3758,6 +3614,7 @@
       <a:camera prst="orthographicFront"/>
       <a:lightRig rig="threePt" dir="t"/>
     </dgm:scene3d>
+    <dgm:sp3d/>
     <dgm:txPr/>
     <dgm:style>
       <a:lnRef idx="2">
@@ -3859,6 +3716,7 @@
           <a:p>
             <a:fld id="{48D129E5-C751-4B45-A7D5-C40A746FAF6B}" type="datetimeFigureOut">
               <a:rPr lang="zh-CN" altLang="en-US" smtClean="0"/>
+              <a:t>2022/12/8</a:t>
             </a:fld>
             <a:endParaRPr lang="zh-CN" altLang="en-US"/>
           </a:p>
@@ -3925,7 +3783,6 @@
               <a:rPr lang="zh-CN" altLang="en-US"/>
               <a:t>单击此处编辑母版文本样式</a:t>
             </a:r>
-            <a:endParaRPr lang="zh-CN" altLang="en-US"/>
           </a:p>
           <a:p>
             <a:pPr lvl="1"/>
@@ -3933,7 +3790,6 @@
               <a:rPr lang="zh-CN" altLang="en-US"/>
               <a:t>二级</a:t>
             </a:r>
-            <a:endParaRPr lang="zh-CN" altLang="en-US"/>
           </a:p>
           <a:p>
             <a:pPr lvl="2"/>
@@ -3941,7 +3797,6 @@
               <a:rPr lang="zh-CN" altLang="en-US"/>
               <a:t>三级</a:t>
             </a:r>
-            <a:endParaRPr lang="zh-CN" altLang="en-US"/>
           </a:p>
           <a:p>
             <a:pPr lvl="3"/>
@@ -3949,7 +3804,6 @@
               <a:rPr lang="zh-CN" altLang="en-US"/>
               <a:t>四级</a:t>
             </a:r>
-            <a:endParaRPr lang="zh-CN" altLang="en-US"/>
           </a:p>
           <a:p>
             <a:pPr lvl="4"/>
@@ -3957,7 +3811,6 @@
               <a:rPr lang="zh-CN" altLang="en-US"/>
               <a:t>五级</a:t>
             </a:r>
-            <a:endParaRPr lang="zh-CN" altLang="en-US"/>
           </a:p>
         </p:txBody>
       </p:sp>
@@ -4021,6 +3874,7 @@
           <a:p>
             <a:fld id="{15570505-CFB4-4027-A1A7-1833B4CA91FF}" type="slidenum">
               <a:rPr lang="zh-CN" altLang="en-US" smtClean="0"/>
+              <a:t>‹#›</a:t>
             </a:fld>
             <a:endParaRPr lang="zh-CN" altLang="en-US"/>
           </a:p>
@@ -4133,11 +3987,20 @@
         <p:cNvGrpSpPr/>
         <p:nvPr/>
       </p:nvGrpSpPr>
-      <p:grpSpPr/>
+      <p:grpSpPr>
+        <a:xfrm>
+          <a:off x="0" y="0"/>
+          <a:ext cx="0" cy="0"/>
+          <a:chOff x="0" y="0"/>
+          <a:chExt cx="0" cy="0"/>
+        </a:xfrm>
+      </p:grpSpPr>
       <p:sp>
         <p:nvSpPr>
           <p:cNvPr id="2" name="幻灯片图像占位符 1"/>
-          <p:cNvSpPr/>
+          <p:cNvSpPr>
+            <a:spLocks noGrp="1" noRot="1" noChangeAspect="1"/>
+          </p:cNvSpPr>
           <p:nvPr>
             <p:ph type="sldImg" idx="2"/>
           </p:nvPr>
@@ -4147,7 +4010,9 @@
       <p:sp>
         <p:nvSpPr>
           <p:cNvPr id="3" name="文本占位符 2"/>
-          <p:cNvSpPr/>
+          <p:cNvSpPr>
+            <a:spLocks noGrp="1"/>
+          </p:cNvSpPr>
           <p:nvPr>
             <p:ph type="body" idx="3"/>
           </p:nvPr>
@@ -4155,6 +4020,7 @@
         <p:spPr/>
         <p:txBody>
           <a:bodyPr/>
+          <a:lstStyle/>
           <a:p>
             <a:endParaRPr lang="zh-CN" altLang="en-US"/>
           </a:p>
@@ -4233,6 +4099,7 @@
           <a:p>
             <a:fld id="{15570505-CFB4-4027-A1A7-1833B4CA91FF}" type="slidenum">
               <a:rPr lang="zh-CN" altLang="en-US" smtClean="0"/>
+              <a:t>28</a:t>
             </a:fld>
             <a:endParaRPr lang="zh-CN" altLang="en-US"/>
           </a:p>
@@ -4255,11 +4122,20 @@
         <p:cNvGrpSpPr/>
         <p:nvPr/>
       </p:nvGrpSpPr>
-      <p:grpSpPr/>
+      <p:grpSpPr>
+        <a:xfrm>
+          <a:off x="0" y="0"/>
+          <a:ext cx="0" cy="0"/>
+          <a:chOff x="0" y="0"/>
+          <a:chExt cx="0" cy="0"/>
+        </a:xfrm>
+      </p:grpSpPr>
       <p:sp>
         <p:nvSpPr>
           <p:cNvPr id="2" name="幻灯片图像占位符 1"/>
-          <p:cNvSpPr/>
+          <p:cNvSpPr>
+            <a:spLocks noGrp="1" noRot="1" noChangeAspect="1"/>
+          </p:cNvSpPr>
           <p:nvPr>
             <p:ph type="sldImg" idx="2"/>
           </p:nvPr>
@@ -4269,7 +4145,9 @@
       <p:sp>
         <p:nvSpPr>
           <p:cNvPr id="3" name="文本占位符 2"/>
-          <p:cNvSpPr/>
+          <p:cNvSpPr>
+            <a:spLocks noGrp="1"/>
+          </p:cNvSpPr>
           <p:nvPr>
             <p:ph type="body" idx="3"/>
           </p:nvPr>
@@ -4277,6 +4155,7 @@
         <p:spPr/>
         <p:txBody>
           <a:bodyPr/>
+          <a:lstStyle/>
           <a:p>
             <a:endParaRPr lang="zh-CN" altLang="en-US"/>
           </a:p>
@@ -4299,11 +4178,20 @@
         <p:cNvGrpSpPr/>
         <p:nvPr/>
       </p:nvGrpSpPr>
-      <p:grpSpPr/>
+      <p:grpSpPr>
+        <a:xfrm>
+          <a:off x="0" y="0"/>
+          <a:ext cx="0" cy="0"/>
+          <a:chOff x="0" y="0"/>
+          <a:chExt cx="0" cy="0"/>
+        </a:xfrm>
+      </p:grpSpPr>
       <p:sp>
         <p:nvSpPr>
           <p:cNvPr id="2" name="幻灯片图像占位符 1"/>
-          <p:cNvSpPr/>
+          <p:cNvSpPr>
+            <a:spLocks noGrp="1" noRot="1" noChangeAspect="1"/>
+          </p:cNvSpPr>
           <p:nvPr>
             <p:ph type="sldImg" idx="2"/>
           </p:nvPr>
@@ -4313,7 +4201,9 @@
       <p:sp>
         <p:nvSpPr>
           <p:cNvPr id="3" name="文本占位符 2"/>
-          <p:cNvSpPr/>
+          <p:cNvSpPr>
+            <a:spLocks noGrp="1"/>
+          </p:cNvSpPr>
           <p:nvPr>
             <p:ph type="body" idx="3"/>
           </p:nvPr>
@@ -4321,6 +4211,7 @@
         <p:spPr/>
         <p:txBody>
           <a:bodyPr/>
+          <a:lstStyle/>
           <a:p>
             <a:endParaRPr lang="zh-CN" altLang="en-US"/>
           </a:p>
@@ -4343,11 +4234,20 @@
         <p:cNvGrpSpPr/>
         <p:nvPr/>
       </p:nvGrpSpPr>
-      <p:grpSpPr/>
+      <p:grpSpPr>
+        <a:xfrm>
+          <a:off x="0" y="0"/>
+          <a:ext cx="0" cy="0"/>
+          <a:chOff x="0" y="0"/>
+          <a:chExt cx="0" cy="0"/>
+        </a:xfrm>
+      </p:grpSpPr>
       <p:sp>
         <p:nvSpPr>
           <p:cNvPr id="2" name="幻灯片图像占位符 1"/>
-          <p:cNvSpPr/>
+          <p:cNvSpPr>
+            <a:spLocks noGrp="1" noRot="1" noChangeAspect="1"/>
+          </p:cNvSpPr>
           <p:nvPr>
             <p:ph type="sldImg" idx="2"/>
           </p:nvPr>
@@ -4357,7 +4257,9 @@
       <p:sp>
         <p:nvSpPr>
           <p:cNvPr id="3" name="文本占位符 2"/>
-          <p:cNvSpPr/>
+          <p:cNvSpPr>
+            <a:spLocks noGrp="1"/>
+          </p:cNvSpPr>
           <p:nvPr>
             <p:ph type="body" idx="3"/>
           </p:nvPr>
@@ -4365,6 +4267,7 @@
         <p:spPr/>
         <p:txBody>
           <a:bodyPr/>
+          <a:lstStyle/>
           <a:p>
             <a:endParaRPr lang="zh-CN" altLang="en-US"/>
           </a:p>
@@ -4443,6 +4346,7 @@
           <a:p>
             <a:fld id="{15570505-CFB4-4027-A1A7-1833B4CA91FF}" type="slidenum">
               <a:rPr lang="zh-CN" altLang="en-US" smtClean="0"/>
+              <a:t>20</a:t>
             </a:fld>
             <a:endParaRPr lang="zh-CN" altLang="en-US"/>
           </a:p>
@@ -4521,6 +4425,7 @@
           <a:p>
             <a:fld id="{15570505-CFB4-4027-A1A7-1833B4CA91FF}" type="slidenum">
               <a:rPr lang="zh-CN" altLang="en-US" smtClean="0"/>
+              <a:t>21</a:t>
             </a:fld>
             <a:endParaRPr lang="zh-CN" altLang="en-US"/>
           </a:p>
@@ -4599,6 +4504,7 @@
           <a:p>
             <a:fld id="{15570505-CFB4-4027-A1A7-1833B4CA91FF}" type="slidenum">
               <a:rPr lang="zh-CN" altLang="en-US" smtClean="0"/>
+              <a:t>23</a:t>
             </a:fld>
             <a:endParaRPr lang="zh-CN" altLang="en-US"/>
           </a:p>
@@ -4677,6 +4583,7 @@
           <a:p>
             <a:fld id="{15570505-CFB4-4027-A1A7-1833B4CA91FF}" type="slidenum">
               <a:rPr lang="zh-CN" altLang="en-US" smtClean="0"/>
+              <a:t>24</a:t>
             </a:fld>
             <a:endParaRPr lang="zh-CN" altLang="en-US"/>
           </a:p>
@@ -4755,6 +4662,7 @@
           <a:p>
             <a:fld id="{15570505-CFB4-4027-A1A7-1833B4CA91FF}" type="slidenum">
               <a:rPr lang="zh-CN" altLang="en-US" smtClean="0"/>
+              <a:t>26</a:t>
             </a:fld>
             <a:endParaRPr lang="zh-CN" altLang="en-US"/>
           </a:p>
@@ -4809,7 +4717,6 @@
               <a:rPr lang="zh-CN" altLang="en-US"/>
               <a:t>单击此处编辑母版标题样式</a:t>
             </a:r>
-            <a:endParaRPr lang="zh-CN" altLang="en-US"/>
           </a:p>
         </p:txBody>
       </p:sp>
@@ -4928,7 +4835,6 @@
               <a:rPr lang="zh-CN" altLang="en-US"/>
               <a:t>单击此处编辑母版副标题样式</a:t>
             </a:r>
-            <a:endParaRPr lang="zh-CN" altLang="en-US"/>
           </a:p>
         </p:txBody>
       </p:sp>
@@ -4949,6 +4855,7 @@
           <a:p>
             <a:fld id="{530820CF-B880-4189-942D-D702A7CBA730}" type="datetimeFigureOut">
               <a:rPr lang="zh-CN" altLang="en-US" smtClean="0"/>
+              <a:t>2022/12/8</a:t>
             </a:fld>
             <a:endParaRPr lang="zh-CN" altLang="en-US"/>
           </a:p>
@@ -4990,6 +4897,7 @@
           <a:p>
             <a:fld id="{0C913308-F349-4B6D-A68A-DD1791B4A57B}" type="slidenum">
               <a:rPr lang="zh-CN" altLang="en-US" smtClean="0"/>
+              <a:t>‹#›</a:t>
             </a:fld>
             <a:endParaRPr lang="zh-CN" altLang="en-US"/>
           </a:p>
@@ -5039,7 +4947,6 @@
               <a:rPr lang="zh-CN" altLang="en-US"/>
               <a:t>单击此处编辑母版标题样式</a:t>
             </a:r>
-            <a:endParaRPr lang="zh-CN" altLang="en-US"/>
           </a:p>
         </p:txBody>
       </p:sp>
@@ -5063,7 +4970,6 @@
               <a:rPr lang="zh-CN" altLang="en-US"/>
               <a:t>单击此处编辑母版文本样式</a:t>
             </a:r>
-            <a:endParaRPr lang="zh-CN" altLang="en-US"/>
           </a:p>
           <a:p>
             <a:pPr lvl="1"/>
@@ -5071,7 +4977,6 @@
               <a:rPr lang="zh-CN" altLang="en-US"/>
               <a:t>第二级</a:t>
             </a:r>
-            <a:endParaRPr lang="zh-CN" altLang="en-US"/>
           </a:p>
           <a:p>
             <a:pPr lvl="2"/>
@@ -5079,7 +4984,6 @@
               <a:rPr lang="zh-CN" altLang="en-US"/>
               <a:t>第三级</a:t>
             </a:r>
-            <a:endParaRPr lang="zh-CN" altLang="en-US"/>
           </a:p>
           <a:p>
             <a:pPr lvl="3"/>
@@ -5087,7 +4991,6 @@
               <a:rPr lang="zh-CN" altLang="en-US"/>
               <a:t>第四级</a:t>
             </a:r>
-            <a:endParaRPr lang="zh-CN" altLang="en-US"/>
           </a:p>
           <a:p>
             <a:pPr lvl="4"/>
@@ -5095,7 +4998,6 @@
               <a:rPr lang="zh-CN" altLang="en-US"/>
               <a:t>第五级</a:t>
             </a:r>
-            <a:endParaRPr lang="zh-CN" altLang="en-US"/>
           </a:p>
         </p:txBody>
       </p:sp>
@@ -5116,6 +5018,7 @@
           <a:p>
             <a:fld id="{530820CF-B880-4189-942D-D702A7CBA730}" type="datetimeFigureOut">
               <a:rPr lang="zh-CN" altLang="en-US" smtClean="0"/>
+              <a:t>2022/12/8</a:t>
             </a:fld>
             <a:endParaRPr lang="zh-CN" altLang="en-US"/>
           </a:p>
@@ -5157,6 +5060,7 @@
           <a:p>
             <a:fld id="{0C913308-F349-4B6D-A68A-DD1791B4A57B}" type="slidenum">
               <a:rPr lang="zh-CN" altLang="en-US" smtClean="0"/>
+              <a:t>‹#›</a:t>
             </a:fld>
             <a:endParaRPr lang="zh-CN" altLang="en-US"/>
           </a:p>
@@ -5211,7 +5115,6 @@
               <a:rPr lang="zh-CN" altLang="en-US"/>
               <a:t>单击此处编辑母版标题样式</a:t>
             </a:r>
-            <a:endParaRPr lang="zh-CN" altLang="en-US"/>
           </a:p>
         </p:txBody>
       </p:sp>
@@ -5240,7 +5143,6 @@
               <a:rPr lang="zh-CN" altLang="en-US"/>
               <a:t>单击此处编辑母版文本样式</a:t>
             </a:r>
-            <a:endParaRPr lang="zh-CN" altLang="en-US"/>
           </a:p>
           <a:p>
             <a:pPr lvl="1"/>
@@ -5248,7 +5150,6 @@
               <a:rPr lang="zh-CN" altLang="en-US"/>
               <a:t>第二级</a:t>
             </a:r>
-            <a:endParaRPr lang="zh-CN" altLang="en-US"/>
           </a:p>
           <a:p>
             <a:pPr lvl="2"/>
@@ -5256,7 +5157,6 @@
               <a:rPr lang="zh-CN" altLang="en-US"/>
               <a:t>第三级</a:t>
             </a:r>
-            <a:endParaRPr lang="zh-CN" altLang="en-US"/>
           </a:p>
           <a:p>
             <a:pPr lvl="3"/>
@@ -5264,7 +5164,6 @@
               <a:rPr lang="zh-CN" altLang="en-US"/>
               <a:t>第四级</a:t>
             </a:r>
-            <a:endParaRPr lang="zh-CN" altLang="en-US"/>
           </a:p>
           <a:p>
             <a:pPr lvl="4"/>
@@ -5272,7 +5171,6 @@
               <a:rPr lang="zh-CN" altLang="en-US"/>
               <a:t>第五级</a:t>
             </a:r>
-            <a:endParaRPr lang="zh-CN" altLang="en-US"/>
           </a:p>
         </p:txBody>
       </p:sp>
@@ -5293,6 +5191,7 @@
           <a:p>
             <a:fld id="{530820CF-B880-4189-942D-D702A7CBA730}" type="datetimeFigureOut">
               <a:rPr lang="zh-CN" altLang="en-US" smtClean="0"/>
+              <a:t>2022/12/8</a:t>
             </a:fld>
             <a:endParaRPr lang="zh-CN" altLang="en-US"/>
           </a:p>
@@ -5334,6 +5233,7 @@
           <a:p>
             <a:fld id="{0C913308-F349-4B6D-A68A-DD1791B4A57B}" type="slidenum">
               <a:rPr lang="zh-CN" altLang="en-US" smtClean="0"/>
+              <a:t>‹#›</a:t>
             </a:fld>
             <a:endParaRPr lang="zh-CN" altLang="en-US"/>
           </a:p>
@@ -5383,7 +5283,6 @@
               <a:rPr lang="zh-CN" altLang="en-US"/>
               <a:t>单击此处编辑母版标题样式</a:t>
             </a:r>
-            <a:endParaRPr lang="zh-CN" altLang="en-US"/>
           </a:p>
         </p:txBody>
       </p:sp>
@@ -5407,7 +5306,6 @@
               <a:rPr lang="zh-CN" altLang="en-US"/>
               <a:t>单击此处编辑母版文本样式</a:t>
             </a:r>
-            <a:endParaRPr lang="zh-CN" altLang="en-US"/>
           </a:p>
           <a:p>
             <a:pPr lvl="1"/>
@@ -5415,7 +5313,6 @@
               <a:rPr lang="zh-CN" altLang="en-US"/>
               <a:t>第二级</a:t>
             </a:r>
-            <a:endParaRPr lang="zh-CN" altLang="en-US"/>
           </a:p>
           <a:p>
             <a:pPr lvl="2"/>
@@ -5423,7 +5320,6 @@
               <a:rPr lang="zh-CN" altLang="en-US"/>
               <a:t>第三级</a:t>
             </a:r>
-            <a:endParaRPr lang="zh-CN" altLang="en-US"/>
           </a:p>
           <a:p>
             <a:pPr lvl="3"/>
@@ -5431,7 +5327,6 @@
               <a:rPr lang="zh-CN" altLang="en-US"/>
               <a:t>第四级</a:t>
             </a:r>
-            <a:endParaRPr lang="zh-CN" altLang="en-US"/>
           </a:p>
           <a:p>
             <a:pPr lvl="4"/>
@@ -5439,7 +5334,6 @@
               <a:rPr lang="zh-CN" altLang="en-US"/>
               <a:t>第五级</a:t>
             </a:r>
-            <a:endParaRPr lang="zh-CN" altLang="en-US"/>
           </a:p>
         </p:txBody>
       </p:sp>
@@ -5460,6 +5354,7 @@
           <a:p>
             <a:fld id="{530820CF-B880-4189-942D-D702A7CBA730}" type="datetimeFigureOut">
               <a:rPr lang="zh-CN" altLang="en-US" smtClean="0"/>
+              <a:t>2022/12/8</a:t>
             </a:fld>
             <a:endParaRPr lang="zh-CN" altLang="en-US"/>
           </a:p>
@@ -5501,6 +5396,7 @@
           <a:p>
             <a:fld id="{0C913308-F349-4B6D-A68A-DD1791B4A57B}" type="slidenum">
               <a:rPr lang="zh-CN" altLang="en-US" smtClean="0"/>
+              <a:t>‹#›</a:t>
             </a:fld>
             <a:endParaRPr lang="zh-CN" altLang="en-US"/>
           </a:p>
@@ -5559,7 +5455,6 @@
               <a:rPr lang="zh-CN" altLang="en-US"/>
               <a:t>单击此处编辑母版标题样式</a:t>
             </a:r>
-            <a:endParaRPr lang="zh-CN" altLang="en-US"/>
           </a:p>
         </p:txBody>
       </p:sp>
@@ -5679,7 +5574,6 @@
               <a:rPr lang="zh-CN" altLang="en-US"/>
               <a:t>单击此处编辑母版文本样式</a:t>
             </a:r>
-            <a:endParaRPr lang="zh-CN" altLang="en-US"/>
           </a:p>
         </p:txBody>
       </p:sp>
@@ -5700,6 +5594,7 @@
           <a:p>
             <a:fld id="{530820CF-B880-4189-942D-D702A7CBA730}" type="datetimeFigureOut">
               <a:rPr lang="zh-CN" altLang="en-US" smtClean="0"/>
+              <a:t>2022/12/8</a:t>
             </a:fld>
             <a:endParaRPr lang="zh-CN" altLang="en-US"/>
           </a:p>
@@ -5741,6 +5636,7 @@
           <a:p>
             <a:fld id="{0C913308-F349-4B6D-A68A-DD1791B4A57B}" type="slidenum">
               <a:rPr lang="zh-CN" altLang="en-US" smtClean="0"/>
+              <a:t>‹#›</a:t>
             </a:fld>
             <a:endParaRPr lang="zh-CN" altLang="en-US"/>
           </a:p>
@@ -5790,7 +5686,6 @@
               <a:rPr lang="zh-CN" altLang="en-US"/>
               <a:t>单击此处编辑母版标题样式</a:t>
             </a:r>
-            <a:endParaRPr lang="zh-CN" altLang="en-US"/>
           </a:p>
         </p:txBody>
       </p:sp>
@@ -5847,7 +5742,6 @@
               <a:rPr lang="zh-CN" altLang="en-US"/>
               <a:t>单击此处编辑母版文本样式</a:t>
             </a:r>
-            <a:endParaRPr lang="zh-CN" altLang="en-US"/>
           </a:p>
           <a:p>
             <a:pPr lvl="1"/>
@@ -5855,7 +5749,6 @@
               <a:rPr lang="zh-CN" altLang="en-US"/>
               <a:t>第二级</a:t>
             </a:r>
-            <a:endParaRPr lang="zh-CN" altLang="en-US"/>
           </a:p>
           <a:p>
             <a:pPr lvl="2"/>
@@ -5863,7 +5756,6 @@
               <a:rPr lang="zh-CN" altLang="en-US"/>
               <a:t>第三级</a:t>
             </a:r>
-            <a:endParaRPr lang="zh-CN" altLang="en-US"/>
           </a:p>
           <a:p>
             <a:pPr lvl="3"/>
@@ -5871,7 +5763,6 @@
               <a:rPr lang="zh-CN" altLang="en-US"/>
               <a:t>第四级</a:t>
             </a:r>
-            <a:endParaRPr lang="zh-CN" altLang="en-US"/>
           </a:p>
           <a:p>
             <a:pPr lvl="4"/>
@@ -5879,7 +5770,6 @@
               <a:rPr lang="zh-CN" altLang="en-US"/>
               <a:t>第五级</a:t>
             </a:r>
-            <a:endParaRPr lang="zh-CN" altLang="en-US"/>
           </a:p>
         </p:txBody>
       </p:sp>
@@ -5936,7 +5826,6 @@
               <a:rPr lang="zh-CN" altLang="en-US"/>
               <a:t>单击此处编辑母版文本样式</a:t>
             </a:r>
-            <a:endParaRPr lang="zh-CN" altLang="en-US"/>
           </a:p>
           <a:p>
             <a:pPr lvl="1"/>
@@ -5944,7 +5833,6 @@
               <a:rPr lang="zh-CN" altLang="en-US"/>
               <a:t>第二级</a:t>
             </a:r>
-            <a:endParaRPr lang="zh-CN" altLang="en-US"/>
           </a:p>
           <a:p>
             <a:pPr lvl="2"/>
@@ -5952,7 +5840,6 @@
               <a:rPr lang="zh-CN" altLang="en-US"/>
               <a:t>第三级</a:t>
             </a:r>
-            <a:endParaRPr lang="zh-CN" altLang="en-US"/>
           </a:p>
           <a:p>
             <a:pPr lvl="3"/>
@@ -5960,7 +5847,6 @@
               <a:rPr lang="zh-CN" altLang="en-US"/>
               <a:t>第四级</a:t>
             </a:r>
-            <a:endParaRPr lang="zh-CN" altLang="en-US"/>
           </a:p>
           <a:p>
             <a:pPr lvl="4"/>
@@ -5968,7 +5854,6 @@
               <a:rPr lang="zh-CN" altLang="en-US"/>
               <a:t>第五级</a:t>
             </a:r>
-            <a:endParaRPr lang="zh-CN" altLang="en-US"/>
           </a:p>
         </p:txBody>
       </p:sp>
@@ -5989,6 +5874,7 @@
           <a:p>
             <a:fld id="{530820CF-B880-4189-942D-D702A7CBA730}" type="datetimeFigureOut">
               <a:rPr lang="zh-CN" altLang="en-US" smtClean="0"/>
+              <a:t>2022/12/8</a:t>
             </a:fld>
             <a:endParaRPr lang="zh-CN" altLang="en-US"/>
           </a:p>
@@ -6030,6 +5916,7 @@
           <a:p>
             <a:fld id="{0C913308-F349-4B6D-A68A-DD1791B4A57B}" type="slidenum">
               <a:rPr lang="zh-CN" altLang="en-US" smtClean="0"/>
+              <a:t>‹#›</a:t>
             </a:fld>
             <a:endParaRPr lang="zh-CN" altLang="en-US"/>
           </a:p>
@@ -6083,7 +5970,6 @@
               <a:rPr lang="zh-CN" altLang="en-US"/>
               <a:t>单击此处编辑母版标题样式</a:t>
             </a:r>
-            <a:endParaRPr lang="zh-CN" altLang="en-US"/>
           </a:p>
         </p:txBody>
       </p:sp>
@@ -6149,7 +6035,6 @@
               <a:rPr lang="zh-CN" altLang="en-US"/>
               <a:t>单击此处编辑母版文本样式</a:t>
             </a:r>
-            <a:endParaRPr lang="zh-CN" altLang="en-US"/>
           </a:p>
         </p:txBody>
       </p:sp>
@@ -6206,7 +6091,6 @@
               <a:rPr lang="zh-CN" altLang="en-US"/>
               <a:t>单击此处编辑母版文本样式</a:t>
             </a:r>
-            <a:endParaRPr lang="zh-CN" altLang="en-US"/>
           </a:p>
           <a:p>
             <a:pPr lvl="1"/>
@@ -6214,7 +6098,6 @@
               <a:rPr lang="zh-CN" altLang="en-US"/>
               <a:t>第二级</a:t>
             </a:r>
-            <a:endParaRPr lang="zh-CN" altLang="en-US"/>
           </a:p>
           <a:p>
             <a:pPr lvl="2"/>
@@ -6222,7 +6105,6 @@
               <a:rPr lang="zh-CN" altLang="en-US"/>
               <a:t>第三级</a:t>
             </a:r>
-            <a:endParaRPr lang="zh-CN" altLang="en-US"/>
           </a:p>
           <a:p>
             <a:pPr lvl="3"/>
@@ -6230,7 +6112,6 @@
               <a:rPr lang="zh-CN" altLang="en-US"/>
               <a:t>第四级</a:t>
             </a:r>
-            <a:endParaRPr lang="zh-CN" altLang="en-US"/>
           </a:p>
           <a:p>
             <a:pPr lvl="4"/>
@@ -6238,7 +6119,6 @@
               <a:rPr lang="zh-CN" altLang="en-US"/>
               <a:t>第五级</a:t>
             </a:r>
-            <a:endParaRPr lang="zh-CN" altLang="en-US"/>
           </a:p>
         </p:txBody>
       </p:sp>
@@ -6304,7 +6184,6 @@
               <a:rPr lang="zh-CN" altLang="en-US"/>
               <a:t>单击此处编辑母版文本样式</a:t>
             </a:r>
-            <a:endParaRPr lang="zh-CN" altLang="en-US"/>
           </a:p>
         </p:txBody>
       </p:sp>
@@ -6361,7 +6240,6 @@
               <a:rPr lang="zh-CN" altLang="en-US"/>
               <a:t>单击此处编辑母版文本样式</a:t>
             </a:r>
-            <a:endParaRPr lang="zh-CN" altLang="en-US"/>
           </a:p>
           <a:p>
             <a:pPr lvl="1"/>
@@ -6369,7 +6247,6 @@
               <a:rPr lang="zh-CN" altLang="en-US"/>
               <a:t>第二级</a:t>
             </a:r>
-            <a:endParaRPr lang="zh-CN" altLang="en-US"/>
           </a:p>
           <a:p>
             <a:pPr lvl="2"/>
@@ -6377,7 +6254,6 @@
               <a:rPr lang="zh-CN" altLang="en-US"/>
               <a:t>第三级</a:t>
             </a:r>
-            <a:endParaRPr lang="zh-CN" altLang="en-US"/>
           </a:p>
           <a:p>
             <a:pPr lvl="3"/>
@@ -6385,7 +6261,6 @@
               <a:rPr lang="zh-CN" altLang="en-US"/>
               <a:t>第四级</a:t>
             </a:r>
-            <a:endParaRPr lang="zh-CN" altLang="en-US"/>
           </a:p>
           <a:p>
             <a:pPr lvl="4"/>
@@ -6393,7 +6268,6 @@
               <a:rPr lang="zh-CN" altLang="en-US"/>
               <a:t>第五级</a:t>
             </a:r>
-            <a:endParaRPr lang="zh-CN" altLang="en-US"/>
           </a:p>
         </p:txBody>
       </p:sp>
@@ -6414,6 +6288,7 @@
           <a:p>
             <a:fld id="{530820CF-B880-4189-942D-D702A7CBA730}" type="datetimeFigureOut">
               <a:rPr lang="zh-CN" altLang="en-US" smtClean="0"/>
+              <a:t>2022/12/8</a:t>
             </a:fld>
             <a:endParaRPr lang="zh-CN" altLang="en-US"/>
           </a:p>
@@ -6455,6 +6330,7 @@
           <a:p>
             <a:fld id="{0C913308-F349-4B6D-A68A-DD1791B4A57B}" type="slidenum">
               <a:rPr lang="zh-CN" altLang="en-US" smtClean="0"/>
+              <a:t>‹#›</a:t>
             </a:fld>
             <a:endParaRPr lang="zh-CN" altLang="en-US"/>
           </a:p>
@@ -6504,7 +6380,6 @@
               <a:rPr lang="zh-CN" altLang="en-US"/>
               <a:t>单击此处编辑母版标题样式</a:t>
             </a:r>
-            <a:endParaRPr lang="zh-CN" altLang="en-US"/>
           </a:p>
         </p:txBody>
       </p:sp>
@@ -6525,6 +6400,7 @@
           <a:p>
             <a:fld id="{530820CF-B880-4189-942D-D702A7CBA730}" type="datetimeFigureOut">
               <a:rPr lang="zh-CN" altLang="en-US" smtClean="0"/>
+              <a:t>2022/12/8</a:t>
             </a:fld>
             <a:endParaRPr lang="zh-CN" altLang="en-US"/>
           </a:p>
@@ -6566,6 +6442,7 @@
           <a:p>
             <a:fld id="{0C913308-F349-4B6D-A68A-DD1791B4A57B}" type="slidenum">
               <a:rPr lang="zh-CN" altLang="en-US" smtClean="0"/>
+              <a:t>‹#›</a:t>
             </a:fld>
             <a:endParaRPr lang="zh-CN" altLang="en-US"/>
           </a:p>
@@ -6613,6 +6490,7 @@
           <a:p>
             <a:fld id="{530820CF-B880-4189-942D-D702A7CBA730}" type="datetimeFigureOut">
               <a:rPr lang="zh-CN" altLang="en-US" smtClean="0"/>
+              <a:t>2022/12/8</a:t>
             </a:fld>
             <a:endParaRPr lang="zh-CN" altLang="en-US"/>
           </a:p>
@@ -6654,6 +6532,7 @@
           <a:p>
             <a:fld id="{0C913308-F349-4B6D-A68A-DD1791B4A57B}" type="slidenum">
               <a:rPr lang="zh-CN" altLang="en-US" smtClean="0"/>
+              <a:t>‹#›</a:t>
             </a:fld>
             <a:endParaRPr lang="zh-CN" altLang="en-US"/>
           </a:p>
@@ -6712,7 +6591,6 @@
               <a:rPr lang="zh-CN" altLang="en-US"/>
               <a:t>单击此处编辑母版标题样式</a:t>
             </a:r>
-            <a:endParaRPr lang="zh-CN" altLang="en-US"/>
           </a:p>
         </p:txBody>
       </p:sp>
@@ -6769,7 +6647,6 @@
               <a:rPr lang="zh-CN" altLang="en-US"/>
               <a:t>单击此处编辑母版文本样式</a:t>
             </a:r>
-            <a:endParaRPr lang="zh-CN" altLang="en-US"/>
           </a:p>
           <a:p>
             <a:pPr lvl="1"/>
@@ -6777,7 +6654,6 @@
               <a:rPr lang="zh-CN" altLang="en-US"/>
               <a:t>第二级</a:t>
             </a:r>
-            <a:endParaRPr lang="zh-CN" altLang="en-US"/>
           </a:p>
           <a:p>
             <a:pPr lvl="2"/>
@@ -6785,7 +6661,6 @@
               <a:rPr lang="zh-CN" altLang="en-US"/>
               <a:t>第三级</a:t>
             </a:r>
-            <a:endParaRPr lang="zh-CN" altLang="en-US"/>
           </a:p>
           <a:p>
             <a:pPr lvl="3"/>
@@ -6793,7 +6668,6 @@
               <a:rPr lang="zh-CN" altLang="en-US"/>
               <a:t>第四级</a:t>
             </a:r>
-            <a:endParaRPr lang="zh-CN" altLang="en-US"/>
           </a:p>
           <a:p>
             <a:pPr lvl="4"/>
@@ -6801,7 +6675,6 @@
               <a:rPr lang="zh-CN" altLang="en-US"/>
               <a:t>第五级</a:t>
             </a:r>
-            <a:endParaRPr lang="zh-CN" altLang="en-US"/>
           </a:p>
         </p:txBody>
       </p:sp>
@@ -6867,7 +6740,6 @@
               <a:rPr lang="zh-CN" altLang="en-US"/>
               <a:t>单击此处编辑母版文本样式</a:t>
             </a:r>
-            <a:endParaRPr lang="zh-CN" altLang="en-US"/>
           </a:p>
         </p:txBody>
       </p:sp>
@@ -6888,6 +6760,7 @@
           <a:p>
             <a:fld id="{530820CF-B880-4189-942D-D702A7CBA730}" type="datetimeFigureOut">
               <a:rPr lang="zh-CN" altLang="en-US" smtClean="0"/>
+              <a:t>2022/12/8</a:t>
             </a:fld>
             <a:endParaRPr lang="zh-CN" altLang="en-US"/>
           </a:p>
@@ -6929,6 +6802,7 @@
           <a:p>
             <a:fld id="{0C913308-F349-4B6D-A68A-DD1791B4A57B}" type="slidenum">
               <a:rPr lang="zh-CN" altLang="en-US" smtClean="0"/>
+              <a:t>‹#›</a:t>
             </a:fld>
             <a:endParaRPr lang="zh-CN" altLang="en-US"/>
           </a:p>
@@ -6987,7 +6861,6 @@
               <a:rPr lang="zh-CN" altLang="en-US"/>
               <a:t>单击此处编辑母版标题样式</a:t>
             </a:r>
-            <a:endParaRPr lang="zh-CN" altLang="en-US"/>
           </a:p>
         </p:txBody>
       </p:sp>
@@ -7114,7 +6987,6 @@
               <a:rPr lang="zh-CN" altLang="en-US"/>
               <a:t>单击此处编辑母版文本样式</a:t>
             </a:r>
-            <a:endParaRPr lang="zh-CN" altLang="en-US"/>
           </a:p>
         </p:txBody>
       </p:sp>
@@ -7135,6 +7007,7 @@
           <a:p>
             <a:fld id="{530820CF-B880-4189-942D-D702A7CBA730}" type="datetimeFigureOut">
               <a:rPr lang="zh-CN" altLang="en-US" smtClean="0"/>
+              <a:t>2022/12/8</a:t>
             </a:fld>
             <a:endParaRPr lang="zh-CN" altLang="en-US"/>
           </a:p>
@@ -7176,6 +7049,7 @@
           <a:p>
             <a:fld id="{0C913308-F349-4B6D-A68A-DD1791B4A57B}" type="slidenum">
               <a:rPr lang="zh-CN" altLang="en-US" smtClean="0"/>
+              <a:t>‹#›</a:t>
             </a:fld>
             <a:endParaRPr lang="zh-CN" altLang="en-US"/>
           </a:p>
@@ -7195,7 +7069,7 @@
     <p:bg>
       <p:bgPr>
         <a:blipFill dpi="0" rotWithShape="1">
-          <a:blip r:embed="rId12" cstate="print">
+          <a:blip r:embed="rId13" cstate="print">
             <a:lum/>
           </a:blip>
           <a:srcRect/>
@@ -7249,7 +7123,6 @@
               <a:rPr lang="zh-CN" altLang="en-US"/>
               <a:t>单击此处编辑母版标题样式</a:t>
             </a:r>
-            <a:endParaRPr lang="zh-CN" altLang="en-US"/>
           </a:p>
         </p:txBody>
       </p:sp>
@@ -7283,7 +7156,6 @@
               <a:rPr lang="zh-CN" altLang="en-US"/>
               <a:t>单击此处编辑母版文本样式</a:t>
             </a:r>
-            <a:endParaRPr lang="zh-CN" altLang="en-US"/>
           </a:p>
           <a:p>
             <a:pPr lvl="1"/>
@@ -7291,7 +7163,6 @@
               <a:rPr lang="zh-CN" altLang="en-US"/>
               <a:t>第二级</a:t>
             </a:r>
-            <a:endParaRPr lang="zh-CN" altLang="en-US"/>
           </a:p>
           <a:p>
             <a:pPr lvl="2"/>
@@ -7299,7 +7170,6 @@
               <a:rPr lang="zh-CN" altLang="en-US"/>
               <a:t>第三级</a:t>
             </a:r>
-            <a:endParaRPr lang="zh-CN" altLang="en-US"/>
           </a:p>
           <a:p>
             <a:pPr lvl="3"/>
@@ -7307,7 +7177,6 @@
               <a:rPr lang="zh-CN" altLang="en-US"/>
               <a:t>第四级</a:t>
             </a:r>
-            <a:endParaRPr lang="zh-CN" altLang="en-US"/>
           </a:p>
           <a:p>
             <a:pPr lvl="4"/>
@@ -7315,7 +7184,6 @@
               <a:rPr lang="zh-CN" altLang="en-US"/>
               <a:t>第五级</a:t>
             </a:r>
-            <a:endParaRPr lang="zh-CN" altLang="en-US"/>
           </a:p>
         </p:txBody>
       </p:sp>
@@ -7354,6 +7222,7 @@
           <a:p>
             <a:fld id="{530820CF-B880-4189-942D-D702A7CBA730}" type="datetimeFigureOut">
               <a:rPr lang="zh-CN" altLang="en-US" smtClean="0"/>
+              <a:t>2022/12/8</a:t>
             </a:fld>
             <a:endParaRPr lang="zh-CN" altLang="en-US"/>
           </a:p>
@@ -7431,6 +7300,7 @@
           <a:p>
             <a:fld id="{0C913308-F349-4B6D-A68A-DD1791B4A57B}" type="slidenum">
               <a:rPr lang="zh-CN" altLang="en-US" smtClean="0"/>
+              <a:t>‹#›</a:t>
             </a:fld>
             <a:endParaRPr lang="zh-CN" altLang="en-US"/>
           </a:p>
@@ -7919,21 +7789,6 @@
               </a:rPr>
               <a:t>(P2)</a:t>
             </a:r>
-            <a:endParaRPr lang="en-US" altLang="zh-CN" sz="1000" b="1" dirty="0">
-              <a:solidFill>
-                <a:schemeClr val="tx1">
-                  <a:lumMod val="75000"/>
-                  <a:lumOff val="25000"/>
-                </a:schemeClr>
-              </a:solidFill>
-              <a:effectLst>
-                <a:outerShdw blurRad="38100" dist="38100" dir="2700000" algn="tl">
-                  <a:srgbClr val="C0C0C0"/>
-                </a:outerShdw>
-              </a:effectLst>
-              <a:latin typeface="微软雅黑" panose="020B0503020204020204" pitchFamily="34" charset="-122"/>
-              <a:ea typeface="微软雅黑" panose="020B0503020204020204" pitchFamily="34" charset="-122"/>
-            </a:endParaRPr>
           </a:p>
           <a:p>
             <a:pPr algn="l">
@@ -8046,16 +7901,6 @@
                 </a:rPr>
                 <a:t>工作内容</a:t>
               </a:r>
-              <a:endParaRPr lang="zh-CN" altLang="en-US" sz="2800" b="1" dirty="0">
-                <a:solidFill>
-                  <a:schemeClr val="tx1">
-                    <a:lumMod val="75000"/>
-                    <a:lumOff val="25000"/>
-                  </a:schemeClr>
-                </a:solidFill>
-                <a:latin typeface="微软雅黑" panose="020B0503020204020204" pitchFamily="34" charset="-122"/>
-                <a:ea typeface="微软雅黑" panose="020B0503020204020204" pitchFamily="34" charset="-122"/>
-              </a:endParaRPr>
             </a:p>
           </p:txBody>
         </p:sp>
@@ -8283,13 +8128,6 @@
               </a:rPr>
               <a:t>埋点工具</a:t>
             </a:r>
-            <a:endParaRPr lang="zh-CN" altLang="en-US" sz="1400" dirty="0">
-              <a:solidFill>
-                <a:srgbClr val="007CC8"/>
-              </a:solidFill>
-              <a:latin typeface="黑体" panose="02010609060101010101" pitchFamily="49" charset="-122"/>
-              <a:ea typeface="黑体" panose="02010609060101010101" pitchFamily="49" charset="-122"/>
-            </a:endParaRPr>
           </a:p>
         </p:txBody>
       </p:sp>
@@ -8530,7 +8368,33 @@
                 <a:latin typeface="方正悠黑简体" panose="00000500000000000000" pitchFamily="2" charset="-122"/>
                 <a:ea typeface="方正悠黑简体" panose="00000500000000000000" pitchFamily="2" charset="-122"/>
               </a:rPr>
-              <a:t>、谷歌旧版分析工具将要停用，新版的分析工具查看数据不直观。</a:t>
+              <a:t>、谷歌旧版分析工具 </a:t>
+            </a:r>
+            <a:r>
+              <a:rPr lang="en-US" altLang="zh-CN" sz="1200" dirty="0">
+                <a:solidFill>
+                  <a:schemeClr val="tx1">
+                    <a:lumMod val="75000"/>
+                    <a:lumOff val="25000"/>
+                  </a:schemeClr>
+                </a:solidFill>
+                <a:latin typeface="方正悠黑简体" panose="00000500000000000000" pitchFamily="2" charset="-122"/>
+                <a:ea typeface="方正悠黑简体" panose="00000500000000000000" pitchFamily="2" charset="-122"/>
+              </a:rPr>
+              <a:t>(ga) </a:t>
+            </a:r>
+            <a:r>
+              <a:rPr lang="zh-CN" altLang="en-US" sz="1200" dirty="0">
+                <a:solidFill>
+                  <a:schemeClr val="tx1">
+                    <a:lumMod val="75000"/>
+                    <a:lumOff val="25000"/>
+                  </a:schemeClr>
+                </a:solidFill>
+                <a:latin typeface="方正悠黑简体" panose="00000500000000000000" pitchFamily="2" charset="-122"/>
+                <a:ea typeface="方正悠黑简体" panose="00000500000000000000" pitchFamily="2" charset="-122"/>
+              </a:rPr>
+              <a:t>将要停用，新版的分析工具查看数据不直观。</a:t>
             </a:r>
             <a:endParaRPr lang="en-US" altLang="zh-CN" sz="1200" dirty="0">
               <a:solidFill>
@@ -8578,31 +8442,8 @@
                 <a:latin typeface="方正悠黑简体" panose="00000500000000000000" pitchFamily="2" charset="-122"/>
                 <a:ea typeface="方正悠黑简体" panose="00000500000000000000" pitchFamily="2" charset="-122"/>
               </a:rPr>
-              <a:t>、时效性：数据后台的数据延迟低，基本无延迟，能及时了解到广告投放相关数据，尽快清楚广告效果进行调整，有效提升转化率，利于投放广告的优化，降低</a:t>
-            </a:r>
-            <a:r>
-              <a:rPr lang="zh-CN" altLang="en-US" sz="1200" dirty="0">
-                <a:solidFill>
-                  <a:schemeClr val="tx1">
-                    <a:lumMod val="75000"/>
-                    <a:lumOff val="25000"/>
-                  </a:schemeClr>
-                </a:solidFill>
-                <a:latin typeface="方正悠黑简体" panose="00000500000000000000" pitchFamily="2" charset="-122"/>
-                <a:ea typeface="方正悠黑简体" panose="00000500000000000000" pitchFamily="2" charset="-122"/>
-              </a:rPr>
-              <a:t>广告成本。</a:t>
-            </a:r>
-            <a:endParaRPr lang="zh-CN" altLang="en-US" sz="1200" dirty="0">
-              <a:solidFill>
-                <a:schemeClr val="tx1">
-                  <a:lumMod val="75000"/>
-                  <a:lumOff val="25000"/>
-                </a:schemeClr>
-              </a:solidFill>
-              <a:latin typeface="方正悠黑简体" panose="00000500000000000000" pitchFamily="2" charset="-122"/>
-              <a:ea typeface="方正悠黑简体" panose="00000500000000000000" pitchFamily="2" charset="-122"/>
-            </a:endParaRPr>
+              <a:t>、时效性：数据后台的数据延迟低，基本无延迟，能及时了解到广告投放相关数据，尽快清楚广告效果进行调整，有效提升转化率，利于投放广告的优化，降低广告成本。</a:t>
+            </a:r>
           </a:p>
         </p:txBody>
       </p:sp>
@@ -8795,13 +8636,6 @@
                 </a:rPr>
                 <a:t>目的</a:t>
               </a:r>
-              <a:endParaRPr lang="zh-CN" altLang="en-US" sz="1600" dirty="0">
-                <a:solidFill>
-                  <a:schemeClr val="bg1"/>
-                </a:solidFill>
-                <a:latin typeface="方正悠黑简体" panose="00000500000000000000" pitchFamily="2" charset="-122"/>
-                <a:ea typeface="方正悠黑简体" panose="00000500000000000000" pitchFamily="2" charset="-122"/>
-              </a:endParaRPr>
             </a:p>
           </p:txBody>
         </p:sp>
@@ -8992,10 +8826,10 @@
                 <a:latin typeface="方正悠黑简体" panose="00000500000000000000" pitchFamily="2" charset="-122"/>
                 <a:ea typeface="方正悠黑简体" panose="00000500000000000000" pitchFamily="2" charset="-122"/>
               </a:rPr>
-              <a:t>开发我们</a:t>
-            </a:r>
-            <a:r>
-              <a:rPr lang="zh-CN" altLang="en-US" sz="1200" dirty="0">
+              <a:t>开发我们自己的埋点工具，将前端埋点数据同时上报谷歌和</a:t>
+            </a:r>
+            <a:r>
+              <a:rPr lang="en-US" altLang="zh-CN" sz="1200" dirty="0" err="1">
                 <a:solidFill>
                   <a:schemeClr val="tx1">
                     <a:lumMod val="75000"/>
@@ -9005,10 +8839,10 @@
                 <a:latin typeface="方正悠黑简体" panose="00000500000000000000" pitchFamily="2" charset="-122"/>
                 <a:ea typeface="方正悠黑简体" panose="00000500000000000000" pitchFamily="2" charset="-122"/>
               </a:rPr>
-              <a:t>自己的埋点工具，将前端埋点数据同时上报谷歌和</a:t>
-            </a:r>
-            <a:r>
-              <a:rPr lang="en-US" altLang="zh-CN" sz="1200" dirty="0" err="1">
+              <a:t>efun</a:t>
+            </a:r>
+            <a:r>
+              <a:rPr lang="zh-CN" altLang="en-US" sz="1200" dirty="0">
                 <a:solidFill>
                   <a:schemeClr val="tx1">
                     <a:lumMod val="75000"/>
@@ -9018,31 +8852,8 @@
                 <a:latin typeface="方正悠黑简体" panose="00000500000000000000" pitchFamily="2" charset="-122"/>
                 <a:ea typeface="方正悠黑简体" panose="00000500000000000000" pitchFamily="2" charset="-122"/>
               </a:rPr>
-              <a:t>efun</a:t>
-            </a:r>
-            <a:r>
-              <a:rPr lang="zh-CN" altLang="en-US" sz="1200" dirty="0">
-                <a:solidFill>
-                  <a:schemeClr val="tx1">
-                    <a:lumMod val="75000"/>
-                    <a:lumOff val="25000"/>
-                  </a:schemeClr>
-                </a:solidFill>
-                <a:latin typeface="方正悠黑简体" panose="00000500000000000000" pitchFamily="2" charset="-122"/>
-                <a:ea typeface="方正悠黑简体" panose="00000500000000000000" pitchFamily="2" charset="-122"/>
-              </a:rPr>
               <a:t>数据后台。</a:t>
             </a:r>
-            <a:endParaRPr lang="zh-CN" altLang="en-US" sz="1200" dirty="0">
-              <a:solidFill>
-                <a:schemeClr val="tx1">
-                  <a:lumMod val="75000"/>
-                  <a:lumOff val="25000"/>
-                </a:schemeClr>
-              </a:solidFill>
-              <a:latin typeface="方正悠黑简体" panose="00000500000000000000" pitchFamily="2" charset="-122"/>
-              <a:ea typeface="方正悠黑简体" panose="00000500000000000000" pitchFamily="2" charset="-122"/>
-            </a:endParaRPr>
           </a:p>
         </p:txBody>
       </p:sp>
@@ -9235,13 +9046,6 @@
                 </a:rPr>
                 <a:t>需求</a:t>
               </a:r>
-              <a:endParaRPr lang="zh-CN" altLang="en-US" sz="1600" dirty="0">
-                <a:solidFill>
-                  <a:schemeClr val="bg1"/>
-                </a:solidFill>
-                <a:latin typeface="方正悠黑简体" panose="00000500000000000000" pitchFamily="2" charset="-122"/>
-                <a:ea typeface="方正悠黑简体" panose="00000500000000000000" pitchFamily="2" charset="-122"/>
-              </a:endParaRPr>
             </a:p>
           </p:txBody>
         </p:sp>
@@ -9255,7 +9059,7 @@
           <p:nvPr/>
         </p:nvPicPr>
         <p:blipFill>
-          <a:blip r:embed="rId1"/>
+          <a:blip r:embed="rId3"/>
           <a:stretch>
             <a:fillRect/>
           </a:stretch>
@@ -9279,7 +9083,7 @@
           <p:nvPr/>
         </p:nvPicPr>
         <p:blipFill>
-          <a:blip r:embed="rId2"/>
+          <a:blip r:embed="rId4"/>
           <a:stretch>
             <a:fillRect/>
           </a:stretch>
@@ -9299,304 +9103,6 @@
   <p:clrMapOvr>
     <a:masterClrMapping/>
   </p:clrMapOvr>
-  <p:timing>
-    <p:tnLst>
-      <p:par>
-        <p:cTn id="1" dur="indefinite" restart="never" nodeType="tmRoot">
-          <p:childTnLst>
-            <p:seq concurrent="1" nextAc="seek">
-              <p:cTn id="2" dur="indefinite" nodeType="mainSeq">
-                <p:childTnLst>
-                  <p:par>
-                    <p:cTn id="3" fill="hold">
-                      <p:stCondLst>
-                        <p:cond delay="indefinite"/>
-                        <p:cond evt="onBegin" delay="0">
-                          <p:tn val="2"/>
-                        </p:cond>
-                      </p:stCondLst>
-                      <p:childTnLst>
-                        <p:par>
-                          <p:cTn id="4" fill="hold">
-                            <p:stCondLst>
-                              <p:cond delay="0"/>
-                            </p:stCondLst>
-                            <p:childTnLst>
-                              <p:par>
-                                <p:cTn id="5" presetID="2" presetClass="entr" presetSubtype="8" fill="hold" nodeType="afterEffect">
-                                  <p:stCondLst>
-                                    <p:cond delay="0"/>
-                                  </p:stCondLst>
-                                  <p:childTnLst>
-                                    <p:set>
-                                      <p:cBhvr>
-                                        <p:cTn id="6" dur="1" fill="hold">
-                                          <p:stCondLst>
-                                            <p:cond delay="0"/>
-                                          </p:stCondLst>
-                                        </p:cTn>
-                                        <p:tgtEl>
-                                          <p:spTgt spid="16"/>
-                                        </p:tgtEl>
-                                        <p:attrNameLst>
-                                          <p:attrName>style.visibility</p:attrName>
-                                        </p:attrNameLst>
-                                      </p:cBhvr>
-                                      <p:to>
-                                        <p:strVal val="visible"/>
-                                      </p:to>
-                                    </p:set>
-                                    <p:anim calcmode="lin" valueType="num">
-                                      <p:cBhvr additive="base">
-                                        <p:cTn id="7" dur="500" fill="hold"/>
-                                        <p:tgtEl>
-                                          <p:spTgt spid="16"/>
-                                        </p:tgtEl>
-                                        <p:attrNameLst>
-                                          <p:attrName>ppt_x</p:attrName>
-                                        </p:attrNameLst>
-                                      </p:cBhvr>
-                                      <p:tavLst>
-                                        <p:tav tm="0">
-                                          <p:val>
-                                            <p:strVal val="0-#ppt_w/2"/>
-                                          </p:val>
-                                        </p:tav>
-                                        <p:tav tm="100000">
-                                          <p:val>
-                                            <p:strVal val="#ppt_x"/>
-                                          </p:val>
-                                        </p:tav>
-                                      </p:tavLst>
-                                    </p:anim>
-                                    <p:anim calcmode="lin" valueType="num">
-                                      <p:cBhvr additive="base">
-                                        <p:cTn id="8" dur="500" fill="hold"/>
-                                        <p:tgtEl>
-                                          <p:spTgt spid="16"/>
-                                        </p:tgtEl>
-                                        <p:attrNameLst>
-                                          <p:attrName>ppt_y</p:attrName>
-                                        </p:attrNameLst>
-                                      </p:cBhvr>
-                                      <p:tavLst>
-                                        <p:tav tm="0">
-                                          <p:val>
-                                            <p:strVal val="#ppt_y"/>
-                                          </p:val>
-                                        </p:tav>
-                                        <p:tav tm="100000">
-                                          <p:val>
-                                            <p:strVal val="#ppt_y"/>
-                                          </p:val>
-                                        </p:tav>
-                                      </p:tavLst>
-                                    </p:anim>
-                                  </p:childTnLst>
-                                </p:cTn>
-                              </p:par>
-                            </p:childTnLst>
-                          </p:cTn>
-                        </p:par>
-                        <p:par>
-                          <p:cTn id="9" fill="hold">
-                            <p:stCondLst>
-                              <p:cond delay="500"/>
-                            </p:stCondLst>
-                            <p:childTnLst>
-                              <p:par>
-                                <p:cTn id="10" presetID="22" presetClass="entr" presetSubtype="8" fill="hold" grpId="0" nodeType="afterEffect">
-                                  <p:stCondLst>
-                                    <p:cond delay="0"/>
-                                  </p:stCondLst>
-                                  <p:childTnLst>
-                                    <p:set>
-                                      <p:cBhvr>
-                                        <p:cTn id="11" dur="1" fill="hold">
-                                          <p:stCondLst>
-                                            <p:cond delay="0"/>
-                                          </p:stCondLst>
-                                        </p:cTn>
-                                        <p:tgtEl>
-                                          <p:spTgt spid="14"/>
-                                        </p:tgtEl>
-                                        <p:attrNameLst>
-                                          <p:attrName>style.visibility</p:attrName>
-                                        </p:attrNameLst>
-                                      </p:cBhvr>
-                                      <p:to>
-                                        <p:strVal val="visible"/>
-                                      </p:to>
-                                    </p:set>
-                                    <p:animEffect transition="in" filter="wipe(left)">
-                                      <p:cBhvr>
-                                        <p:cTn id="12" dur="1000"/>
-                                        <p:tgtEl>
-                                          <p:spTgt spid="14"/>
-                                        </p:tgtEl>
-                                      </p:cBhvr>
-                                    </p:animEffect>
-                                  </p:childTnLst>
-                                </p:cTn>
-                              </p:par>
-                            </p:childTnLst>
-                          </p:cTn>
-                        </p:par>
-                        <p:par>
-                          <p:cTn id="13" fill="hold">
-                            <p:stCondLst>
-                              <p:cond delay="1500"/>
-                            </p:stCondLst>
-                            <p:childTnLst>
-                              <p:par>
-                                <p:cTn id="14" presetID="2" presetClass="entr" presetSubtype="8" fill="hold" nodeType="afterEffect">
-                                  <p:stCondLst>
-                                    <p:cond delay="0"/>
-                                  </p:stCondLst>
-                                  <p:childTnLst>
-                                    <p:set>
-                                      <p:cBhvr>
-                                        <p:cTn id="15" dur="1" fill="hold">
-                                          <p:stCondLst>
-                                            <p:cond delay="0"/>
-                                          </p:stCondLst>
-                                        </p:cTn>
-                                        <p:tgtEl>
-                                          <p:spTgt spid="28"/>
-                                        </p:tgtEl>
-                                        <p:attrNameLst>
-                                          <p:attrName>style.visibility</p:attrName>
-                                        </p:attrNameLst>
-                                      </p:cBhvr>
-                                      <p:to>
-                                        <p:strVal val="visible"/>
-                                      </p:to>
-                                    </p:set>
-                                    <p:anim calcmode="lin" valueType="num">
-                                      <p:cBhvr additive="base">
-                                        <p:cTn id="16" dur="500" fill="hold"/>
-                                        <p:tgtEl>
-                                          <p:spTgt spid="28"/>
-                                        </p:tgtEl>
-                                        <p:attrNameLst>
-                                          <p:attrName>ppt_x</p:attrName>
-                                        </p:attrNameLst>
-                                      </p:cBhvr>
-                                      <p:tavLst>
-                                        <p:tav tm="0">
-                                          <p:val>
-                                            <p:strVal val="0-#ppt_w/2"/>
-                                          </p:val>
-                                        </p:tav>
-                                        <p:tav tm="100000">
-                                          <p:val>
-                                            <p:strVal val="#ppt_x"/>
-                                          </p:val>
-                                        </p:tav>
-                                      </p:tavLst>
-                                    </p:anim>
-                                    <p:anim calcmode="lin" valueType="num">
-                                      <p:cBhvr additive="base">
-                                        <p:cTn id="17" dur="500" fill="hold"/>
-                                        <p:tgtEl>
-                                          <p:spTgt spid="28"/>
-                                        </p:tgtEl>
-                                        <p:attrNameLst>
-                                          <p:attrName>ppt_y</p:attrName>
-                                        </p:attrNameLst>
-                                      </p:cBhvr>
-                                      <p:tavLst>
-                                        <p:tav tm="0">
-                                          <p:val>
-                                            <p:strVal val="#ppt_y"/>
-                                          </p:val>
-                                        </p:tav>
-                                        <p:tav tm="100000">
-                                          <p:val>
-                                            <p:strVal val="#ppt_y"/>
-                                          </p:val>
-                                        </p:tav>
-                                      </p:tavLst>
-                                    </p:anim>
-                                  </p:childTnLst>
-                                </p:cTn>
-                              </p:par>
-                            </p:childTnLst>
-                          </p:cTn>
-                        </p:par>
-                        <p:par>
-                          <p:cTn id="18" fill="hold">
-                            <p:stCondLst>
-                              <p:cond delay="2000"/>
-                            </p:stCondLst>
-                            <p:childTnLst>
-                              <p:par>
-                                <p:cTn id="19" presetID="22" presetClass="entr" presetSubtype="8" fill="hold" grpId="0" nodeType="afterEffect">
-                                  <p:stCondLst>
-                                    <p:cond delay="0"/>
-                                  </p:stCondLst>
-                                  <p:childTnLst>
-                                    <p:set>
-                                      <p:cBhvr>
-                                        <p:cTn id="20" dur="1" fill="hold">
-                                          <p:stCondLst>
-                                            <p:cond delay="0"/>
-                                          </p:stCondLst>
-                                        </p:cTn>
-                                        <p:tgtEl>
-                                          <p:spTgt spid="27"/>
-                                        </p:tgtEl>
-                                        <p:attrNameLst>
-                                          <p:attrName>style.visibility</p:attrName>
-                                        </p:attrNameLst>
-                                      </p:cBhvr>
-                                      <p:to>
-                                        <p:strVal val="visible"/>
-                                      </p:to>
-                                    </p:set>
-                                    <p:animEffect transition="in" filter="wipe(left)">
-                                      <p:cBhvr>
-                                        <p:cTn id="21" dur="1000"/>
-                                        <p:tgtEl>
-                                          <p:spTgt spid="27"/>
-                                        </p:tgtEl>
-                                      </p:cBhvr>
-                                    </p:animEffect>
-                                  </p:childTnLst>
-                                </p:cTn>
-                              </p:par>
-                            </p:childTnLst>
-                          </p:cTn>
-                        </p:par>
-                      </p:childTnLst>
-                    </p:cTn>
-                  </p:par>
-                </p:childTnLst>
-              </p:cTn>
-              <p:prevCondLst>
-                <p:cond evt="onPrev" delay="0">
-                  <p:tgtEl>
-                    <p:sldTgt/>
-                  </p:tgtEl>
-                </p:cond>
-              </p:prevCondLst>
-              <p:nextCondLst>
-                <p:cond evt="onNext" delay="0">
-                  <p:tgtEl>
-                    <p:sldTgt/>
-                  </p:tgtEl>
-                </p:cond>
-              </p:nextCondLst>
-            </p:seq>
-          </p:childTnLst>
-        </p:cTn>
-      </p:par>
-    </p:tnLst>
-    <p:bldLst>
-      <p:bldP spid="14" grpId="0"/>
-      <p:bldP spid="27" grpId="0"/>
-    </p:bldLst>
-  </p:timing>
 </p:sld>
 </file>
 
@@ -9666,16 +9172,6 @@
                 </a:rPr>
                 <a:t>工作内容</a:t>
               </a:r>
-              <a:endParaRPr lang="zh-CN" altLang="en-US" sz="2800" b="1" dirty="0">
-                <a:solidFill>
-                  <a:schemeClr val="tx1">
-                    <a:lumMod val="75000"/>
-                    <a:lumOff val="25000"/>
-                  </a:schemeClr>
-                </a:solidFill>
-                <a:latin typeface="微软雅黑" panose="020B0503020204020204" pitchFamily="34" charset="-122"/>
-                <a:ea typeface="微软雅黑" panose="020B0503020204020204" pitchFamily="34" charset="-122"/>
-              </a:endParaRPr>
             </a:p>
           </p:txBody>
         </p:sp>
@@ -9903,13 +9399,6 @@
               </a:rPr>
               <a:t>埋点工具</a:t>
             </a:r>
-            <a:endParaRPr lang="zh-CN" altLang="en-US" sz="1400" dirty="0">
-              <a:solidFill>
-                <a:srgbClr val="007CC8"/>
-              </a:solidFill>
-              <a:latin typeface="黑体" panose="02010609060101010101" pitchFamily="49" charset="-122"/>
-              <a:ea typeface="黑体" panose="02010609060101010101" pitchFamily="49" charset="-122"/>
-            </a:endParaRPr>
           </a:p>
         </p:txBody>
       </p:sp>
@@ -10125,14 +9614,6 @@
               </a:rPr>
               <a:t>实现双端数据上报</a:t>
             </a:r>
-            <a:endParaRPr lang="zh-CN" altLang="en-US" dirty="0">
-              <a:solidFill>
-                <a:schemeClr val="tx1">
-                  <a:lumMod val="85000"/>
-                  <a:lumOff val="15000"/>
-                </a:schemeClr>
-              </a:solidFill>
-            </a:endParaRPr>
           </a:p>
         </p:txBody>
       </p:sp>
@@ -10167,7 +9648,7 @@
               <a:rPr lang="zh-CN" altLang="en-US" sz="1400" b="1" dirty="0">
                 <a:sym typeface="+mn-ea"/>
               </a:rPr>
-              <a:t>与登攀大佬沟通，明确接口及所传参数</a:t>
+              <a:t>与数据组沟通，明确接口及所传参数</a:t>
             </a:r>
             <a:endParaRPr lang="en-US" altLang="zh-CN" sz="1400" b="1" dirty="0">
               <a:sym typeface="+mn-ea"/>
@@ -10175,30 +9656,6 @@
           </a:p>
         </p:txBody>
       </p:sp>
-      <p:pic>
-        <p:nvPicPr>
-          <p:cNvPr id="25" name="图片 24"/>
-          <p:cNvPicPr>
-            <a:picLocks noChangeAspect="1"/>
-          </p:cNvPicPr>
-          <p:nvPr/>
-        </p:nvPicPr>
-        <p:blipFill>
-          <a:blip r:embed="rId1"/>
-          <a:stretch>
-            <a:fillRect/>
-          </a:stretch>
-        </p:blipFill>
-        <p:spPr>
-          <a:xfrm>
-            <a:off x="387174" y="1851670"/>
-            <a:ext cx="4019376" cy="1983521"/>
-          </a:xfrm>
-          <a:prstGeom prst="rect">
-            <a:avLst/>
-          </a:prstGeom>
-        </p:spPr>
-      </p:pic>
       <p:cxnSp>
         <p:nvCxnSpPr>
           <p:cNvPr id="31" name="直接连接符 30"/>
@@ -10284,8 +9741,38 @@
         </p:blipFill>
         <p:spPr>
           <a:xfrm>
-            <a:off x="4881467" y="1804757"/>
+            <a:off x="4966196" y="1905866"/>
             <a:ext cx="3693207" cy="2351169"/>
+          </a:xfrm>
+          <a:prstGeom prst="rect">
+            <a:avLst/>
+          </a:prstGeom>
+        </p:spPr>
+      </p:pic>
+      <p:pic>
+        <p:nvPicPr>
+          <p:cNvPr id="13" name="图片 12">
+            <a:extLst>
+              <a:ext uri="{FF2B5EF4-FFF2-40B4-BE49-F238E27FC236}">
+                <a16:creationId xmlns:a16="http://schemas.microsoft.com/office/drawing/2014/main" id="{11F4898B-444D-C965-9E12-AC9086033BB0}"/>
+              </a:ext>
+            </a:extLst>
+          </p:cNvPr>
+          <p:cNvPicPr>
+            <a:picLocks noChangeAspect="1"/>
+          </p:cNvPicPr>
+          <p:nvPr/>
+        </p:nvPicPr>
+        <p:blipFill>
+          <a:blip r:embed="rId3"/>
+          <a:stretch>
+            <a:fillRect/>
+          </a:stretch>
+        </p:blipFill>
+        <p:spPr>
+          <a:xfrm>
+            <a:off x="387174" y="1831581"/>
+            <a:ext cx="4043870" cy="2499741"/>
           </a:xfrm>
           <a:prstGeom prst="rect">
             <a:avLst/>
@@ -10366,16 +9853,6 @@
                 </a:rPr>
                 <a:t>工作内容</a:t>
               </a:r>
-              <a:endParaRPr lang="zh-CN" altLang="en-US" sz="2800" b="1" dirty="0">
-                <a:solidFill>
-                  <a:schemeClr val="tx1">
-                    <a:lumMod val="75000"/>
-                    <a:lumOff val="25000"/>
-                  </a:schemeClr>
-                </a:solidFill>
-                <a:latin typeface="微软雅黑" panose="020B0503020204020204" pitchFamily="34" charset="-122"/>
-                <a:ea typeface="微软雅黑" panose="020B0503020204020204" pitchFamily="34" charset="-122"/>
-              </a:endParaRPr>
             </a:p>
           </p:txBody>
         </p:sp>
@@ -10603,13 +10080,6 @@
               </a:rPr>
               <a:t>埋点工具</a:t>
             </a:r>
-            <a:endParaRPr lang="zh-CN" altLang="en-US" sz="1400" dirty="0">
-              <a:solidFill>
-                <a:srgbClr val="007CC8"/>
-              </a:solidFill>
-              <a:latin typeface="黑体" panose="02010609060101010101" pitchFamily="49" charset="-122"/>
-              <a:ea typeface="黑体" panose="02010609060101010101" pitchFamily="49" charset="-122"/>
-            </a:endParaRPr>
           </a:p>
         </p:txBody>
       </p:sp>
@@ -10825,14 +10295,6 @@
               </a:rPr>
               <a:t>与市场运营同事开会，明确所需指标</a:t>
             </a:r>
-            <a:endParaRPr lang="zh-CN" altLang="en-US" dirty="0">
-              <a:solidFill>
-                <a:schemeClr val="tx1">
-                  <a:lumMod val="85000"/>
-                  <a:lumOff val="15000"/>
-                </a:schemeClr>
-              </a:solidFill>
-            </a:endParaRPr>
           </a:p>
         </p:txBody>
       </p:sp>
@@ -10884,7 +10346,7 @@
           <p:nvPr/>
         </p:nvPicPr>
         <p:blipFill>
-          <a:blip r:embed="rId1"/>
+          <a:blip r:embed="rId2"/>
           <a:stretch>
             <a:fillRect/>
           </a:stretch>
@@ -10977,7 +10439,7 @@
           <p:nvPr/>
         </p:nvPicPr>
         <p:blipFill>
-          <a:blip r:embed="rId2"/>
+          <a:blip r:embed="rId3"/>
           <a:stretch>
             <a:fillRect/>
           </a:stretch>
@@ -11066,16 +10528,6 @@
                 </a:rPr>
                 <a:t>工作内容</a:t>
               </a:r>
-              <a:endParaRPr lang="zh-CN" altLang="en-US" sz="2800" b="1" dirty="0">
-                <a:solidFill>
-                  <a:schemeClr val="tx1">
-                    <a:lumMod val="75000"/>
-                    <a:lumOff val="25000"/>
-                  </a:schemeClr>
-                </a:solidFill>
-                <a:latin typeface="微软雅黑" panose="020B0503020204020204" pitchFamily="34" charset="-122"/>
-                <a:ea typeface="微软雅黑" panose="020B0503020204020204" pitchFamily="34" charset="-122"/>
-              </a:endParaRPr>
             </a:p>
           </p:txBody>
         </p:sp>
@@ -11303,13 +10755,6 @@
               </a:rPr>
               <a:t>埋点工具</a:t>
             </a:r>
-            <a:endParaRPr lang="zh-CN" altLang="en-US" sz="1400" dirty="0">
-              <a:solidFill>
-                <a:srgbClr val="007CC8"/>
-              </a:solidFill>
-              <a:latin typeface="黑体" panose="02010609060101010101" pitchFamily="49" charset="-122"/>
-              <a:ea typeface="黑体" panose="02010609060101010101" pitchFamily="49" charset="-122"/>
-            </a:endParaRPr>
           </a:p>
         </p:txBody>
       </p:sp>
@@ -11525,14 +10970,6 @@
               </a:rPr>
               <a:t>实现数据指标上报</a:t>
             </a:r>
-            <a:endParaRPr lang="zh-CN" altLang="en-US" dirty="0">
-              <a:solidFill>
-                <a:schemeClr val="tx1">
-                  <a:lumMod val="85000"/>
-                  <a:lumOff val="15000"/>
-                </a:schemeClr>
-              </a:solidFill>
-            </a:endParaRPr>
           </a:p>
         </p:txBody>
       </p:sp>
@@ -12551,16 +11988,6 @@
                 </a:rPr>
                 <a:t>时间相关</a:t>
               </a:r>
-              <a:endParaRPr lang="zh-CN" altLang="en-US" sz="1400" b="1" dirty="0">
-                <a:solidFill>
-                  <a:schemeClr val="tx1">
-                    <a:lumMod val="75000"/>
-                    <a:lumOff val="25000"/>
-                  </a:schemeClr>
-                </a:solidFill>
-                <a:latin typeface="方正悠黑简体" panose="00000500000000000000" pitchFamily="2" charset="-122"/>
-                <a:ea typeface="方正悠黑简体" panose="00000500000000000000" pitchFamily="2" charset="-122"/>
-              </a:endParaRPr>
             </a:p>
           </p:txBody>
         </p:sp>
@@ -12677,16 +12104,6 @@
                 </a:rPr>
                 <a:t>对象</a:t>
               </a:r>
-              <a:endParaRPr lang="zh-CN" altLang="en-US" sz="1200" dirty="0">
-                <a:solidFill>
-                  <a:schemeClr val="tx1">
-                    <a:lumMod val="75000"/>
-                    <a:lumOff val="25000"/>
-                  </a:schemeClr>
-                </a:solidFill>
-                <a:latin typeface="方正悠黑简体" panose="00000500000000000000" pitchFamily="2" charset="-122"/>
-                <a:ea typeface="方正悠黑简体" panose="00000500000000000000" pitchFamily="2" charset="-122"/>
-              </a:endParaRPr>
             </a:p>
           </p:txBody>
         </p:sp>
@@ -12745,16 +12162,6 @@
                 </a:rPr>
                 <a:t>浏览相关（元素可见性）</a:t>
               </a:r>
-              <a:endParaRPr lang="zh-CN" altLang="en-US" sz="1400" b="1" dirty="0">
-                <a:solidFill>
-                  <a:schemeClr val="tx1">
-                    <a:lumMod val="75000"/>
-                    <a:lumOff val="25000"/>
-                  </a:schemeClr>
-                </a:solidFill>
-                <a:latin typeface="方正悠黑简体" panose="00000500000000000000" pitchFamily="2" charset="-122"/>
-                <a:ea typeface="方正悠黑简体" panose="00000500000000000000" pitchFamily="2" charset="-122"/>
-              </a:endParaRPr>
             </a:p>
           </p:txBody>
         </p:sp>
@@ -12871,16 +12278,6 @@
                 </a:rPr>
                 <a:t>对象</a:t>
               </a:r>
-              <a:endParaRPr lang="zh-CN" altLang="en-US" sz="1200" dirty="0">
-                <a:solidFill>
-                  <a:schemeClr val="tx1">
-                    <a:lumMod val="75000"/>
-                    <a:lumOff val="25000"/>
-                  </a:schemeClr>
-                </a:solidFill>
-                <a:latin typeface="方正悠黑简体" panose="00000500000000000000" pitchFamily="2" charset="-122"/>
-                <a:ea typeface="方正悠黑简体" panose="00000500000000000000" pitchFamily="2" charset="-122"/>
-              </a:endParaRPr>
             </a:p>
           </p:txBody>
         </p:sp>
@@ -12952,16 +12349,6 @@
                 </a:rPr>
                 <a:t>测试数据区分</a:t>
               </a:r>
-              <a:endParaRPr lang="zh-CN" altLang="en-US" sz="1400" b="1" dirty="0">
-                <a:solidFill>
-                  <a:schemeClr val="tx1">
-                    <a:lumMod val="75000"/>
-                    <a:lumOff val="25000"/>
-                  </a:schemeClr>
-                </a:solidFill>
-                <a:latin typeface="方正悠黑简体" panose="00000500000000000000" pitchFamily="2" charset="-122"/>
-                <a:ea typeface="方正悠黑简体" panose="00000500000000000000" pitchFamily="2" charset="-122"/>
-              </a:endParaRPr>
             </a:p>
           </p:txBody>
         </p:sp>
@@ -13104,16 +12491,6 @@
                 </a:rPr>
                 <a:t>测试代码中插入全局变量</a:t>
               </a:r>
-              <a:endParaRPr lang="zh-CN" altLang="en-US" sz="1200" dirty="0">
-                <a:solidFill>
-                  <a:schemeClr val="tx1">
-                    <a:lumMod val="75000"/>
-                    <a:lumOff val="25000"/>
-                  </a:schemeClr>
-                </a:solidFill>
-                <a:latin typeface="方正悠黑简体" panose="00000500000000000000" pitchFamily="2" charset="-122"/>
-                <a:ea typeface="方正悠黑简体" panose="00000500000000000000" pitchFamily="2" charset="-122"/>
-              </a:endParaRPr>
             </a:p>
           </p:txBody>
         </p:sp>
@@ -13172,16 +12549,6 @@
                 </a:rPr>
                 <a:t>事件相关</a:t>
               </a:r>
-              <a:endParaRPr lang="zh-CN" altLang="en-US" sz="1400" b="1" dirty="0">
-                <a:solidFill>
-                  <a:schemeClr val="tx1">
-                    <a:lumMod val="75000"/>
-                    <a:lumOff val="25000"/>
-                  </a:schemeClr>
-                </a:solidFill>
-                <a:latin typeface="方正悠黑简体" panose="00000500000000000000" pitchFamily="2" charset="-122"/>
-                <a:ea typeface="方正悠黑简体" panose="00000500000000000000" pitchFamily="2" charset="-122"/>
-              </a:endParaRPr>
             </a:p>
           </p:txBody>
         </p:sp>
@@ -13281,16 +12648,6 @@
                 </a:rPr>
                 <a:t>和数据后台</a:t>
               </a:r>
-              <a:endParaRPr lang="zh-CN" altLang="en-US" sz="1200" dirty="0">
-                <a:solidFill>
-                  <a:schemeClr val="tx1">
-                    <a:lumMod val="75000"/>
-                    <a:lumOff val="25000"/>
-                  </a:schemeClr>
-                </a:solidFill>
-                <a:latin typeface="方正悠黑简体" panose="00000500000000000000" pitchFamily="2" charset="-122"/>
-                <a:ea typeface="方正悠黑简体" panose="00000500000000000000" pitchFamily="2" charset="-122"/>
-              </a:endParaRPr>
             </a:p>
           </p:txBody>
         </p:sp>
@@ -13656,8 +13013,8 @@
   <p:clrMapOvr>
     <a:masterClrMapping/>
   </p:clrMapOvr>
-  <mc:AlternateContent xmlns:mc="http://schemas.openxmlformats.org/markup-compatibility/2006">
-    <mc:Choice xmlns:p14="http://schemas.microsoft.com/office/powerpoint/2010/main" Requires="p14">
+  <mc:AlternateContent xmlns:mc="http://schemas.openxmlformats.org/markup-compatibility/2006" xmlns:p14="http://schemas.microsoft.com/office/powerpoint/2010/main">
+    <mc:Choice Requires="p14">
       <p:timing>
         <p:tnLst>
           <p:par>
@@ -14793,7 +14150,7 @@
         </p:bldLst>
       </p:timing>
     </mc:Choice>
-    <mc:Fallback>
+    <mc:Fallback xmlns="">
       <p:timing>
         <p:tnLst>
           <p:par>
@@ -15999,16 +15356,6 @@
                 </a:rPr>
                 <a:t>工作内容</a:t>
               </a:r>
-              <a:endParaRPr lang="zh-CN" altLang="en-US" sz="2800" b="1" dirty="0">
-                <a:solidFill>
-                  <a:schemeClr val="tx1">
-                    <a:lumMod val="75000"/>
-                    <a:lumOff val="25000"/>
-                  </a:schemeClr>
-                </a:solidFill>
-                <a:latin typeface="微软雅黑" panose="020B0503020204020204" pitchFamily="34" charset="-122"/>
-                <a:ea typeface="微软雅黑" panose="020B0503020204020204" pitchFamily="34" charset="-122"/>
-              </a:endParaRPr>
             </a:p>
           </p:txBody>
         </p:sp>
@@ -16236,13 +15583,6 @@
               </a:rPr>
               <a:t>埋点工具</a:t>
             </a:r>
-            <a:endParaRPr lang="zh-CN" altLang="en-US" sz="1400" dirty="0">
-              <a:solidFill>
-                <a:srgbClr val="007CC8"/>
-              </a:solidFill>
-              <a:latin typeface="黑体" panose="02010609060101010101" pitchFamily="49" charset="-122"/>
-              <a:ea typeface="黑体" panose="02010609060101010101" pitchFamily="49" charset="-122"/>
-            </a:endParaRPr>
           </a:p>
         </p:txBody>
       </p:sp>
@@ -16458,14 +15798,6 @@
               </a:rPr>
               <a:t>结果</a:t>
             </a:r>
-            <a:endParaRPr lang="zh-CN" altLang="en-US" dirty="0">
-              <a:solidFill>
-                <a:schemeClr val="tx1">
-                  <a:lumMod val="85000"/>
-                  <a:lumOff val="15000"/>
-                </a:schemeClr>
-              </a:solidFill>
-            </a:endParaRPr>
           </a:p>
         </p:txBody>
       </p:sp>
@@ -16478,7 +15810,7 @@
         <p:spPr>
           <a:xfrm>
             <a:off x="344428" y="1327038"/>
-            <a:ext cx="4852610" cy="369332"/>
+            <a:ext cx="3236784" cy="369332"/>
           </a:xfrm>
           <a:prstGeom prst="rect">
             <a:avLst/>
@@ -16493,7 +15825,7 @@
           <a:p>
             <a:r>
               <a:rPr lang="zh-CN" altLang="en-US" dirty="0"/>
-              <a:t>预约成功指标：各维度预约数据差异在</a:t>
+              <a:t>各维度预约数据差异在</a:t>
             </a:r>
             <a:r>
               <a:rPr lang="en-US" altLang="zh-CN" dirty="0">
@@ -16507,7 +15839,6 @@
               <a:rPr lang="zh-CN" altLang="en-US" dirty="0"/>
               <a:t>左右</a:t>
             </a:r>
-            <a:endParaRPr lang="zh-CN" altLang="en-US" dirty="0"/>
           </a:p>
         </p:txBody>
       </p:sp>
@@ -16520,7 +15851,7 @@
           <p:nvPr/>
         </p:nvPicPr>
         <p:blipFill>
-          <a:blip r:embed="rId1"/>
+          <a:blip r:embed="rId2"/>
           <a:stretch>
             <a:fillRect/>
           </a:stretch>
@@ -16609,16 +15940,6 @@
                 </a:rPr>
                 <a:t>工作内容</a:t>
               </a:r>
-              <a:endParaRPr lang="zh-CN" altLang="en-US" sz="2800" b="1" dirty="0">
-                <a:solidFill>
-                  <a:schemeClr val="tx1">
-                    <a:lumMod val="75000"/>
-                    <a:lumOff val="25000"/>
-                  </a:schemeClr>
-                </a:solidFill>
-                <a:latin typeface="微软雅黑" panose="020B0503020204020204" pitchFamily="34" charset="-122"/>
-                <a:ea typeface="微软雅黑" panose="020B0503020204020204" pitchFamily="34" charset="-122"/>
-              </a:endParaRPr>
             </a:p>
           </p:txBody>
         </p:sp>
@@ -16846,13 +16167,6 @@
               </a:rPr>
               <a:t>埋点工具</a:t>
             </a:r>
-            <a:endParaRPr lang="zh-CN" altLang="en-US" sz="1400" dirty="0">
-              <a:solidFill>
-                <a:srgbClr val="007CC8"/>
-              </a:solidFill>
-              <a:latin typeface="黑体" panose="02010609060101010101" pitchFamily="49" charset="-122"/>
-              <a:ea typeface="黑体" panose="02010609060101010101" pitchFamily="49" charset="-122"/>
-            </a:endParaRPr>
           </a:p>
         </p:txBody>
       </p:sp>
@@ -17068,14 +16382,6 @@
               </a:rPr>
               <a:t>优化的问题</a:t>
             </a:r>
-            <a:endParaRPr lang="zh-CN" altLang="en-US" dirty="0">
-              <a:solidFill>
-                <a:schemeClr val="tx1">
-                  <a:lumMod val="85000"/>
-                  <a:lumOff val="15000"/>
-                </a:schemeClr>
-              </a:solidFill>
-            </a:endParaRPr>
           </a:p>
         </p:txBody>
       </p:sp>
@@ -17269,31 +16575,8 @@
                 <a:latin typeface="微软雅黑" panose="020B0503020204020204" pitchFamily="34" charset="-122"/>
                 <a:ea typeface="微软雅黑" panose="020B0503020204020204" pitchFamily="34" charset="-122"/>
               </a:rPr>
-              <a:t>部分数据仍</a:t>
-            </a:r>
-            <a:r>
-              <a:rPr lang="zh-CN" altLang="en-US" sz="1600" dirty="0">
-                <a:solidFill>
-                  <a:schemeClr val="tx1">
-                    <a:lumMod val="50000"/>
-                    <a:lumOff val="50000"/>
-                  </a:schemeClr>
-                </a:solidFill>
-                <a:latin typeface="微软雅黑" panose="020B0503020204020204" pitchFamily="34" charset="-122"/>
-                <a:ea typeface="微软雅黑" panose="020B0503020204020204" pitchFamily="34" charset="-122"/>
-              </a:rPr>
-              <a:t>存在差异，目前还在测试、分析和排查原因</a:t>
-            </a:r>
-            <a:endParaRPr lang="zh-CN" altLang="en-US" sz="1600" dirty="0">
-              <a:solidFill>
-                <a:schemeClr val="tx1">
-                  <a:lumMod val="50000"/>
-                  <a:lumOff val="50000"/>
-                </a:schemeClr>
-              </a:solidFill>
-              <a:latin typeface="微软雅黑" panose="020B0503020204020204" pitchFamily="34" charset="-122"/>
-              <a:ea typeface="微软雅黑" panose="020B0503020204020204" pitchFamily="34" charset="-122"/>
-            </a:endParaRPr>
+              <a:t>部分数据仍存在差异，目前还在测试、分析和排查原因</a:t>
+            </a:r>
           </a:p>
         </p:txBody>
       </p:sp>
@@ -17489,16 +16772,6 @@
               </a:rPr>
               <a:t>数据后台没有图形化界面，查看和分析数据不够直观，已设计一版界面设计原稿，后续会跟进完善</a:t>
             </a:r>
-            <a:endParaRPr lang="zh-CN" altLang="en-US" sz="1600" dirty="0">
-              <a:solidFill>
-                <a:schemeClr val="tx1">
-                  <a:lumMod val="50000"/>
-                  <a:lumOff val="50000"/>
-                </a:schemeClr>
-              </a:solidFill>
-              <a:latin typeface="微软雅黑" panose="020B0503020204020204" pitchFamily="34" charset="-122"/>
-              <a:ea typeface="微软雅黑" panose="020B0503020204020204" pitchFamily="34" charset="-122"/>
-            </a:endParaRPr>
           </a:p>
         </p:txBody>
       </p:sp>
@@ -18012,16 +17285,6 @@
                 </a:rPr>
                 <a:t>工作内容</a:t>
               </a:r>
-              <a:endParaRPr lang="zh-CN" altLang="en-US" sz="2800" b="1" dirty="0">
-                <a:solidFill>
-                  <a:schemeClr val="tx1">
-                    <a:lumMod val="75000"/>
-                    <a:lumOff val="25000"/>
-                  </a:schemeClr>
-                </a:solidFill>
-                <a:latin typeface="微软雅黑" panose="020B0503020204020204" pitchFamily="34" charset="-122"/>
-                <a:ea typeface="微软雅黑" panose="020B0503020204020204" pitchFamily="34" charset="-122"/>
-              </a:endParaRPr>
             </a:p>
           </p:txBody>
         </p:sp>
@@ -18249,13 +17512,6 @@
               </a:rPr>
               <a:t>埋点工具</a:t>
             </a:r>
-            <a:endParaRPr lang="zh-CN" altLang="en-US" sz="1400" dirty="0">
-              <a:solidFill>
-                <a:srgbClr val="007CC8"/>
-              </a:solidFill>
-              <a:latin typeface="黑体" panose="02010609060101010101" pitchFamily="49" charset="-122"/>
-              <a:ea typeface="黑体" panose="02010609060101010101" pitchFamily="49" charset="-122"/>
-            </a:endParaRPr>
           </a:p>
         </p:txBody>
       </p:sp>
@@ -18471,14 +17727,6 @@
               </a:rPr>
               <a:t>数据差异</a:t>
             </a:r>
-            <a:endParaRPr lang="zh-CN" altLang="en-US" dirty="0">
-              <a:solidFill>
-                <a:schemeClr val="tx1">
-                  <a:lumMod val="85000"/>
-                  <a:lumOff val="15000"/>
-                </a:schemeClr>
-              </a:solidFill>
-            </a:endParaRPr>
           </a:p>
         </p:txBody>
       </p:sp>
@@ -18591,7 +17839,6 @@
               <a:rPr lang="zh-CN" altLang="en-US" sz="1200" dirty="0"/>
               <a:t>跳转商店按钮事件差异</a:t>
             </a:r>
-            <a:endParaRPr lang="zh-CN" altLang="en-US" sz="1200" dirty="0"/>
           </a:p>
         </p:txBody>
       </p:sp>
@@ -18621,7 +17868,6 @@
               <a:rPr lang="zh-CN" altLang="en-US" sz="1200" dirty="0"/>
               <a:t>老用户数量差异</a:t>
             </a:r>
-            <a:endParaRPr lang="zh-CN" altLang="en-US" sz="1200" dirty="0"/>
           </a:p>
         </p:txBody>
       </p:sp>
@@ -18634,7 +17880,7 @@
           <p:nvPr/>
         </p:nvPicPr>
         <p:blipFill>
-          <a:blip r:embed="rId1"/>
+          <a:blip r:embed="rId2"/>
           <a:stretch>
             <a:fillRect/>
           </a:stretch>
@@ -18658,7 +17904,7 @@
           <p:nvPr/>
         </p:nvPicPr>
         <p:blipFill>
-          <a:blip r:embed="rId2"/>
+          <a:blip r:embed="rId3"/>
           <a:stretch>
             <a:fillRect/>
           </a:stretch>
@@ -18747,16 +17993,6 @@
                 </a:rPr>
                 <a:t>工作内容</a:t>
               </a:r>
-              <a:endParaRPr lang="zh-CN" altLang="en-US" sz="2800" b="1" dirty="0">
-                <a:solidFill>
-                  <a:schemeClr val="tx1">
-                    <a:lumMod val="75000"/>
-                    <a:lumOff val="25000"/>
-                  </a:schemeClr>
-                </a:solidFill>
-                <a:latin typeface="微软雅黑" panose="020B0503020204020204" pitchFamily="34" charset="-122"/>
-                <a:ea typeface="微软雅黑" panose="020B0503020204020204" pitchFamily="34" charset="-122"/>
-              </a:endParaRPr>
             </a:p>
           </p:txBody>
         </p:sp>
@@ -18984,13 +18220,6 @@
               </a:rPr>
               <a:t>埋点工具</a:t>
             </a:r>
-            <a:endParaRPr lang="zh-CN" altLang="en-US" sz="1400" dirty="0">
-              <a:solidFill>
-                <a:srgbClr val="007CC8"/>
-              </a:solidFill>
-              <a:latin typeface="黑体" panose="02010609060101010101" pitchFamily="49" charset="-122"/>
-              <a:ea typeface="黑体" panose="02010609060101010101" pitchFamily="49" charset="-122"/>
-            </a:endParaRPr>
           </a:p>
         </p:txBody>
       </p:sp>
@@ -19228,14 +18457,6 @@
               </a:rPr>
               <a:t>跳转商店按钮事件</a:t>
             </a:r>
-            <a:endParaRPr lang="zh-CN" altLang="en-US" dirty="0">
-              <a:solidFill>
-                <a:schemeClr val="tx1">
-                  <a:lumMod val="85000"/>
-                  <a:lumOff val="15000"/>
-                </a:schemeClr>
-              </a:solidFill>
-            </a:endParaRPr>
           </a:p>
         </p:txBody>
       </p:sp>
@@ -19248,7 +18469,7 @@
           <p:nvPr/>
         </p:nvPicPr>
         <p:blipFill>
-          <a:blip r:embed="rId1"/>
+          <a:blip r:embed="rId2"/>
           <a:stretch>
             <a:fillRect/>
           </a:stretch>
@@ -19297,7 +18518,6 @@
               <a:rPr lang="zh-CN" altLang="en-US" sz="1400" dirty="0"/>
               <a:t>会话排重机制</a:t>
             </a:r>
-            <a:endParaRPr lang="zh-CN" altLang="en-US" sz="1400" dirty="0"/>
           </a:p>
         </p:txBody>
       </p:sp>
@@ -19310,7 +18530,7 @@
           <p:nvPr/>
         </p:nvPicPr>
         <p:blipFill>
-          <a:blip r:embed="rId2"/>
+          <a:blip r:embed="rId3"/>
           <a:stretch>
             <a:fillRect/>
           </a:stretch>
@@ -19355,7 +18575,6 @@
               <a:rPr lang="zh-CN" altLang="en-US" sz="1000" dirty="0"/>
               <a:t>会话</a:t>
             </a:r>
-            <a:endParaRPr lang="zh-CN" altLang="en-US" sz="1000" dirty="0"/>
           </a:p>
         </p:txBody>
       </p:sp>
@@ -19393,7 +18612,6 @@
               <a:rPr lang="zh-CN" altLang="en-US" sz="1000" dirty="0"/>
               <a:t>数据</a:t>
             </a:r>
-            <a:endParaRPr lang="zh-CN" altLang="en-US" sz="1000" dirty="0"/>
           </a:p>
         </p:txBody>
       </p:sp>
@@ -19465,11 +18683,6 @@
               </a:rPr>
               <a:t>左右</a:t>
             </a:r>
-            <a:endParaRPr lang="zh-CN" altLang="en-US" sz="1400" dirty="0">
-              <a:solidFill>
-                <a:schemeClr val="tx1"/>
-              </a:solidFill>
-            </a:endParaRPr>
           </a:p>
         </p:txBody>
       </p:sp>
@@ -19547,16 +18760,6 @@
                 </a:rPr>
                 <a:t>工作内容</a:t>
               </a:r>
-              <a:endParaRPr lang="zh-CN" altLang="en-US" sz="2800" b="1" dirty="0">
-                <a:solidFill>
-                  <a:schemeClr val="tx1">
-                    <a:lumMod val="75000"/>
-                    <a:lumOff val="25000"/>
-                  </a:schemeClr>
-                </a:solidFill>
-                <a:latin typeface="微软雅黑" panose="020B0503020204020204" pitchFamily="34" charset="-122"/>
-                <a:ea typeface="微软雅黑" panose="020B0503020204020204" pitchFamily="34" charset="-122"/>
-              </a:endParaRPr>
             </a:p>
           </p:txBody>
         </p:sp>
@@ -19784,13 +18987,6 @@
               </a:rPr>
               <a:t>埋点工具</a:t>
             </a:r>
-            <a:endParaRPr lang="zh-CN" altLang="en-US" sz="1400" dirty="0">
-              <a:solidFill>
-                <a:srgbClr val="007CC8"/>
-              </a:solidFill>
-              <a:latin typeface="黑体" panose="02010609060101010101" pitchFamily="49" charset="-122"/>
-              <a:ea typeface="黑体" panose="02010609060101010101" pitchFamily="49" charset="-122"/>
-            </a:endParaRPr>
           </a:p>
         </p:txBody>
       </p:sp>
@@ -20028,14 +19224,6 @@
               </a:rPr>
               <a:t>跳转商店按钮事件</a:t>
             </a:r>
-            <a:endParaRPr lang="zh-CN" altLang="en-US" dirty="0">
-              <a:solidFill>
-                <a:schemeClr val="tx1">
-                  <a:lumMod val="85000"/>
-                  <a:lumOff val="15000"/>
-                </a:schemeClr>
-              </a:solidFill>
-            </a:endParaRPr>
           </a:p>
         </p:txBody>
       </p:sp>
@@ -20048,7 +19236,7 @@
           <p:nvPr/>
         </p:nvPicPr>
         <p:blipFill>
-          <a:blip r:embed="rId1"/>
+          <a:blip r:embed="rId2"/>
           <a:stretch>
             <a:fillRect/>
           </a:stretch>
@@ -20117,7 +19305,6 @@
               <a:rPr lang="zh-CN" altLang="en-US" sz="1400" dirty="0"/>
               <a:t>次</a:t>
             </a:r>
-            <a:endParaRPr lang="zh-CN" altLang="en-US" sz="1400" dirty="0"/>
           </a:p>
         </p:txBody>
       </p:sp>
@@ -20200,7 +19387,6 @@
               <a:rPr lang="zh-CN" altLang="en-US" sz="1400" dirty="0"/>
               <a:t>的数据会较为准确</a:t>
             </a:r>
-            <a:endParaRPr lang="zh-CN" altLang="en-US" sz="1400" dirty="0"/>
           </a:p>
         </p:txBody>
       </p:sp>
@@ -20278,16 +19464,6 @@
                 </a:rPr>
                 <a:t>工作内容</a:t>
               </a:r>
-              <a:endParaRPr lang="zh-CN" altLang="en-US" sz="2800" b="1" dirty="0">
-                <a:solidFill>
-                  <a:schemeClr val="tx1">
-                    <a:lumMod val="75000"/>
-                    <a:lumOff val="25000"/>
-                  </a:schemeClr>
-                </a:solidFill>
-                <a:latin typeface="微软雅黑" panose="020B0503020204020204" pitchFamily="34" charset="-122"/>
-                <a:ea typeface="微软雅黑" panose="020B0503020204020204" pitchFamily="34" charset="-122"/>
-              </a:endParaRPr>
             </a:p>
           </p:txBody>
         </p:sp>
@@ -20515,13 +19691,6 @@
               </a:rPr>
               <a:t>埋点工具</a:t>
             </a:r>
-            <a:endParaRPr lang="zh-CN" altLang="en-US" sz="1400" dirty="0">
-              <a:solidFill>
-                <a:srgbClr val="007CC8"/>
-              </a:solidFill>
-              <a:latin typeface="黑体" panose="02010609060101010101" pitchFamily="49" charset="-122"/>
-              <a:ea typeface="黑体" panose="02010609060101010101" pitchFamily="49" charset="-122"/>
-            </a:endParaRPr>
           </a:p>
         </p:txBody>
       </p:sp>
@@ -20759,14 +19928,6 @@
               </a:rPr>
               <a:t>跳转商店按钮事件</a:t>
             </a:r>
-            <a:endParaRPr lang="zh-CN" altLang="en-US" dirty="0">
-              <a:solidFill>
-                <a:schemeClr val="tx1">
-                  <a:lumMod val="85000"/>
-                  <a:lumOff val="15000"/>
-                </a:schemeClr>
-              </a:solidFill>
-            </a:endParaRPr>
           </a:p>
         </p:txBody>
       </p:sp>
@@ -20832,11 +19993,7 @@
           <a:p>
             <a:r>
               <a:rPr lang="zh-CN" altLang="en-US" sz="1400" dirty="0"/>
-              <a:t>脚本</a:t>
-            </a:r>
-            <a:r>
-              <a:rPr lang="zh-CN" altLang="en-US" sz="1400" dirty="0"/>
-              <a:t>每</a:t>
+              <a:t>脚本每</a:t>
             </a:r>
             <a:r>
               <a:rPr lang="en-US" altLang="zh-CN" sz="1400" dirty="0">
@@ -20858,7 +20015,6 @@
               <a:rPr lang="zh-CN" altLang="en-US" sz="1400" dirty="0"/>
               <a:t>次</a:t>
             </a:r>
-            <a:endParaRPr lang="zh-CN" altLang="en-US" sz="1400" dirty="0"/>
           </a:p>
         </p:txBody>
       </p:sp>
@@ -20871,7 +20027,7 @@
           <p:nvPr/>
         </p:nvPicPr>
         <p:blipFill>
-          <a:blip r:embed="rId1"/>
+          <a:blip r:embed="rId2"/>
           <a:stretch>
             <a:fillRect/>
           </a:stretch>
@@ -20932,7 +20088,6 @@
               <a:rPr lang="zh-CN" altLang="en-US" sz="1400" dirty="0"/>
               <a:t>影响，后续继续排查</a:t>
             </a:r>
-            <a:endParaRPr lang="zh-CN" altLang="en-US" sz="1400" dirty="0"/>
           </a:p>
         </p:txBody>
       </p:sp>
@@ -21078,16 +20233,6 @@
                   </a:rPr>
                   <a:t>工作内容</a:t>
                 </a:r>
-                <a:endParaRPr lang="zh-CN" altLang="en-US" sz="2200" dirty="0">
-                  <a:solidFill>
-                    <a:schemeClr val="tx1">
-                      <a:lumMod val="75000"/>
-                      <a:lumOff val="25000"/>
-                    </a:schemeClr>
-                  </a:solidFill>
-                  <a:latin typeface="微软雅黑" panose="020B0503020204020204" pitchFamily="34" charset="-122"/>
-                  <a:ea typeface="微软雅黑" panose="020B0503020204020204" pitchFamily="34" charset="-122"/>
-                </a:endParaRPr>
               </a:p>
             </p:txBody>
           </p:sp>
@@ -21195,16 +20340,6 @@
                   </a:rPr>
                   <a:t>收获提升</a:t>
                 </a:r>
-                <a:endParaRPr lang="zh-CN" altLang="en-US" sz="2200" dirty="0">
-                  <a:solidFill>
-                    <a:schemeClr val="tx1">
-                      <a:lumMod val="75000"/>
-                      <a:lumOff val="25000"/>
-                    </a:schemeClr>
-                  </a:solidFill>
-                  <a:latin typeface="微软雅黑" panose="020B0503020204020204" pitchFamily="34" charset="-122"/>
-                  <a:ea typeface="微软雅黑" panose="020B0503020204020204" pitchFamily="34" charset="-122"/>
-                </a:endParaRPr>
               </a:p>
             </p:txBody>
           </p:sp>
@@ -21312,16 +20447,6 @@
                   </a:rPr>
                   <a:t>个人总结</a:t>
                 </a:r>
-                <a:endParaRPr lang="zh-CN" altLang="en-US" sz="2200" dirty="0">
-                  <a:solidFill>
-                    <a:schemeClr val="tx1">
-                      <a:lumMod val="75000"/>
-                      <a:lumOff val="25000"/>
-                    </a:schemeClr>
-                  </a:solidFill>
-                  <a:latin typeface="微软雅黑" panose="020B0503020204020204" pitchFamily="34" charset="-122"/>
-                  <a:ea typeface="微软雅黑" panose="020B0503020204020204" pitchFamily="34" charset="-122"/>
-                </a:endParaRPr>
               </a:p>
             </p:txBody>
           </p:sp>
@@ -21429,16 +20554,6 @@
                   </a:rPr>
                   <a:t>发展规划</a:t>
                 </a:r>
-                <a:endParaRPr lang="zh-CN" altLang="en-US" sz="2200" dirty="0">
-                  <a:solidFill>
-                    <a:schemeClr val="tx1">
-                      <a:lumMod val="75000"/>
-                      <a:lumOff val="25000"/>
-                    </a:schemeClr>
-                  </a:solidFill>
-                  <a:latin typeface="微软雅黑" panose="020B0503020204020204" pitchFamily="34" charset="-122"/>
-                  <a:ea typeface="微软雅黑" panose="020B0503020204020204" pitchFamily="34" charset="-122"/>
-                </a:endParaRPr>
               </a:p>
             </p:txBody>
           </p:sp>
@@ -21611,16 +20726,6 @@
                 </a:rPr>
                 <a:t>工作内容</a:t>
               </a:r>
-              <a:endParaRPr lang="zh-CN" altLang="en-US" sz="2800" b="1" dirty="0">
-                <a:solidFill>
-                  <a:schemeClr val="tx1">
-                    <a:lumMod val="75000"/>
-                    <a:lumOff val="25000"/>
-                  </a:schemeClr>
-                </a:solidFill>
-                <a:latin typeface="微软雅黑" panose="020B0503020204020204" pitchFamily="34" charset="-122"/>
-                <a:ea typeface="微软雅黑" panose="020B0503020204020204" pitchFamily="34" charset="-122"/>
-              </a:endParaRPr>
             </a:p>
           </p:txBody>
         </p:sp>
@@ -21848,13 +20953,6 @@
               </a:rPr>
               <a:t>埋点工具</a:t>
             </a:r>
-            <a:endParaRPr lang="zh-CN" altLang="en-US" sz="1400" dirty="0">
-              <a:solidFill>
-                <a:srgbClr val="007CC8"/>
-              </a:solidFill>
-              <a:latin typeface="黑体" panose="02010609060101010101" pitchFamily="49" charset="-122"/>
-              <a:ea typeface="黑体" panose="02010609060101010101" pitchFamily="49" charset="-122"/>
-            </a:endParaRPr>
           </a:p>
         </p:txBody>
       </p:sp>
@@ -22092,14 +21190,6 @@
               </a:rPr>
               <a:t>新老用户</a:t>
             </a:r>
-            <a:endParaRPr lang="zh-CN" altLang="en-US" dirty="0">
-              <a:solidFill>
-                <a:schemeClr val="tx1">
-                  <a:lumMod val="85000"/>
-                  <a:lumOff val="15000"/>
-                </a:schemeClr>
-              </a:solidFill>
-            </a:endParaRPr>
           </a:p>
         </p:txBody>
       </p:sp>
@@ -22129,7 +21219,6 @@
               <a:rPr lang="zh-CN" altLang="en-US" sz="1400" dirty="0"/>
               <a:t>目前还在排查，但根据数据分析，触发埋点的用户总数差异并不大，只是在新老用户区分上有差异</a:t>
             </a:r>
-            <a:endParaRPr lang="zh-CN" altLang="en-US" sz="1400" dirty="0"/>
           </a:p>
         </p:txBody>
       </p:sp>
@@ -22142,7 +21231,7 @@
           <p:nvPr/>
         </p:nvPicPr>
         <p:blipFill>
-          <a:blip r:embed="rId1"/>
+          <a:blip r:embed="rId3"/>
           <a:stretch>
             <a:fillRect/>
           </a:stretch>
@@ -22231,16 +21320,6 @@
                 </a:rPr>
                 <a:t>工作内容</a:t>
               </a:r>
-              <a:endParaRPr lang="zh-CN" altLang="en-US" sz="2800" b="1" dirty="0">
-                <a:solidFill>
-                  <a:schemeClr val="tx1">
-                    <a:lumMod val="75000"/>
-                    <a:lumOff val="25000"/>
-                  </a:schemeClr>
-                </a:solidFill>
-                <a:latin typeface="微软雅黑" panose="020B0503020204020204" pitchFamily="34" charset="-122"/>
-                <a:ea typeface="微软雅黑" panose="020B0503020204020204" pitchFamily="34" charset="-122"/>
-              </a:endParaRPr>
             </a:p>
           </p:txBody>
         </p:sp>
@@ -22468,13 +21547,6 @@
               </a:rPr>
               <a:t>埋点工具</a:t>
             </a:r>
-            <a:endParaRPr lang="zh-CN" altLang="en-US" sz="1400" dirty="0">
-              <a:solidFill>
-                <a:srgbClr val="007CC8"/>
-              </a:solidFill>
-              <a:latin typeface="黑体" panose="02010609060101010101" pitchFamily="49" charset="-122"/>
-              <a:ea typeface="黑体" panose="02010609060101010101" pitchFamily="49" charset="-122"/>
-            </a:endParaRPr>
           </a:p>
         </p:txBody>
       </p:sp>
@@ -22712,14 +21784,6 @@
               </a:rPr>
               <a:t>界面</a:t>
             </a:r>
-            <a:endParaRPr lang="zh-CN" altLang="en-US" dirty="0">
-              <a:solidFill>
-                <a:schemeClr val="tx1">
-                  <a:lumMod val="85000"/>
-                  <a:lumOff val="15000"/>
-                </a:schemeClr>
-              </a:solidFill>
-            </a:endParaRPr>
           </a:p>
         </p:txBody>
       </p:sp>
@@ -22732,7 +21796,7 @@
           <p:nvPr/>
         </p:nvPicPr>
         <p:blipFill>
-          <a:blip r:embed="rId1" cstate="print">
+          <a:blip r:embed="rId3" cstate="print">
             <a:extLst>
               <a:ext uri="{28A0092B-C50C-407E-A947-70E740481C1C}">
                 <a14:useLocalDpi xmlns:a14="http://schemas.microsoft.com/office/drawing/2010/main" val="0"/>
@@ -22786,13 +21850,8 @@
             </a:r>
             <a:r>
               <a:rPr lang="zh-CN" altLang="en-US" sz="1400" dirty="0"/>
-              <a:t>设计软件，设计需求折线图交付给数据</a:t>
-            </a:r>
-            <a:r>
-              <a:rPr lang="zh-CN" altLang="en-US" sz="1400" dirty="0"/>
-              <a:t>组</a:t>
-            </a:r>
-            <a:endParaRPr lang="zh-CN" altLang="en-US" sz="1400" dirty="0"/>
+              <a:t>设计软件，设计需求折线图交付给数据组</a:t>
+            </a:r>
           </a:p>
         </p:txBody>
       </p:sp>
@@ -22938,16 +21997,6 @@
                   </a:rPr>
                   <a:t>收获提升</a:t>
                 </a:r>
-                <a:endParaRPr lang="zh-CN" altLang="en-US" sz="2200" dirty="0">
-                  <a:solidFill>
-                    <a:schemeClr val="tx1">
-                      <a:lumMod val="75000"/>
-                      <a:lumOff val="25000"/>
-                    </a:schemeClr>
-                  </a:solidFill>
-                  <a:latin typeface="微软雅黑" panose="020B0503020204020204" pitchFamily="34" charset="-122"/>
-                  <a:ea typeface="微软雅黑" panose="020B0503020204020204" pitchFamily="34" charset="-122"/>
-                </a:endParaRPr>
               </a:p>
             </p:txBody>
           </p:sp>
@@ -23162,16 +22211,6 @@
                 </a:rPr>
                 <a:t>收获提升</a:t>
               </a:r>
-              <a:endParaRPr lang="zh-CN" altLang="en-US" sz="2800" b="1" dirty="0">
-                <a:solidFill>
-                  <a:schemeClr val="tx1">
-                    <a:lumMod val="75000"/>
-                    <a:lumOff val="25000"/>
-                  </a:schemeClr>
-                </a:solidFill>
-                <a:latin typeface="微软雅黑" panose="020B0503020204020204" pitchFamily="34" charset="-122"/>
-                <a:ea typeface="微软雅黑" panose="020B0503020204020204" pitchFamily="34" charset="-122"/>
-              </a:endParaRPr>
             </a:p>
           </p:txBody>
         </p:sp>
@@ -23389,13 +22428,6 @@
               </a:rPr>
               <a:t>工作效率提高</a:t>
             </a:r>
-            <a:endParaRPr lang="zh-CN" altLang="en-US" sz="1400" dirty="0">
-              <a:solidFill>
-                <a:srgbClr val="007CC8"/>
-              </a:solidFill>
-              <a:latin typeface="黑体" panose="02010609060101010101" pitchFamily="49" charset="-122"/>
-              <a:ea typeface="黑体" panose="02010609060101010101" pitchFamily="49" charset="-122"/>
-            </a:endParaRPr>
           </a:p>
         </p:txBody>
       </p:sp>
@@ -23449,7 +22481,7 @@
         </p:xfrm>
         <a:graphic>
           <a:graphicData uri="http://schemas.openxmlformats.org/drawingml/2006/diagram">
-            <dgm:relIds xmlns:dgm="http://schemas.openxmlformats.org/drawingml/2006/diagram" xmlns:r="http://schemas.openxmlformats.org/officeDocument/2006/relationships" r:dm="rId1" r:lo="rId2" r:qs="rId3" r:cs="rId4"/>
+            <dgm:relIds xmlns:dgm="http://schemas.openxmlformats.org/drawingml/2006/diagram" xmlns:r="http://schemas.openxmlformats.org/officeDocument/2006/relationships" r:dm="rId3" r:lo="rId4" r:qs="rId5" r:cs="rId6"/>
           </a:graphicData>
         </a:graphic>
       </p:graphicFrame>
@@ -23527,16 +22559,6 @@
                 </a:rPr>
                 <a:t>收获提升</a:t>
               </a:r>
-              <a:endParaRPr lang="zh-CN" altLang="en-US" sz="2800" b="1" dirty="0">
-                <a:solidFill>
-                  <a:schemeClr val="tx1">
-                    <a:lumMod val="75000"/>
-                    <a:lumOff val="25000"/>
-                  </a:schemeClr>
-                </a:solidFill>
-                <a:latin typeface="微软雅黑" panose="020B0503020204020204" pitchFamily="34" charset="-122"/>
-                <a:ea typeface="微软雅黑" panose="020B0503020204020204" pitchFamily="34" charset="-122"/>
-              </a:endParaRPr>
             </a:p>
           </p:txBody>
         </p:sp>
@@ -23754,13 +22776,6 @@
               </a:rPr>
               <a:t>能力提升</a:t>
             </a:r>
-            <a:endParaRPr lang="zh-CN" altLang="en-US" sz="1400" dirty="0">
-              <a:solidFill>
-                <a:srgbClr val="007CC8"/>
-              </a:solidFill>
-              <a:latin typeface="黑体" panose="02010609060101010101" pitchFamily="49" charset="-122"/>
-              <a:ea typeface="黑体" panose="02010609060101010101" pitchFamily="49" charset="-122"/>
-            </a:endParaRPr>
           </a:p>
         </p:txBody>
       </p:sp>
@@ -23840,20 +22855,7 @@
                 <a:latin typeface="方正悠黑简体" panose="00000500000000000000" pitchFamily="2" charset="-122"/>
                 <a:ea typeface="方正悠黑简体" panose="00000500000000000000" pitchFamily="2" charset="-122"/>
               </a:rPr>
-              <a:t>短时间内学习</a:t>
-            </a:r>
-            <a:r>
-              <a:rPr lang="zh-CN" altLang="en-US" sz="1200" dirty="0">
-                <a:solidFill>
-                  <a:schemeClr val="tx1">
-                    <a:lumMod val="75000"/>
-                    <a:lumOff val="25000"/>
-                  </a:schemeClr>
-                </a:solidFill>
-                <a:latin typeface="方正悠黑简体" panose="00000500000000000000" pitchFamily="2" charset="-122"/>
-                <a:ea typeface="方正悠黑简体" panose="00000500000000000000" pitchFamily="2" charset="-122"/>
-              </a:rPr>
-              <a:t>上手新的技术栈。</a:t>
+              <a:t>短时间内学习上手新的技术栈。</a:t>
             </a:r>
             <a:endParaRPr lang="en-US" altLang="zh-CN" sz="1200" dirty="0">
               <a:solidFill>
@@ -23937,16 +22939,6 @@
               </a:rPr>
               <a:t>，两周开发并提前三天交付测试</a:t>
             </a:r>
-            <a:endParaRPr lang="zh-CN" altLang="en-US" sz="1200" dirty="0">
-              <a:solidFill>
-                <a:schemeClr val="tx1">
-                  <a:lumMod val="75000"/>
-                  <a:lumOff val="25000"/>
-                </a:schemeClr>
-              </a:solidFill>
-              <a:latin typeface="方正悠黑简体" panose="00000500000000000000" pitchFamily="2" charset="-122"/>
-              <a:ea typeface="方正悠黑简体" panose="00000500000000000000" pitchFamily="2" charset="-122"/>
-            </a:endParaRPr>
           </a:p>
         </p:txBody>
       </p:sp>
@@ -24043,20 +23035,6 @@
               </a:rPr>
               <a:t>01</a:t>
             </a:r>
-            <a:endParaRPr lang="en-US" sz="2000" dirty="0">
-              <a:solidFill>
-                <a:schemeClr val="accent1"/>
-              </a:solidFill>
-              <a:effectLst>
-                <a:outerShdw blurRad="63500" sx="102000" sy="102000" algn="ctr" rotWithShape="0">
-                  <a:prstClr val="black">
-                    <a:alpha val="40000"/>
-                  </a:prstClr>
-                </a:outerShdw>
-              </a:effectLst>
-              <a:latin typeface="方正悠黑简体" panose="00000500000000000000" pitchFamily="2" charset="-122"/>
-              <a:ea typeface="方正悠黑简体" panose="00000500000000000000" pitchFamily="2" charset="-122"/>
-            </a:endParaRPr>
           </a:p>
         </p:txBody>
       </p:sp>
@@ -24093,13 +23071,6 @@
               </a:rPr>
               <a:t>学习能力</a:t>
             </a:r>
-            <a:endParaRPr lang="zh-CN" altLang="en-US" sz="1400" dirty="0">
-              <a:solidFill>
-                <a:srgbClr val="0F5CA2"/>
-              </a:solidFill>
-              <a:latin typeface="方正悠黑简体" panose="00000500000000000000" pitchFamily="2" charset="-122"/>
-              <a:ea typeface="方正悠黑简体" panose="00000500000000000000" pitchFamily="2" charset="-122"/>
-            </a:endParaRPr>
           </a:p>
         </p:txBody>
       </p:sp>
@@ -24178,16 +23149,6 @@
               </a:rPr>
               <a:t>大问题拆分成不同的小问题，逐一解决</a:t>
             </a:r>
-            <a:endParaRPr lang="zh-CN" altLang="en-US" sz="1200" dirty="0">
-              <a:solidFill>
-                <a:schemeClr val="tx1">
-                  <a:lumMod val="75000"/>
-                  <a:lumOff val="25000"/>
-                </a:schemeClr>
-              </a:solidFill>
-              <a:latin typeface="方正悠黑简体" panose="00000500000000000000" pitchFamily="2" charset="-122"/>
-              <a:ea typeface="方正悠黑简体" panose="00000500000000000000" pitchFamily="2" charset="-122"/>
-            </a:endParaRPr>
           </a:p>
         </p:txBody>
       </p:sp>
@@ -24284,20 +23245,6 @@
               </a:rPr>
               <a:t>02</a:t>
             </a:r>
-            <a:endParaRPr lang="en-US" sz="2000" dirty="0">
-              <a:solidFill>
-                <a:schemeClr val="accent1"/>
-              </a:solidFill>
-              <a:effectLst>
-                <a:outerShdw blurRad="63500" sx="102000" sy="102000" algn="ctr" rotWithShape="0">
-                  <a:prstClr val="black">
-                    <a:alpha val="40000"/>
-                  </a:prstClr>
-                </a:outerShdw>
-              </a:effectLst>
-              <a:latin typeface="方正悠黑简体" panose="00000500000000000000" pitchFamily="2" charset="-122"/>
-              <a:ea typeface="方正悠黑简体" panose="00000500000000000000" pitchFamily="2" charset="-122"/>
-            </a:endParaRPr>
           </a:p>
         </p:txBody>
       </p:sp>
@@ -24334,13 +23281,6 @@
               </a:rPr>
               <a:t>分析能力</a:t>
             </a:r>
-            <a:endParaRPr lang="zh-CN" altLang="en-US" sz="1400" dirty="0">
-              <a:solidFill>
-                <a:srgbClr val="0F5CA2"/>
-              </a:solidFill>
-              <a:latin typeface="方正悠黑简体" panose="00000500000000000000" pitchFamily="2" charset="-122"/>
-              <a:ea typeface="方正悠黑简体" panose="00000500000000000000" pitchFamily="2" charset="-122"/>
-            </a:endParaRPr>
           </a:p>
         </p:txBody>
       </p:sp>
@@ -24419,16 +23359,6 @@
               </a:rPr>
               <a:t>跨部门沟通时，能清楚表达自己的想法和意图</a:t>
             </a:r>
-            <a:endParaRPr lang="zh-CN" altLang="en-US" sz="1200" dirty="0">
-              <a:solidFill>
-                <a:schemeClr val="tx1">
-                  <a:lumMod val="75000"/>
-                  <a:lumOff val="25000"/>
-                </a:schemeClr>
-              </a:solidFill>
-              <a:latin typeface="方正悠黑简体" panose="00000500000000000000" pitchFamily="2" charset="-122"/>
-              <a:ea typeface="方正悠黑简体" panose="00000500000000000000" pitchFamily="2" charset="-122"/>
-            </a:endParaRPr>
           </a:p>
         </p:txBody>
       </p:sp>
@@ -24525,20 +23455,6 @@
               </a:rPr>
               <a:t>03</a:t>
             </a:r>
-            <a:endParaRPr lang="en-US" sz="2000" dirty="0">
-              <a:solidFill>
-                <a:schemeClr val="accent1"/>
-              </a:solidFill>
-              <a:effectLst>
-                <a:outerShdw blurRad="63500" sx="102000" sy="102000" algn="ctr" rotWithShape="0">
-                  <a:prstClr val="black">
-                    <a:alpha val="40000"/>
-                  </a:prstClr>
-                </a:outerShdw>
-              </a:effectLst>
-              <a:latin typeface="方正悠黑简体" panose="00000500000000000000" pitchFamily="2" charset="-122"/>
-              <a:ea typeface="方正悠黑简体" panose="00000500000000000000" pitchFamily="2" charset="-122"/>
-            </a:endParaRPr>
           </a:p>
         </p:txBody>
       </p:sp>
@@ -24575,13 +23491,6 @@
               </a:rPr>
               <a:t>沟通能力</a:t>
             </a:r>
-            <a:endParaRPr lang="zh-CN" altLang="en-US" sz="1400" dirty="0">
-              <a:solidFill>
-                <a:srgbClr val="0F5CA2"/>
-              </a:solidFill>
-              <a:latin typeface="方正悠黑简体" panose="00000500000000000000" pitchFamily="2" charset="-122"/>
-              <a:ea typeface="方正悠黑简体" panose="00000500000000000000" pitchFamily="2" charset="-122"/>
-            </a:endParaRPr>
           </a:p>
         </p:txBody>
       </p:sp>
@@ -24660,16 +23569,6 @@
               </a:rPr>
               <a:t>新技术、性能优化、交互体验、巩固已学技术</a:t>
             </a:r>
-            <a:endParaRPr lang="zh-CN" altLang="en-US" sz="1200" dirty="0">
-              <a:solidFill>
-                <a:schemeClr val="tx1">
-                  <a:lumMod val="75000"/>
-                  <a:lumOff val="25000"/>
-                </a:schemeClr>
-              </a:solidFill>
-              <a:latin typeface="方正悠黑简体" panose="00000500000000000000" pitchFamily="2" charset="-122"/>
-              <a:ea typeface="方正悠黑简体" panose="00000500000000000000" pitchFamily="2" charset="-122"/>
-            </a:endParaRPr>
           </a:p>
         </p:txBody>
       </p:sp>
@@ -24766,20 +23665,6 @@
               </a:rPr>
               <a:t>04</a:t>
             </a:r>
-            <a:endParaRPr lang="en-US" sz="2000" dirty="0">
-              <a:solidFill>
-                <a:schemeClr val="accent1"/>
-              </a:solidFill>
-              <a:effectLst>
-                <a:outerShdw blurRad="63500" sx="102000" sy="102000" algn="ctr" rotWithShape="0">
-                  <a:prstClr val="black">
-                    <a:alpha val="40000"/>
-                  </a:prstClr>
-                </a:outerShdw>
-              </a:effectLst>
-              <a:latin typeface="方正悠黑简体" panose="00000500000000000000" pitchFamily="2" charset="-122"/>
-              <a:ea typeface="方正悠黑简体" panose="00000500000000000000" pitchFamily="2" charset="-122"/>
-            </a:endParaRPr>
           </a:p>
         </p:txBody>
       </p:sp>
@@ -24816,13 +23701,6 @@
               </a:rPr>
               <a:t>开发能力</a:t>
             </a:r>
-            <a:endParaRPr lang="zh-CN" altLang="en-US" sz="1400" dirty="0">
-              <a:solidFill>
-                <a:srgbClr val="0F5CA2"/>
-              </a:solidFill>
-              <a:latin typeface="方正悠黑简体" panose="00000500000000000000" pitchFamily="2" charset="-122"/>
-              <a:ea typeface="方正悠黑简体" panose="00000500000000000000" pitchFamily="2" charset="-122"/>
-            </a:endParaRPr>
           </a:p>
         </p:txBody>
       </p:sp>
@@ -24901,16 +23779,6 @@
               </a:rPr>
               <a:t>自主思考解决、查询相关文档、请教他人、总结归纳</a:t>
             </a:r>
-            <a:endParaRPr lang="zh-CN" altLang="en-US" sz="1200" dirty="0">
-              <a:solidFill>
-                <a:schemeClr val="tx1">
-                  <a:lumMod val="75000"/>
-                  <a:lumOff val="25000"/>
-                </a:schemeClr>
-              </a:solidFill>
-              <a:latin typeface="方正悠黑简体" panose="00000500000000000000" pitchFamily="2" charset="-122"/>
-              <a:ea typeface="方正悠黑简体" panose="00000500000000000000" pitchFamily="2" charset="-122"/>
-            </a:endParaRPr>
           </a:p>
         </p:txBody>
       </p:sp>
@@ -25007,20 +23875,6 @@
               </a:rPr>
               <a:t>05</a:t>
             </a:r>
-            <a:endParaRPr lang="en-US" sz="2000" dirty="0">
-              <a:solidFill>
-                <a:schemeClr val="accent1"/>
-              </a:solidFill>
-              <a:effectLst>
-                <a:outerShdw blurRad="63500" sx="102000" sy="102000" algn="ctr" rotWithShape="0">
-                  <a:prstClr val="black">
-                    <a:alpha val="40000"/>
-                  </a:prstClr>
-                </a:outerShdw>
-              </a:effectLst>
-              <a:latin typeface="方正悠黑简体" panose="00000500000000000000" pitchFamily="2" charset="-122"/>
-              <a:ea typeface="方正悠黑简体" panose="00000500000000000000" pitchFamily="2" charset="-122"/>
-            </a:endParaRPr>
           </a:p>
         </p:txBody>
       </p:sp>
@@ -25057,13 +23911,6 @@
               </a:rPr>
               <a:t>解决问题</a:t>
             </a:r>
-            <a:endParaRPr lang="zh-CN" altLang="en-US" sz="1400" dirty="0">
-              <a:solidFill>
-                <a:srgbClr val="0F5CA2"/>
-              </a:solidFill>
-              <a:latin typeface="方正悠黑简体" panose="00000500000000000000" pitchFamily="2" charset="-122"/>
-              <a:ea typeface="方正悠黑简体" panose="00000500000000000000" pitchFamily="2" charset="-122"/>
-            </a:endParaRPr>
           </a:p>
         </p:txBody>
       </p:sp>
@@ -26256,16 +25103,6 @@
                   </a:rPr>
                   <a:t>个人总结</a:t>
                 </a:r>
-                <a:endParaRPr lang="zh-CN" altLang="en-US" sz="2200" dirty="0">
-                  <a:solidFill>
-                    <a:schemeClr val="tx1">
-                      <a:lumMod val="75000"/>
-                      <a:lumOff val="25000"/>
-                    </a:schemeClr>
-                  </a:solidFill>
-                  <a:latin typeface="微软雅黑" panose="020B0503020204020204" pitchFamily="34" charset="-122"/>
-                  <a:ea typeface="微软雅黑" panose="020B0503020204020204" pitchFamily="34" charset="-122"/>
-                </a:endParaRPr>
               </a:p>
             </p:txBody>
           </p:sp>
@@ -26480,16 +25317,6 @@
                 </a:rPr>
                 <a:t>个人总结</a:t>
               </a:r>
-              <a:endParaRPr lang="zh-CN" altLang="en-US" sz="2800" b="1" dirty="0">
-                <a:solidFill>
-                  <a:schemeClr val="tx1">
-                    <a:lumMod val="75000"/>
-                    <a:lumOff val="25000"/>
-                  </a:schemeClr>
-                </a:solidFill>
-                <a:latin typeface="微软雅黑" panose="020B0503020204020204" pitchFamily="34" charset="-122"/>
-                <a:ea typeface="微软雅黑" panose="020B0503020204020204" pitchFamily="34" charset="-122"/>
-              </a:endParaRPr>
             </a:p>
           </p:txBody>
         </p:sp>
@@ -26885,33 +25712,7 @@
                 <a:latin typeface="+mj-ea"/>
                 <a:ea typeface="+mj-ea"/>
               </a:rPr>
-              <a:t>、认真负责：对待工作不懈怠，尽最大努力完成</a:t>
-            </a:r>
-            <a:r>
-              <a:rPr lang="zh-CN" altLang="en-US" sz="1200" dirty="0">
-                <a:solidFill>
-                  <a:schemeClr val="tx1">
-                    <a:lumMod val="65000"/>
-                    <a:lumOff val="35000"/>
-                  </a:schemeClr>
-                </a:solidFill>
-                <a:latin typeface="+mj-ea"/>
-                <a:ea typeface="+mj-ea"/>
-              </a:rPr>
-              <a:t>工作，及时处理响应问题的</a:t>
-            </a:r>
-            <a:r>
-              <a:rPr lang="zh-CN" altLang="en-US" sz="1200" dirty="0">
-                <a:solidFill>
-                  <a:schemeClr val="tx1">
-                    <a:lumMod val="65000"/>
-                    <a:lumOff val="35000"/>
-                  </a:schemeClr>
-                </a:solidFill>
-                <a:latin typeface="+mj-ea"/>
-                <a:ea typeface="+mj-ea"/>
-              </a:rPr>
-              <a:t>反馈（即使在周末）。</a:t>
+              <a:t>、认真负责：对待工作不懈怠，尽最大努力完成工作，及时处理响应问题的反馈（即使在周末）。</a:t>
             </a:r>
             <a:endParaRPr lang="en-US" altLang="zh-CN" sz="1200" dirty="0">
               <a:solidFill>
@@ -27063,20 +25864,7 @@
                 <a:latin typeface="+mj-ea"/>
                 <a:ea typeface="+mj-ea"/>
               </a:rPr>
-              <a:t>、思考不全面：</a:t>
-            </a:r>
-            <a:r>
-              <a:rPr lang="zh-CN" altLang="en-US" sz="1200" dirty="0">
-                <a:solidFill>
-                  <a:schemeClr val="tx1">
-                    <a:lumMod val="65000"/>
-                    <a:lumOff val="35000"/>
-                  </a:schemeClr>
-                </a:solidFill>
-                <a:latin typeface="+mj-ea"/>
-                <a:ea typeface="+mj-ea"/>
-              </a:rPr>
-              <a:t>无法全局思考问题，需要别人的提醒。</a:t>
+              <a:t>、思考不全面：无法全局思考问题，需要别人的提醒。</a:t>
             </a:r>
             <a:endParaRPr lang="en-US" altLang="zh-CN" sz="1200" dirty="0">
               <a:solidFill>
@@ -27162,31 +25950,8 @@
                 <a:latin typeface="+mj-ea"/>
                 <a:ea typeface="+mj-ea"/>
               </a:rPr>
-              <a:t>、项目需求跟进不够主动，需求一多，则忙得</a:t>
-            </a:r>
-            <a:r>
-              <a:rPr lang="zh-CN" altLang="en-US" sz="1200" dirty="0">
-                <a:solidFill>
-                  <a:schemeClr val="tx1">
-                    <a:lumMod val="65000"/>
-                    <a:lumOff val="35000"/>
-                  </a:schemeClr>
-                </a:solidFill>
-                <a:latin typeface="+mj-ea"/>
-                <a:ea typeface="+mj-ea"/>
-              </a:rPr>
-              <a:t>无法主动推进进度。</a:t>
-            </a:r>
-            <a:endParaRPr lang="zh-CN" altLang="en-US" sz="1200" dirty="0">
-              <a:solidFill>
-                <a:schemeClr val="tx1">
-                  <a:lumMod val="65000"/>
-                  <a:lumOff val="35000"/>
-                </a:schemeClr>
-              </a:solidFill>
-              <a:latin typeface="+mj-ea"/>
-              <a:ea typeface="+mj-ea"/>
-            </a:endParaRPr>
+              <a:t>、项目需求跟进不够主动，需求一多，则忙得无法主动推进进度。</a:t>
+            </a:r>
           </a:p>
         </p:txBody>
       </p:sp>
@@ -27443,20 +26208,6 @@
               </a:rPr>
               <a:t>不足</a:t>
             </a:r>
-            <a:endParaRPr lang="zh-CN" altLang="en-US" sz="1800" b="1" dirty="0">
-              <a:solidFill>
-                <a:srgbClr val="0070C0"/>
-              </a:solidFill>
-              <a:effectLst>
-                <a:innerShdw blurRad="63500" dist="50800" dir="13500000">
-                  <a:prstClr val="black">
-                    <a:alpha val="50000"/>
-                  </a:prstClr>
-                </a:innerShdw>
-              </a:effectLst>
-              <a:latin typeface="+mj-ea"/>
-              <a:ea typeface="+mj-ea"/>
-            </a:endParaRPr>
           </a:p>
         </p:txBody>
       </p:sp>
@@ -28178,16 +26929,6 @@
                   </a:rPr>
                   <a:t>个人规划</a:t>
                 </a:r>
-                <a:endParaRPr lang="zh-CN" altLang="en-US" sz="2200" dirty="0">
-                  <a:solidFill>
-                    <a:schemeClr val="tx1">
-                      <a:lumMod val="75000"/>
-                      <a:lumOff val="25000"/>
-                    </a:schemeClr>
-                  </a:solidFill>
-                  <a:latin typeface="微软雅黑" panose="020B0503020204020204" pitchFamily="34" charset="-122"/>
-                  <a:ea typeface="微软雅黑" panose="020B0503020204020204" pitchFamily="34" charset="-122"/>
-                </a:endParaRPr>
               </a:p>
             </p:txBody>
           </p:sp>
@@ -28402,16 +27143,6 @@
                 </a:rPr>
                 <a:t>个人规划</a:t>
               </a:r>
-              <a:endParaRPr lang="zh-CN" altLang="en-US" sz="2800" b="1" dirty="0">
-                <a:solidFill>
-                  <a:schemeClr val="tx1">
-                    <a:lumMod val="75000"/>
-                    <a:lumOff val="25000"/>
-                  </a:schemeClr>
-                </a:solidFill>
-                <a:latin typeface="微软雅黑" panose="020B0503020204020204" pitchFamily="34" charset="-122"/>
-                <a:ea typeface="微软雅黑" panose="020B0503020204020204" pitchFamily="34" charset="-122"/>
-              </a:endParaRPr>
             </a:p>
           </p:txBody>
         </p:sp>
@@ -30102,20 +28833,7 @@
                 <a:latin typeface="方正悠黑简体" panose="00000500000000000000" pitchFamily="2" charset="-122"/>
                 <a:ea typeface="方正悠黑简体" panose="00000500000000000000" pitchFamily="2" charset="-122"/>
               </a:rPr>
-              <a:t>保持对工作的认真</a:t>
-            </a:r>
-            <a:r>
-              <a:rPr lang="zh-CN" altLang="en-US" sz="1200" dirty="0">
-                <a:solidFill>
-                  <a:schemeClr val="tx1">
-                    <a:lumMod val="75000"/>
-                    <a:lumOff val="25000"/>
-                  </a:schemeClr>
-                </a:solidFill>
-                <a:latin typeface="方正悠黑简体" panose="00000500000000000000" pitchFamily="2" charset="-122"/>
-                <a:ea typeface="方正悠黑简体" panose="00000500000000000000" pitchFamily="2" charset="-122"/>
-              </a:rPr>
-              <a:t>积极负责态度</a:t>
+              <a:t>保持对工作的认真积极负责态度</a:t>
             </a:r>
             <a:endParaRPr lang="en-US" altLang="zh-CN" sz="1200" dirty="0">
               <a:solidFill>
@@ -30914,16 +29632,6 @@
                   </a:rPr>
                   <a:t>工作内容</a:t>
                 </a:r>
-                <a:endParaRPr lang="zh-CN" altLang="en-US" sz="2200" dirty="0">
-                  <a:solidFill>
-                    <a:schemeClr val="tx1">
-                      <a:lumMod val="75000"/>
-                      <a:lumOff val="25000"/>
-                    </a:schemeClr>
-                  </a:solidFill>
-                  <a:latin typeface="微软雅黑" panose="020B0503020204020204" pitchFamily="34" charset="-122"/>
-                  <a:ea typeface="微软雅黑" panose="020B0503020204020204" pitchFamily="34" charset="-122"/>
-                </a:endParaRPr>
               </a:p>
             </p:txBody>
           </p:sp>
@@ -31138,16 +29846,6 @@
                 </a:rPr>
                 <a:t>工作内容</a:t>
               </a:r>
-              <a:endParaRPr lang="zh-CN" altLang="en-US" sz="2800" b="1" dirty="0">
-                <a:solidFill>
-                  <a:schemeClr val="tx1">
-                    <a:lumMod val="75000"/>
-                    <a:lumOff val="25000"/>
-                  </a:schemeClr>
-                </a:solidFill>
-                <a:latin typeface="微软雅黑" panose="020B0503020204020204" pitchFamily="34" charset="-122"/>
-                <a:ea typeface="微软雅黑" panose="020B0503020204020204" pitchFamily="34" charset="-122"/>
-              </a:endParaRPr>
             </a:p>
           </p:txBody>
         </p:sp>
@@ -31254,7 +29952,6 @@
               <a:rPr lang="zh-CN" altLang="en-US" b="1" dirty="0"/>
               <a:t>个需求</a:t>
             </a:r>
-            <a:endParaRPr lang="zh-CN" altLang="en-US" b="1" dirty="0"/>
           </a:p>
           <a:p>
             <a:endParaRPr lang="zh-CN" altLang="en-US" dirty="0"/>
@@ -31438,13 +30135,6 @@
               </a:rPr>
               <a:t>活动</a:t>
             </a:r>
-            <a:endParaRPr lang="zh-CN" altLang="en-US" sz="1400" b="1" dirty="0">
-              <a:solidFill>
-                <a:schemeClr val="bg1"/>
-              </a:solidFill>
-              <a:latin typeface="黑体" panose="02010609060101010101" pitchFamily="49" charset="-122"/>
-              <a:ea typeface="黑体" panose="02010609060101010101" pitchFamily="49" charset="-122"/>
-            </a:endParaRPr>
           </a:p>
         </p:txBody>
       </p:sp>
@@ -31476,9 +30166,6 @@
               </a:rPr>
               <a:t>国内：元素方尖、终末阵线</a:t>
             </a:r>
-            <a:endParaRPr lang="zh-CN" altLang="en-US" sz="1600" b="1" dirty="0">
-              <a:sym typeface="+mn-ea"/>
-            </a:endParaRPr>
           </a:p>
         </p:txBody>
       </p:sp>
@@ -31522,9 +30209,6 @@
               </a:rPr>
               <a:t>、魔力宝贝</a:t>
             </a:r>
-            <a:endParaRPr lang="zh-CN" altLang="en-US" sz="1600" b="1" dirty="0">
-              <a:sym typeface="+mn-ea"/>
-            </a:endParaRPr>
           </a:p>
         </p:txBody>
       </p:sp>
@@ -31703,13 +30387,6 @@
               </a:rPr>
               <a:t>平台</a:t>
             </a:r>
-            <a:endParaRPr lang="zh-CN" altLang="en-US" sz="1400" b="1" dirty="0">
-              <a:solidFill>
-                <a:schemeClr val="bg1"/>
-              </a:solidFill>
-              <a:latin typeface="黑体" panose="02010609060101010101" pitchFamily="49" charset="-122"/>
-              <a:ea typeface="黑体" panose="02010609060101010101" pitchFamily="49" charset="-122"/>
-            </a:endParaRPr>
           </a:p>
         </p:txBody>
       </p:sp>
@@ -31747,9 +30424,6 @@
               </a:rPr>
               <a:t>平台：好友邀请页、重点项目品牌集合预约页</a:t>
             </a:r>
-            <a:endParaRPr lang="zh-CN" altLang="en-US" sz="1600" b="1" dirty="0">
-              <a:sym typeface="+mn-ea"/>
-            </a:endParaRPr>
           </a:p>
         </p:txBody>
       </p:sp>
@@ -31968,9 +30642,6 @@
               </a:rPr>
               <a:t>小游戏</a:t>
             </a:r>
-            <a:endParaRPr lang="zh-CN" altLang="en-US" sz="1600" b="1" dirty="0">
-              <a:sym typeface="+mn-ea"/>
-            </a:endParaRPr>
           </a:p>
         </p:txBody>
       </p:sp>
@@ -32006,13 +30677,6 @@
               </a:rPr>
               <a:t>游戏</a:t>
             </a:r>
-            <a:endParaRPr lang="zh-CN" altLang="en-US" sz="1400" b="1" dirty="0">
-              <a:solidFill>
-                <a:schemeClr val="bg1"/>
-              </a:solidFill>
-              <a:latin typeface="黑体" panose="02010609060101010101" pitchFamily="49" charset="-122"/>
-              <a:ea typeface="黑体" panose="02010609060101010101" pitchFamily="49" charset="-122"/>
-            </a:endParaRPr>
           </a:p>
         </p:txBody>
       </p:sp>
@@ -32254,9 +30918,6 @@
               </a:rPr>
               <a:t>埋点工具</a:t>
             </a:r>
-            <a:endParaRPr lang="zh-CN" altLang="en-US" sz="1600" b="1" dirty="0">
-              <a:sym typeface="+mn-ea"/>
-            </a:endParaRPr>
           </a:p>
         </p:txBody>
       </p:sp>
@@ -32292,13 +30953,6 @@
               </a:rPr>
               <a:t>内部</a:t>
             </a:r>
-            <a:endParaRPr lang="zh-CN" altLang="en-US" sz="1400" b="1" dirty="0">
-              <a:solidFill>
-                <a:schemeClr val="bg1"/>
-              </a:solidFill>
-              <a:latin typeface="黑体" panose="02010609060101010101" pitchFamily="49" charset="-122"/>
-              <a:ea typeface="黑体" panose="02010609060101010101" pitchFamily="49" charset="-122"/>
-            </a:endParaRPr>
           </a:p>
         </p:txBody>
       </p:sp>
@@ -32376,16 +31030,6 @@
                 </a:rPr>
                 <a:t>工作内容</a:t>
               </a:r>
-              <a:endParaRPr lang="zh-CN" altLang="en-US" sz="2800" b="1" dirty="0">
-                <a:solidFill>
-                  <a:schemeClr val="tx1">
-                    <a:lumMod val="75000"/>
-                    <a:lumOff val="25000"/>
-                  </a:schemeClr>
-                </a:solidFill>
-                <a:latin typeface="微软雅黑" panose="020B0503020204020204" pitchFamily="34" charset="-122"/>
-                <a:ea typeface="微软雅黑" panose="020B0503020204020204" pitchFamily="34" charset="-122"/>
-              </a:endParaRPr>
             </a:p>
           </p:txBody>
         </p:sp>
@@ -32603,13 +31247,6 @@
               </a:rPr>
               <a:t>活动业务的熟悉</a:t>
             </a:r>
-            <a:endParaRPr lang="zh-CN" altLang="en-US" sz="1400" dirty="0">
-              <a:solidFill>
-                <a:srgbClr val="007CC8"/>
-              </a:solidFill>
-              <a:latin typeface="黑体" panose="02010609060101010101" pitchFamily="49" charset="-122"/>
-              <a:ea typeface="黑体" panose="02010609060101010101" pitchFamily="49" charset="-122"/>
-            </a:endParaRPr>
           </a:p>
         </p:txBody>
       </p:sp>
@@ -32692,17 +31329,8 @@
               <a:rPr lang="zh-CN" altLang="en-US" sz="1600" b="1" dirty="0">
                 <a:sym typeface="+mn-ea"/>
               </a:rPr>
-              <a:t>完成开发，并按时</a:t>
-            </a:r>
-            <a:r>
-              <a:rPr lang="zh-CN" altLang="en-US" sz="1600" b="1" dirty="0">
-                <a:sym typeface="+mn-ea"/>
-              </a:rPr>
-              <a:t>保质交付。</a:t>
-            </a:r>
-            <a:endParaRPr lang="zh-CN" altLang="en-US" sz="1600" b="1" dirty="0">
-              <a:sym typeface="+mn-ea"/>
-            </a:endParaRPr>
+              <a:t>完成开发，并按时保质交付。</a:t>
+            </a:r>
           </a:p>
         </p:txBody>
       </p:sp>
@@ -32759,11 +31387,6 @@
               </a:rPr>
               <a:t>预约页等</a:t>
             </a:r>
-            <a:endParaRPr lang="zh-CN" altLang="en-US" sz="1400" b="1" dirty="0">
-              <a:solidFill>
-                <a:srgbClr val="0070C0"/>
-              </a:solidFill>
-            </a:endParaRPr>
           </a:p>
         </p:txBody>
       </p:sp>
@@ -32804,11 +31427,6 @@
               </a:rPr>
               <a:t>国内元素方尖、港台终末、港台魔力宝贝等</a:t>
             </a:r>
-            <a:endParaRPr lang="zh-CN" altLang="en-US" sz="1400" b="1" dirty="0">
-              <a:solidFill>
-                <a:srgbClr val="0070C0"/>
-              </a:solidFill>
-            </a:endParaRPr>
           </a:p>
         </p:txBody>
       </p:sp>
@@ -32881,13 +31499,6 @@
               </a:rPr>
               <a:t>储值</a:t>
             </a:r>
-            <a:endParaRPr lang="zh-CN" altLang="en-US" sz="1400" b="1" dirty="0">
-              <a:solidFill>
-                <a:srgbClr val="0070C0"/>
-              </a:solidFill>
-              <a:latin typeface="+mj-ea"/>
-              <a:ea typeface="+mj-ea"/>
-            </a:endParaRPr>
           </a:p>
         </p:txBody>
       </p:sp>
@@ -32920,10 +31531,6 @@
               </a:rPr>
               <a:t>其他各种日常活动</a:t>
             </a:r>
-            <a:endParaRPr lang="zh-CN" altLang="en-US" sz="1200" b="1" dirty="0">
-              <a:latin typeface="+mj-ea"/>
-              <a:ea typeface="+mj-ea"/>
-            </a:endParaRPr>
           </a:p>
         </p:txBody>
       </p:sp>
@@ -32971,7 +31578,7 @@
           <p:nvPr/>
         </p:nvPicPr>
         <p:blipFill>
-          <a:blip r:embed="rId1">
+          <a:blip r:embed="rId3">
             <a:extLst>
               <a:ext uri="{28A0092B-C50C-407E-A947-70E740481C1C}">
                 <a14:useLocalDpi xmlns:a14="http://schemas.microsoft.com/office/drawing/2010/main" val="0"/>
@@ -33001,7 +31608,7 @@
           <p:nvPr/>
         </p:nvPicPr>
         <p:blipFill>
-          <a:blip r:embed="rId2">
+          <a:blip r:embed="rId4">
             <a:extLst>
               <a:ext uri="{28A0092B-C50C-407E-A947-70E740481C1C}">
                 <a14:useLocalDpi xmlns:a14="http://schemas.microsoft.com/office/drawing/2010/main" val="0"/>
@@ -33031,7 +31638,7 @@
           <p:nvPr/>
         </p:nvPicPr>
         <p:blipFill>
-          <a:blip r:embed="rId3">
+          <a:blip r:embed="rId5">
             <a:extLst>
               <a:ext uri="{28A0092B-C50C-407E-A947-70E740481C1C}">
                 <a14:useLocalDpi xmlns:a14="http://schemas.microsoft.com/office/drawing/2010/main" val="0"/>
@@ -33061,7 +31668,7 @@
           <p:nvPr/>
         </p:nvPicPr>
         <p:blipFill>
-          <a:blip r:embed="rId4">
+          <a:blip r:embed="rId6">
             <a:extLst>
               <a:ext uri="{28A0092B-C50C-407E-A947-70E740481C1C}">
                 <a14:useLocalDpi xmlns:a14="http://schemas.microsoft.com/office/drawing/2010/main" val="0"/>
@@ -33156,16 +31763,6 @@
                 </a:rPr>
                 <a:t>工作内容</a:t>
               </a:r>
-              <a:endParaRPr lang="zh-CN" altLang="en-US" sz="2800" b="1" dirty="0">
-                <a:solidFill>
-                  <a:schemeClr val="tx1">
-                    <a:lumMod val="75000"/>
-                    <a:lumOff val="25000"/>
-                  </a:schemeClr>
-                </a:solidFill>
-                <a:latin typeface="微软雅黑" panose="020B0503020204020204" pitchFamily="34" charset="-122"/>
-                <a:ea typeface="微软雅黑" panose="020B0503020204020204" pitchFamily="34" charset="-122"/>
-              </a:endParaRPr>
             </a:p>
           </p:txBody>
         </p:sp>
@@ -33383,13 +31980,6 @@
               </a:rPr>
               <a:t>活动业务的熟悉</a:t>
             </a:r>
-            <a:endParaRPr lang="zh-CN" altLang="en-US" sz="1400" dirty="0">
-              <a:solidFill>
-                <a:srgbClr val="007CC8"/>
-              </a:solidFill>
-              <a:latin typeface="黑体" panose="02010609060101010101" pitchFamily="49" charset="-122"/>
-              <a:ea typeface="黑体" panose="02010609060101010101" pitchFamily="49" charset="-122"/>
-            </a:endParaRPr>
           </a:p>
         </p:txBody>
       </p:sp>
@@ -33492,9 +32082,6 @@
               </a:rPr>
               <a:t>以内</a:t>
             </a:r>
-            <a:endParaRPr lang="zh-CN" altLang="en-US" sz="1400" b="1" dirty="0">
-              <a:sym typeface="+mn-ea"/>
-            </a:endParaRPr>
           </a:p>
         </p:txBody>
       </p:sp>
@@ -33507,7 +32094,7 @@
           <p:nvPr/>
         </p:nvPicPr>
         <p:blipFill>
-          <a:blip r:embed="rId1"/>
+          <a:blip r:embed="rId2"/>
           <a:stretch>
             <a:fillRect/>
           </a:stretch>
@@ -33531,7 +32118,7 @@
           <p:nvPr/>
         </p:nvPicPr>
         <p:blipFill>
-          <a:blip r:embed="rId2"/>
+          <a:blip r:embed="rId3"/>
           <a:stretch>
             <a:fillRect/>
           </a:stretch>
@@ -33555,7 +32142,7 @@
           <p:nvPr/>
         </p:nvPicPr>
         <p:blipFill>
-          <a:blip r:embed="rId3"/>
+          <a:blip r:embed="rId4"/>
           <a:stretch>
             <a:fillRect/>
           </a:stretch>
@@ -33596,7 +32183,6 @@
               <a:rPr lang="zh-CN" altLang="en-US" sz="1200"/>
               <a:t>浮生</a:t>
             </a:r>
-            <a:endParaRPr lang="zh-CN" altLang="en-US" sz="1200"/>
           </a:p>
         </p:txBody>
       </p:sp>
@@ -33626,7 +32212,6 @@
               <a:rPr lang="zh-CN" altLang="en-US" sz="1200"/>
               <a:t>终末</a:t>
             </a:r>
-            <a:endParaRPr lang="zh-CN" altLang="en-US" sz="1200"/>
           </a:p>
         </p:txBody>
       </p:sp>
@@ -33656,7 +32241,6 @@
               <a:rPr lang="zh-CN" altLang="en-US" sz="1200"/>
               <a:t>魔力宝贝</a:t>
             </a:r>
-            <a:endParaRPr lang="zh-CN" altLang="en-US" sz="1200"/>
           </a:p>
         </p:txBody>
       </p:sp>
@@ -33694,9 +32278,6 @@
               </a:rPr>
               <a:t>、效率提升</a:t>
             </a:r>
-            <a:endParaRPr lang="zh-CN" altLang="en-US" sz="1600" b="1" dirty="0">
-              <a:sym typeface="+mn-ea"/>
-            </a:endParaRPr>
           </a:p>
         </p:txBody>
       </p:sp>
@@ -33709,7 +32290,7 @@
           <p:nvPr/>
         </p:nvPicPr>
         <p:blipFill>
-          <a:blip r:embed="rId4"/>
+          <a:blip r:embed="rId5"/>
           <a:stretch>
             <a:fillRect/>
           </a:stretch>
@@ -33733,7 +32314,7 @@
           <p:nvPr/>
         </p:nvPicPr>
         <p:blipFill>
-          <a:blip r:embed="rId5"/>
+          <a:blip r:embed="rId6"/>
           <a:stretch>
             <a:fillRect/>
           </a:stretch>
@@ -33757,7 +32338,7 @@
           <p:nvPr/>
         </p:nvPicPr>
         <p:blipFill>
-          <a:blip r:embed="rId6"/>
+          <a:blip r:embed="rId7"/>
           <a:stretch>
             <a:fillRect/>
           </a:stretch>
@@ -33846,16 +32427,6 @@
                 </a:rPr>
                 <a:t>工作内容</a:t>
               </a:r>
-              <a:endParaRPr lang="zh-CN" altLang="en-US" sz="2800" b="1" dirty="0">
-                <a:solidFill>
-                  <a:schemeClr val="tx1">
-                    <a:lumMod val="75000"/>
-                    <a:lumOff val="25000"/>
-                  </a:schemeClr>
-                </a:solidFill>
-                <a:latin typeface="微软雅黑" panose="020B0503020204020204" pitchFamily="34" charset="-122"/>
-                <a:ea typeface="微软雅黑" panose="020B0503020204020204" pitchFamily="34" charset="-122"/>
-              </a:endParaRPr>
             </a:p>
           </p:txBody>
         </p:sp>
@@ -34083,13 +32654,6 @@
               </a:rPr>
               <a:t>小游戏开发</a:t>
             </a:r>
-            <a:endParaRPr lang="zh-CN" altLang="en-US" sz="1400" dirty="0">
-              <a:solidFill>
-                <a:srgbClr val="007CC8"/>
-              </a:solidFill>
-              <a:latin typeface="黑体" panose="02010609060101010101" pitchFamily="49" charset="-122"/>
-              <a:ea typeface="黑体" panose="02010609060101010101" pitchFamily="49" charset="-122"/>
-            </a:endParaRPr>
           </a:p>
         </p:txBody>
       </p:sp>
@@ -34260,17 +32824,8 @@
               <a:rPr lang="zh-CN" altLang="en-US" sz="1400" dirty="0">
                 <a:sym typeface="+mn-ea"/>
               </a:rPr>
-              <a:t>小游戏开发经验，入手</a:t>
-            </a:r>
-            <a:r>
-              <a:rPr lang="zh-CN" altLang="en-US" sz="1400" dirty="0">
-                <a:sym typeface="+mn-ea"/>
-              </a:rPr>
-              <a:t>较困难</a:t>
-            </a:r>
-            <a:endParaRPr lang="zh-CN" altLang="en-US" sz="1400" dirty="0">
-              <a:sym typeface="+mn-ea"/>
-            </a:endParaRPr>
+              <a:t>小游戏开发经验，入手较困难</a:t>
+            </a:r>
           </a:p>
         </p:txBody>
       </p:sp>
@@ -34357,13 +32912,7 @@
               <a:rPr lang="zh-CN" altLang="en-US" sz="1200" dirty="0">
                 <a:sym typeface="+mn-ea"/>
               </a:rPr>
-              <a:t>，大概了解引擎</a:t>
-            </a:r>
-            <a:r>
-              <a:rPr lang="zh-CN" altLang="en-US" sz="1200" dirty="0">
-                <a:sym typeface="+mn-ea"/>
-              </a:rPr>
-              <a:t>大体功能。</a:t>
+              <a:t>，大概了解引擎大体功能。</a:t>
             </a:r>
             <a:endParaRPr lang="en-US" altLang="zh-CN" sz="1200" dirty="0">
               <a:sym typeface="+mn-ea"/>
@@ -34393,9 +32942,6 @@
               </a:rPr>
               <a:t>）分析需求，拆分游戏功能，结合文档案例，将功能逐一实现。</a:t>
             </a:r>
-            <a:endParaRPr lang="zh-CN" altLang="en-US" sz="1200" dirty="0">
-              <a:sym typeface="+mn-ea"/>
-            </a:endParaRPr>
           </a:p>
         </p:txBody>
       </p:sp>
@@ -34408,7 +32954,7 @@
           <p:nvPr/>
         </p:nvPicPr>
         <p:blipFill>
-          <a:blip r:embed="rId1"/>
+          <a:blip r:embed="rId3"/>
           <a:stretch>
             <a:fillRect/>
           </a:stretch>
@@ -34497,16 +33043,6 @@
                 </a:rPr>
                 <a:t>工作内容</a:t>
               </a:r>
-              <a:endParaRPr lang="zh-CN" altLang="en-US" sz="2800" b="1" dirty="0">
-                <a:solidFill>
-                  <a:schemeClr val="tx1">
-                    <a:lumMod val="75000"/>
-                    <a:lumOff val="25000"/>
-                  </a:schemeClr>
-                </a:solidFill>
-                <a:latin typeface="微软雅黑" panose="020B0503020204020204" pitchFamily="34" charset="-122"/>
-                <a:ea typeface="微软雅黑" panose="020B0503020204020204" pitchFamily="34" charset="-122"/>
-              </a:endParaRPr>
             </a:p>
           </p:txBody>
         </p:sp>
@@ -34734,13 +33270,6 @@
               </a:rPr>
               <a:t>小游戏开发</a:t>
             </a:r>
-            <a:endParaRPr lang="zh-CN" altLang="en-US" sz="1400" dirty="0">
-              <a:solidFill>
-                <a:srgbClr val="007CC8"/>
-              </a:solidFill>
-              <a:latin typeface="黑体" panose="02010609060101010101" pitchFamily="49" charset="-122"/>
-              <a:ea typeface="黑体" panose="02010609060101010101" pitchFamily="49" charset="-122"/>
-            </a:endParaRPr>
           </a:p>
         </p:txBody>
       </p:sp>
@@ -34864,7 +33393,7 @@
           <p:nvPr/>
         </p:nvPicPr>
         <p:blipFill>
-          <a:blip r:embed="rId1"/>
+          <a:blip r:embed="rId2"/>
           <a:stretch>
             <a:fillRect/>
           </a:stretch>
@@ -34888,7 +33417,7 @@
           <p:nvPr/>
         </p:nvPicPr>
         <p:blipFill>
-          <a:blip r:embed="rId2">
+          <a:blip r:embed="rId3">
             <a:extLst>
               <a:ext uri="{28A0092B-C50C-407E-A947-70E740481C1C}">
                 <a14:useLocalDpi xmlns:a14="http://schemas.microsoft.com/office/drawing/2010/main" val="0"/>
@@ -35031,7 +33560,7 @@
           <p:nvPr/>
         </p:nvPicPr>
         <p:blipFill>
-          <a:blip r:embed="rId3"/>
+          <a:blip r:embed="rId4"/>
           <a:stretch>
             <a:fillRect/>
           </a:stretch>
@@ -35120,16 +33649,6 @@
                 </a:rPr>
                 <a:t>工作内容</a:t>
               </a:r>
-              <a:endParaRPr lang="zh-CN" altLang="en-US" sz="2800" b="1" dirty="0">
-                <a:solidFill>
-                  <a:schemeClr val="tx1">
-                    <a:lumMod val="75000"/>
-                    <a:lumOff val="25000"/>
-                  </a:schemeClr>
-                </a:solidFill>
-                <a:latin typeface="微软雅黑" panose="020B0503020204020204" pitchFamily="34" charset="-122"/>
-                <a:ea typeface="微软雅黑" panose="020B0503020204020204" pitchFamily="34" charset="-122"/>
-              </a:endParaRPr>
             </a:p>
           </p:txBody>
         </p:sp>
@@ -35357,13 +33876,6 @@
               </a:rPr>
               <a:t>小游戏开发</a:t>
             </a:r>
-            <a:endParaRPr lang="zh-CN" altLang="en-US" sz="1400" dirty="0">
-              <a:solidFill>
-                <a:srgbClr val="007CC8"/>
-              </a:solidFill>
-              <a:latin typeface="黑体" panose="02010609060101010101" pitchFamily="49" charset="-122"/>
-              <a:ea typeface="黑体" panose="02010609060101010101" pitchFamily="49" charset="-122"/>
-            </a:endParaRPr>
           </a:p>
         </p:txBody>
       </p:sp>
@@ -35564,7 +34076,7 @@
           <p:nvPr/>
         </p:nvPicPr>
         <p:blipFill>
-          <a:blip r:embed="rId1"/>
+          <a:blip r:embed="rId2"/>
           <a:stretch>
             <a:fillRect/>
           </a:stretch>
@@ -35588,7 +34100,7 @@
           <p:nvPr/>
         </p:nvPicPr>
         <p:blipFill>
-          <a:blip r:embed="rId2" cstate="print">
+          <a:blip r:embed="rId3" cstate="print">
             <a:extLst>
               <a:ext uri="{28A0092B-C50C-407E-A947-70E740481C1C}">
                 <a14:useLocalDpi xmlns:a14="http://schemas.microsoft.com/office/drawing/2010/main" val="0"/>
@@ -35629,7 +34141,7 @@
 </file>
 
 <file path=ppt/tags/tag1.xml><?xml version="1.0" encoding="utf-8"?>
-<p:tagLst xmlns:p="http://schemas.openxmlformats.org/presentationml/2006/main">
+<p:tagLst xmlns:a="http://schemas.openxmlformats.org/drawingml/2006/main" xmlns:r="http://schemas.openxmlformats.org/officeDocument/2006/relationships" xmlns:p="http://schemas.openxmlformats.org/presentationml/2006/main">
   <p:tag name="KSO_WPP_MARK_KEY" val="504a7015-2e93-4151-b11b-33a7fa969b01"/>
   <p:tag name="COMMONDATA" val="eyJoZGlkIjoiNzdmODFkYWY1MDY5NzJhYWU0ZGY2YmI4MzQ3NjYyZDIifQ=="/>
 </p:tagLst>
@@ -35913,6 +34425,8 @@
       </a:bgFillStyleLst>
     </a:fmtScheme>
   </a:themeElements>
+  <a:objectDefaults/>
+  <a:extraClrSchemeLst/>
   <a:extLst>
     <a:ext uri="{05A4C25C-085E-4340-85A3-A5531E510DB2}">
       <thm15:themeFamily xmlns:thm15="http://schemas.microsoft.com/office/thememl/2012/main" name="Office Theme" id="{62F939B6-93AF-4DB8-9C6B-D6C7DFDC589F}" vid="{4A3C46E8-61CC-4603-A589-7422A47A8E4A}"/>
@@ -36172,6 +34686,8 @@
       </a:bgFillStyleLst>
     </a:fmtScheme>
   </a:themeElements>
+  <a:objectDefaults/>
+  <a:extraClrSchemeLst/>
   <a:extLst>
     <a:ext uri="{05A4C25C-085E-4340-85A3-A5531E510DB2}">
       <thm15:themeFamily xmlns:thm15="http://schemas.microsoft.com/office/thememl/2012/main" name="Office Theme" id="{62F939B6-93AF-4DB8-9C6B-D6C7DFDC589F}" vid="{4A3C46E8-61CC-4603-A589-7422A47A8E4A}"/>
